--- a/Lecture/Lect4-Objects.pptx
+++ b/Lecture/Lect4-Objects.pptx
@@ -6,7 +6,18 @@
   </p:sldMasterIdLst>
   <p:sldIdLst>
     <p:sldId id="256" r:id="rId2"/>
-    <p:sldId id="326" r:id="rId3"/>
+    <p:sldId id="327" r:id="rId3"/>
+    <p:sldId id="328" r:id="rId4"/>
+    <p:sldId id="329" r:id="rId5"/>
+    <p:sldId id="330" r:id="rId6"/>
+    <p:sldId id="334" r:id="rId7"/>
+    <p:sldId id="331" r:id="rId8"/>
+    <p:sldId id="332" r:id="rId9"/>
+    <p:sldId id="333" r:id="rId10"/>
+    <p:sldId id="335" r:id="rId11"/>
+    <p:sldId id="336" r:id="rId12"/>
+    <p:sldId id="338" r:id="rId13"/>
+    <p:sldId id="339" r:id="rId14"/>
   </p:sldIdLst>
   <p:sldSz cx="12192000" cy="6858000"/>
   <p:notesSz cx="6858000" cy="9144000"/>
@@ -244,7 +255,7 @@
           <a:p>
             <a:fld id="{88B86BFB-14E0-416A-A3F7-2406F596F60B}" type="datetimeFigureOut">
               <a:rPr lang="en-US" smtClean="0"/>
-              <a:t>1/29/2020</a:t>
+              <a:t>2/12/2020</a:t>
             </a:fld>
             <a:endParaRPr lang="en-US"/>
           </a:p>
@@ -414,7 +425,7 @@
           <a:p>
             <a:fld id="{88B86BFB-14E0-416A-A3F7-2406F596F60B}" type="datetimeFigureOut">
               <a:rPr lang="en-US" smtClean="0"/>
-              <a:t>1/29/2020</a:t>
+              <a:t>2/12/2020</a:t>
             </a:fld>
             <a:endParaRPr lang="en-US"/>
           </a:p>
@@ -594,7 +605,7 @@
           <a:p>
             <a:fld id="{88B86BFB-14E0-416A-A3F7-2406F596F60B}" type="datetimeFigureOut">
               <a:rPr lang="en-US" smtClean="0"/>
-              <a:t>1/29/2020</a:t>
+              <a:t>2/12/2020</a:t>
             </a:fld>
             <a:endParaRPr lang="en-US"/>
           </a:p>
@@ -778,7 +789,7 @@
           <a:p>
             <a:fld id="{88B86BFB-14E0-416A-A3F7-2406F596F60B}" type="datetimeFigureOut">
               <a:rPr lang="en-US" smtClean="0"/>
-              <a:t>1/29/2020</a:t>
+              <a:t>2/12/2020</a:t>
             </a:fld>
             <a:endParaRPr lang="en-US"/>
           </a:p>
@@ -1024,7 +1035,7 @@
           <a:p>
             <a:fld id="{88B86BFB-14E0-416A-A3F7-2406F596F60B}" type="datetimeFigureOut">
               <a:rPr lang="en-US" smtClean="0"/>
-              <a:t>1/29/2020</a:t>
+              <a:t>2/12/2020</a:t>
             </a:fld>
             <a:endParaRPr lang="en-US"/>
           </a:p>
@@ -1256,7 +1267,7 @@
           <a:p>
             <a:fld id="{88B86BFB-14E0-416A-A3F7-2406F596F60B}" type="datetimeFigureOut">
               <a:rPr lang="en-US" smtClean="0"/>
-              <a:t>1/29/2020</a:t>
+              <a:t>2/12/2020</a:t>
             </a:fld>
             <a:endParaRPr lang="en-US"/>
           </a:p>
@@ -1623,7 +1634,7 @@
           <a:p>
             <a:fld id="{88B86BFB-14E0-416A-A3F7-2406F596F60B}" type="datetimeFigureOut">
               <a:rPr lang="en-US" smtClean="0"/>
-              <a:t>1/29/2020</a:t>
+              <a:t>2/12/2020</a:t>
             </a:fld>
             <a:endParaRPr lang="en-US"/>
           </a:p>
@@ -1741,7 +1752,7 @@
           <a:p>
             <a:fld id="{88B86BFB-14E0-416A-A3F7-2406F596F60B}" type="datetimeFigureOut">
               <a:rPr lang="en-US" smtClean="0"/>
-              <a:t>1/29/2020</a:t>
+              <a:t>2/12/2020</a:t>
             </a:fld>
             <a:endParaRPr lang="en-US"/>
           </a:p>
@@ -1836,7 +1847,7 @@
           <a:p>
             <a:fld id="{88B86BFB-14E0-416A-A3F7-2406F596F60B}" type="datetimeFigureOut">
               <a:rPr lang="en-US" smtClean="0"/>
-              <a:t>1/29/2020</a:t>
+              <a:t>2/12/2020</a:t>
             </a:fld>
             <a:endParaRPr lang="en-US"/>
           </a:p>
@@ -2113,7 +2124,7 @@
           <a:p>
             <a:fld id="{88B86BFB-14E0-416A-A3F7-2406F596F60B}" type="datetimeFigureOut">
               <a:rPr lang="en-US" smtClean="0"/>
-              <a:t>1/29/2020</a:t>
+              <a:t>2/12/2020</a:t>
             </a:fld>
             <a:endParaRPr lang="en-US"/>
           </a:p>
@@ -2366,7 +2377,7 @@
           <a:p>
             <a:fld id="{88B86BFB-14E0-416A-A3F7-2406F596F60B}" type="datetimeFigureOut">
               <a:rPr lang="en-US" smtClean="0"/>
-              <a:t>1/29/2020</a:t>
+              <a:t>2/12/2020</a:t>
             </a:fld>
             <a:endParaRPr lang="en-US"/>
           </a:p>
@@ -2579,7 +2590,7 @@
           <a:p>
             <a:fld id="{88B86BFB-14E0-416A-A3F7-2406F596F60B}" type="datetimeFigureOut">
               <a:rPr lang="en-US" smtClean="0"/>
-              <a:t>1/29/2020</a:t>
+              <a:t>2/12/2020</a:t>
             </a:fld>
             <a:endParaRPr lang="en-US"/>
           </a:p>
@@ -3008,11 +3019,7 @@
             </a:br>
             <a:r>
               <a:rPr lang="en-US" dirty="0" smtClean="0"/>
-              <a:t>Lecture </a:t>
-            </a:r>
-            <a:r>
-              <a:rPr lang="en-US" dirty="0" smtClean="0"/>
-              <a:t>4</a:t>
+              <a:t>Lecture 4</a:t>
             </a:r>
             <a:endParaRPr lang="en-US" dirty="0"/>
           </a:p>
@@ -3045,6 +3052,2632 @@
     <p:extLst>
       <p:ext uri="{BB962C8B-B14F-4D97-AF65-F5344CB8AC3E}">
         <p14:creationId xmlns:p14="http://schemas.microsoft.com/office/powerpoint/2010/main" val="1083035800"/>
+      </p:ext>
+    </p:extLst>
+  </p:cSld>
+  <p:clrMapOvr>
+    <a:masterClrMapping/>
+  </p:clrMapOvr>
+  <p:timing>
+    <p:tnLst>
+      <p:par>
+        <p:cTn id="1" dur="indefinite" restart="never" nodeType="tmRoot"/>
+      </p:par>
+    </p:tnLst>
+  </p:timing>
+</p:sld>
+</file>
+
+<file path=ppt/slides/slide10.xml><?xml version="1.0" encoding="utf-8"?>
+<p:sld xmlns:a="http://schemas.openxmlformats.org/drawingml/2006/main" xmlns:r="http://schemas.openxmlformats.org/officeDocument/2006/relationships" xmlns:p="http://schemas.openxmlformats.org/presentationml/2006/main">
+  <p:cSld>
+    <p:spTree>
+      <p:nvGrpSpPr>
+        <p:cNvPr id="1" name=""/>
+        <p:cNvGrpSpPr/>
+        <p:nvPr/>
+      </p:nvGrpSpPr>
+      <p:grpSpPr>
+        <a:xfrm>
+          <a:off x="0" y="0"/>
+          <a:ext cx="0" cy="0"/>
+          <a:chOff x="0" y="0"/>
+          <a:chExt cx="0" cy="0"/>
+        </a:xfrm>
+      </p:grpSpPr>
+      <p:sp>
+        <p:nvSpPr>
+          <p:cNvPr id="2" name="Title 1"/>
+          <p:cNvSpPr>
+            <a:spLocks noGrp="1"/>
+          </p:cNvSpPr>
+          <p:nvPr>
+            <p:ph type="title"/>
+          </p:nvPr>
+        </p:nvSpPr>
+        <p:spPr/>
+        <p:txBody>
+          <a:bodyPr>
+            <a:normAutofit fontScale="90000"/>
+          </a:bodyPr>
+          <a:lstStyle/>
+          <a:p>
+            <a:r>
+              <a:rPr lang="en-US" dirty="0" smtClean="0"/>
+              <a:t>Reference to Prototypes in JavaScript</a:t>
+            </a:r>
+            <a:endParaRPr lang="en-US" dirty="0"/>
+          </a:p>
+        </p:txBody>
+      </p:sp>
+      <p:sp>
+        <p:nvSpPr>
+          <p:cNvPr id="4" name="TextBox 3"/>
+          <p:cNvSpPr txBox="1"/>
+          <p:nvPr/>
+        </p:nvSpPr>
+        <p:spPr>
+          <a:xfrm>
+            <a:off x="1764223" y="1233928"/>
+            <a:ext cx="4431741" cy="5262979"/>
+          </a:xfrm>
+          <a:prstGeom prst="rect">
+            <a:avLst/>
+          </a:prstGeom>
+          <a:solidFill>
+            <a:schemeClr val="accent1">
+              <a:lumMod val="40000"/>
+              <a:lumOff val="60000"/>
+            </a:schemeClr>
+          </a:solidFill>
+        </p:spPr>
+        <p:txBody>
+          <a:bodyPr wrap="square" rtlCol="0">
+            <a:spAutoFit/>
+          </a:bodyPr>
+          <a:lstStyle/>
+          <a:p>
+            <a:r>
+              <a:rPr lang="en-US" sz="1600" dirty="0" smtClean="0"/>
+              <a:t>function Student(name, id) {</a:t>
+            </a:r>
+          </a:p>
+          <a:p>
+            <a:r>
+              <a:rPr lang="en-US" sz="1600" dirty="0"/>
+              <a:t> </a:t>
+            </a:r>
+            <a:r>
+              <a:rPr lang="en-US" sz="1600" dirty="0" smtClean="0"/>
+              <a:t>  this.name = name;</a:t>
+            </a:r>
+          </a:p>
+          <a:p>
+            <a:r>
+              <a:rPr lang="en-US" sz="1600" dirty="0"/>
+              <a:t> </a:t>
+            </a:r>
+            <a:r>
+              <a:rPr lang="en-US" sz="1600" dirty="0" smtClean="0"/>
+              <a:t>  this.id = id;</a:t>
+            </a:r>
+          </a:p>
+          <a:p>
+            <a:r>
+              <a:rPr lang="en-US" sz="1600" dirty="0" smtClean="0"/>
+              <a:t>}</a:t>
+            </a:r>
+          </a:p>
+          <a:p>
+            <a:endParaRPr lang="en-US" sz="1600" dirty="0"/>
+          </a:p>
+          <a:p>
+            <a:r>
+              <a:rPr lang="en-US" sz="1600" dirty="0" err="1" smtClean="0"/>
+              <a:t>Student.prototype.email</a:t>
+            </a:r>
+            <a:r>
+              <a:rPr lang="en-US" sz="1600" dirty="0" smtClean="0"/>
+              <a:t>;</a:t>
+            </a:r>
+            <a:endParaRPr lang="en-US" sz="1600" dirty="0"/>
+          </a:p>
+          <a:p>
+            <a:r>
+              <a:rPr lang="en-US" sz="1600" dirty="0" err="1" smtClean="0"/>
+              <a:t>Student.prototype.phone</a:t>
+            </a:r>
+            <a:r>
+              <a:rPr lang="en-US" sz="1600" dirty="0" smtClean="0"/>
+              <a:t>;</a:t>
+            </a:r>
+          </a:p>
+          <a:p>
+            <a:r>
+              <a:rPr lang="en-US" sz="1600" dirty="0" err="1" smtClean="0"/>
+              <a:t>Student.prototype.githubURL</a:t>
+            </a:r>
+            <a:r>
+              <a:rPr lang="en-US" sz="1600" dirty="0" smtClean="0"/>
+              <a:t>;</a:t>
+            </a:r>
+          </a:p>
+          <a:p>
+            <a:r>
+              <a:rPr lang="en-US" sz="1600" dirty="0" err="1" smtClean="0"/>
+              <a:t>Student.prototype.grades</a:t>
+            </a:r>
+            <a:r>
+              <a:rPr lang="en-US" sz="1600" dirty="0" smtClean="0"/>
+              <a:t> = [ ];</a:t>
+            </a:r>
+            <a:endParaRPr lang="en-US" sz="1600" dirty="0"/>
+          </a:p>
+          <a:p>
+            <a:endParaRPr lang="en-US" sz="1600" dirty="0" smtClean="0"/>
+          </a:p>
+          <a:p>
+            <a:r>
+              <a:rPr lang="en-US" sz="1600" dirty="0" err="1" smtClean="0"/>
+              <a:t>Student.prototype.AddGrade</a:t>
+            </a:r>
+            <a:r>
+              <a:rPr lang="en-US" sz="1600" dirty="0" smtClean="0"/>
+              <a:t> = function(percent) {</a:t>
+            </a:r>
+            <a:endParaRPr lang="en-US" sz="1600" dirty="0"/>
+          </a:p>
+          <a:p>
+            <a:r>
+              <a:rPr lang="en-US" sz="1600" dirty="0"/>
+              <a:t>   </a:t>
+            </a:r>
+            <a:r>
+              <a:rPr lang="en-US" sz="1600" dirty="0" err="1" smtClean="0"/>
+              <a:t>this.grades</a:t>
+            </a:r>
+            <a:r>
+              <a:rPr lang="en-US" sz="1600" dirty="0" smtClean="0"/>
+              <a:t>[</a:t>
+            </a:r>
+            <a:r>
+              <a:rPr lang="en-US" sz="1600" dirty="0" err="1" smtClean="0"/>
+              <a:t>this.grades.length</a:t>
+            </a:r>
+            <a:r>
+              <a:rPr lang="en-US" sz="1600" dirty="0" smtClean="0"/>
+              <a:t>]=percent;</a:t>
+            </a:r>
+            <a:endParaRPr lang="en-US" sz="1600" dirty="0"/>
+          </a:p>
+          <a:p>
+            <a:r>
+              <a:rPr lang="en-US" sz="1600" dirty="0"/>
+              <a:t>}</a:t>
+            </a:r>
+          </a:p>
+          <a:p>
+            <a:endParaRPr lang="en-US" sz="1600" dirty="0" smtClean="0"/>
+          </a:p>
+          <a:p>
+            <a:r>
+              <a:rPr lang="en-US" sz="1600" dirty="0" err="1" smtClean="0"/>
+              <a:t>Student.prototype.GetGPA</a:t>
+            </a:r>
+            <a:r>
+              <a:rPr lang="en-US" sz="1600" dirty="0" smtClean="0"/>
+              <a:t> = function() {</a:t>
+            </a:r>
+          </a:p>
+          <a:p>
+            <a:r>
+              <a:rPr lang="en-US" sz="1600" dirty="0"/>
+              <a:t> </a:t>
+            </a:r>
+            <a:r>
+              <a:rPr lang="en-US" sz="1600" dirty="0" smtClean="0"/>
+              <a:t>  let </a:t>
+            </a:r>
+            <a:r>
+              <a:rPr lang="en-US" sz="1600" dirty="0" err="1" smtClean="0"/>
+              <a:t>gpa</a:t>
+            </a:r>
+            <a:r>
+              <a:rPr lang="en-US" sz="1600" dirty="0" smtClean="0"/>
+              <a:t> = 0.0;</a:t>
+            </a:r>
+          </a:p>
+          <a:p>
+            <a:r>
+              <a:rPr lang="en-US" sz="1600" dirty="0"/>
+              <a:t> </a:t>
+            </a:r>
+            <a:r>
+              <a:rPr lang="en-US" sz="1600" dirty="0" smtClean="0"/>
+              <a:t>  for(let i=0;i&lt;</a:t>
+            </a:r>
+            <a:r>
+              <a:rPr lang="en-US" sz="1600" dirty="0" err="1" smtClean="0"/>
+              <a:t>this.grades.length;i</a:t>
+            </a:r>
+            <a:r>
+              <a:rPr lang="en-US" sz="1600" dirty="0" smtClean="0"/>
+              <a:t>++) {</a:t>
+            </a:r>
+          </a:p>
+          <a:p>
+            <a:r>
+              <a:rPr lang="en-US" sz="1600" dirty="0"/>
+              <a:t> </a:t>
+            </a:r>
+            <a:r>
+              <a:rPr lang="en-US" sz="1600" dirty="0" smtClean="0"/>
+              <a:t>      </a:t>
+            </a:r>
+            <a:r>
+              <a:rPr lang="en-US" sz="1600" dirty="0" err="1" smtClean="0"/>
+              <a:t>gpa</a:t>
+            </a:r>
+            <a:r>
+              <a:rPr lang="en-US" sz="1600" dirty="0" smtClean="0"/>
+              <a:t> += </a:t>
+            </a:r>
+            <a:r>
+              <a:rPr lang="en-US" sz="1600" dirty="0" err="1" smtClean="0"/>
+              <a:t>this.grades</a:t>
+            </a:r>
+            <a:r>
+              <a:rPr lang="en-US" sz="1600" dirty="0" smtClean="0"/>
+              <a:t>[i];</a:t>
+            </a:r>
+          </a:p>
+          <a:p>
+            <a:r>
+              <a:rPr lang="en-US" sz="1600" dirty="0"/>
+              <a:t> </a:t>
+            </a:r>
+            <a:r>
+              <a:rPr lang="en-US" sz="1600" dirty="0" smtClean="0"/>
+              <a:t>  }</a:t>
+            </a:r>
+          </a:p>
+          <a:p>
+            <a:r>
+              <a:rPr lang="en-US" sz="1600" dirty="0"/>
+              <a:t> </a:t>
+            </a:r>
+            <a:r>
+              <a:rPr lang="en-US" sz="1600" dirty="0" smtClean="0"/>
+              <a:t>  return </a:t>
+            </a:r>
+            <a:r>
+              <a:rPr lang="en-US" sz="1600" dirty="0" err="1" smtClean="0"/>
+              <a:t>gpa</a:t>
+            </a:r>
+            <a:r>
+              <a:rPr lang="en-US" sz="1600" dirty="0" smtClean="0"/>
+              <a:t>/</a:t>
+            </a:r>
+            <a:r>
+              <a:rPr lang="en-US" sz="1600" dirty="0" err="1" smtClean="0"/>
+              <a:t>this.grades.length</a:t>
+            </a:r>
+            <a:r>
+              <a:rPr lang="en-US" sz="1600" dirty="0" smtClean="0"/>
+              <a:t>;</a:t>
+            </a:r>
+          </a:p>
+          <a:p>
+            <a:r>
+              <a:rPr lang="en-US" sz="1600" dirty="0"/>
+              <a:t>}</a:t>
+            </a:r>
+          </a:p>
+        </p:txBody>
+      </p:sp>
+      <p:sp>
+        <p:nvSpPr>
+          <p:cNvPr id="5" name="TextBox 4"/>
+          <p:cNvSpPr txBox="1"/>
+          <p:nvPr/>
+        </p:nvSpPr>
+        <p:spPr>
+          <a:xfrm>
+            <a:off x="6338806" y="1233928"/>
+            <a:ext cx="3890077" cy="2308324"/>
+          </a:xfrm>
+          <a:prstGeom prst="rect">
+            <a:avLst/>
+          </a:prstGeom>
+          <a:solidFill>
+            <a:schemeClr val="accent1">
+              <a:lumMod val="40000"/>
+              <a:lumOff val="60000"/>
+            </a:schemeClr>
+          </a:solidFill>
+        </p:spPr>
+        <p:txBody>
+          <a:bodyPr wrap="square" rtlCol="0">
+            <a:spAutoFit/>
+          </a:bodyPr>
+          <a:lstStyle/>
+          <a:p>
+            <a:r>
+              <a:rPr lang="en-US" dirty="0" err="1" smtClean="0"/>
+              <a:t>var</a:t>
+            </a:r>
+            <a:r>
+              <a:rPr lang="en-US" dirty="0" smtClean="0"/>
+              <a:t> </a:t>
+            </a:r>
+            <a:r>
+              <a:rPr lang="en-US" dirty="0" err="1" smtClean="0"/>
+              <a:t>scott</a:t>
+            </a:r>
+            <a:r>
+              <a:rPr lang="en-US" dirty="0" smtClean="0"/>
+              <a:t> = new Student(“Scott”, 0);</a:t>
+            </a:r>
+          </a:p>
+          <a:p>
+            <a:r>
+              <a:rPr lang="en-US" dirty="0" err="1" smtClean="0"/>
+              <a:t>var</a:t>
+            </a:r>
+            <a:r>
+              <a:rPr lang="en-US" dirty="0" smtClean="0"/>
+              <a:t> </a:t>
+            </a:r>
+            <a:r>
+              <a:rPr lang="en-US" dirty="0" err="1" smtClean="0"/>
+              <a:t>jenn</a:t>
+            </a:r>
+            <a:r>
+              <a:rPr lang="en-US" dirty="0" smtClean="0"/>
+              <a:t> = new Student(“Jennifer”, 1);</a:t>
+            </a:r>
+          </a:p>
+          <a:p>
+            <a:r>
+              <a:rPr lang="en-US" dirty="0" err="1" smtClean="0"/>
+              <a:t>var</a:t>
+            </a:r>
+            <a:r>
+              <a:rPr lang="en-US" dirty="0" smtClean="0"/>
+              <a:t> ben = new Student(“Benjamin”, 2);</a:t>
+            </a:r>
+          </a:p>
+          <a:p>
+            <a:endParaRPr lang="en-US" dirty="0"/>
+          </a:p>
+          <a:p>
+            <a:r>
+              <a:rPr lang="en-US" dirty="0" err="1" smtClean="0"/>
+              <a:t>var</a:t>
+            </a:r>
+            <a:r>
+              <a:rPr lang="en-US" dirty="0" smtClean="0"/>
+              <a:t> </a:t>
+            </a:r>
+            <a:r>
+              <a:rPr lang="en-US" dirty="0" err="1" smtClean="0"/>
+              <a:t>gpas</a:t>
+            </a:r>
+            <a:r>
+              <a:rPr lang="en-US" dirty="0" smtClean="0"/>
+              <a:t> = [ ];</a:t>
+            </a:r>
+          </a:p>
+          <a:p>
+            <a:r>
+              <a:rPr lang="en-US" dirty="0" err="1" smtClean="0"/>
+              <a:t>gpsa</a:t>
+            </a:r>
+            <a:r>
+              <a:rPr lang="en-US" dirty="0" smtClean="0"/>
+              <a:t>[scott.id]=</a:t>
+            </a:r>
+            <a:r>
+              <a:rPr lang="en-US" dirty="0" err="1" smtClean="0"/>
+              <a:t>scott.GetGPA</a:t>
+            </a:r>
+            <a:r>
+              <a:rPr lang="en-US" dirty="0" smtClean="0"/>
+              <a:t>();</a:t>
+            </a:r>
+          </a:p>
+          <a:p>
+            <a:r>
+              <a:rPr lang="en-US" dirty="0" err="1" smtClean="0"/>
+              <a:t>gpsa</a:t>
+            </a:r>
+            <a:r>
+              <a:rPr lang="en-US" dirty="0" smtClean="0"/>
+              <a:t>[jenn.id]=</a:t>
+            </a:r>
+            <a:r>
+              <a:rPr lang="en-US" dirty="0" err="1" smtClean="0"/>
+              <a:t>jenn.GetGPA</a:t>
+            </a:r>
+            <a:r>
+              <a:rPr lang="en-US" dirty="0"/>
+              <a:t>();</a:t>
+            </a:r>
+          </a:p>
+          <a:p>
+            <a:r>
+              <a:rPr lang="en-US" dirty="0" err="1" smtClean="0"/>
+              <a:t>gpsa</a:t>
+            </a:r>
+            <a:r>
+              <a:rPr lang="en-US" dirty="0" smtClean="0"/>
+              <a:t>[ben.id]=</a:t>
+            </a:r>
+            <a:r>
+              <a:rPr lang="en-US" dirty="0" err="1" smtClean="0"/>
+              <a:t>ben.GetGPA</a:t>
+            </a:r>
+            <a:r>
+              <a:rPr lang="en-US" dirty="0" smtClean="0"/>
+              <a:t>();</a:t>
+            </a:r>
+            <a:endParaRPr lang="en-US" dirty="0"/>
+          </a:p>
+        </p:txBody>
+      </p:sp>
+      <p:sp>
+        <p:nvSpPr>
+          <p:cNvPr id="7" name="Left Brace 6"/>
+          <p:cNvSpPr/>
+          <p:nvPr/>
+        </p:nvSpPr>
+        <p:spPr>
+          <a:xfrm>
+            <a:off x="1518836" y="1233928"/>
+            <a:ext cx="123987" cy="982330"/>
+          </a:xfrm>
+          <a:prstGeom prst="leftBrace">
+            <a:avLst/>
+          </a:prstGeom>
+          <a:ln>
+            <a:solidFill>
+              <a:schemeClr val="tx1"/>
+            </a:solidFill>
+          </a:ln>
+        </p:spPr>
+        <p:style>
+          <a:lnRef idx="1">
+            <a:schemeClr val="accent1"/>
+          </a:lnRef>
+          <a:fillRef idx="0">
+            <a:schemeClr val="accent1"/>
+          </a:fillRef>
+          <a:effectRef idx="0">
+            <a:schemeClr val="accent1"/>
+          </a:effectRef>
+          <a:fontRef idx="minor">
+            <a:schemeClr val="tx1"/>
+          </a:fontRef>
+        </p:style>
+        <p:txBody>
+          <a:bodyPr rtlCol="0" anchor="ctr"/>
+          <a:lstStyle/>
+          <a:p>
+            <a:pPr algn="ctr"/>
+            <a:endParaRPr lang="en-US"/>
+          </a:p>
+        </p:txBody>
+      </p:sp>
+      <p:sp>
+        <p:nvSpPr>
+          <p:cNvPr id="8" name="TextBox 7"/>
+          <p:cNvSpPr txBox="1"/>
+          <p:nvPr/>
+        </p:nvSpPr>
+        <p:spPr>
+          <a:xfrm>
+            <a:off x="199928" y="1518832"/>
+            <a:ext cx="1397947" cy="369332"/>
+          </a:xfrm>
+          <a:prstGeom prst="rect">
+            <a:avLst/>
+          </a:prstGeom>
+          <a:noFill/>
+        </p:spPr>
+        <p:txBody>
+          <a:bodyPr wrap="square" rtlCol="0">
+            <a:spAutoFit/>
+          </a:bodyPr>
+          <a:lstStyle/>
+          <a:p>
+            <a:r>
+              <a:rPr lang="en-US" dirty="0" smtClean="0"/>
+              <a:t>Constructor</a:t>
+            </a:r>
+            <a:endParaRPr lang="en-US" dirty="0"/>
+          </a:p>
+        </p:txBody>
+      </p:sp>
+      <p:sp>
+        <p:nvSpPr>
+          <p:cNvPr id="9" name="Left Brace 8"/>
+          <p:cNvSpPr/>
+          <p:nvPr/>
+        </p:nvSpPr>
+        <p:spPr>
+          <a:xfrm>
+            <a:off x="1516252" y="2491488"/>
+            <a:ext cx="123987" cy="4103435"/>
+          </a:xfrm>
+          <a:prstGeom prst="leftBrace">
+            <a:avLst/>
+          </a:prstGeom>
+          <a:ln>
+            <a:solidFill>
+              <a:schemeClr val="tx1"/>
+            </a:solidFill>
+          </a:ln>
+        </p:spPr>
+        <p:style>
+          <a:lnRef idx="1">
+            <a:schemeClr val="accent1"/>
+          </a:lnRef>
+          <a:fillRef idx="0">
+            <a:schemeClr val="accent1"/>
+          </a:fillRef>
+          <a:effectRef idx="0">
+            <a:schemeClr val="accent1"/>
+          </a:effectRef>
+          <a:fontRef idx="minor">
+            <a:schemeClr val="tx1"/>
+          </a:fontRef>
+        </p:style>
+        <p:txBody>
+          <a:bodyPr rtlCol="0" anchor="ctr"/>
+          <a:lstStyle/>
+          <a:p>
+            <a:pPr algn="ctr"/>
+            <a:endParaRPr lang="en-US"/>
+          </a:p>
+        </p:txBody>
+      </p:sp>
+      <p:sp>
+        <p:nvSpPr>
+          <p:cNvPr id="10" name="TextBox 9"/>
+          <p:cNvSpPr txBox="1"/>
+          <p:nvPr/>
+        </p:nvSpPr>
+        <p:spPr>
+          <a:xfrm>
+            <a:off x="212842" y="4181962"/>
+            <a:ext cx="1397947" cy="646331"/>
+          </a:xfrm>
+          <a:prstGeom prst="rect">
+            <a:avLst/>
+          </a:prstGeom>
+          <a:noFill/>
+        </p:spPr>
+        <p:txBody>
+          <a:bodyPr wrap="square" rtlCol="0">
+            <a:spAutoFit/>
+          </a:bodyPr>
+          <a:lstStyle/>
+          <a:p>
+            <a:r>
+              <a:rPr lang="en-US" dirty="0" smtClean="0"/>
+              <a:t>Prototype Members</a:t>
+            </a:r>
+            <a:endParaRPr lang="en-US" dirty="0"/>
+          </a:p>
+        </p:txBody>
+      </p:sp>
+      <p:sp>
+        <p:nvSpPr>
+          <p:cNvPr id="11" name="Left Brace 10"/>
+          <p:cNvSpPr/>
+          <p:nvPr/>
+        </p:nvSpPr>
+        <p:spPr>
+          <a:xfrm flipH="1">
+            <a:off x="10352867" y="1233928"/>
+            <a:ext cx="154984" cy="982330"/>
+          </a:xfrm>
+          <a:prstGeom prst="leftBrace">
+            <a:avLst/>
+          </a:prstGeom>
+          <a:ln>
+            <a:solidFill>
+              <a:schemeClr val="tx1"/>
+            </a:solidFill>
+          </a:ln>
+        </p:spPr>
+        <p:style>
+          <a:lnRef idx="1">
+            <a:schemeClr val="accent1"/>
+          </a:lnRef>
+          <a:fillRef idx="0">
+            <a:schemeClr val="accent1"/>
+          </a:fillRef>
+          <a:effectRef idx="0">
+            <a:schemeClr val="accent1"/>
+          </a:effectRef>
+          <a:fontRef idx="minor">
+            <a:schemeClr val="tx1"/>
+          </a:fontRef>
+        </p:style>
+        <p:txBody>
+          <a:bodyPr rtlCol="0" anchor="ctr"/>
+          <a:lstStyle/>
+          <a:p>
+            <a:pPr algn="ctr"/>
+            <a:endParaRPr lang="en-US"/>
+          </a:p>
+        </p:txBody>
+      </p:sp>
+      <p:sp>
+        <p:nvSpPr>
+          <p:cNvPr id="12" name="TextBox 11"/>
+          <p:cNvSpPr txBox="1"/>
+          <p:nvPr/>
+        </p:nvSpPr>
+        <p:spPr>
+          <a:xfrm>
+            <a:off x="10616339" y="1518832"/>
+            <a:ext cx="1397947" cy="369332"/>
+          </a:xfrm>
+          <a:prstGeom prst="rect">
+            <a:avLst/>
+          </a:prstGeom>
+          <a:noFill/>
+        </p:spPr>
+        <p:txBody>
+          <a:bodyPr wrap="square" rtlCol="0">
+            <a:spAutoFit/>
+          </a:bodyPr>
+          <a:lstStyle/>
+          <a:p>
+            <a:r>
+              <a:rPr lang="en-US" dirty="0" smtClean="0"/>
+              <a:t>Instantiation</a:t>
+            </a:r>
+            <a:endParaRPr lang="en-US" dirty="0"/>
+          </a:p>
+        </p:txBody>
+      </p:sp>
+      <p:sp>
+        <p:nvSpPr>
+          <p:cNvPr id="15" name="Left Brace 14"/>
+          <p:cNvSpPr/>
+          <p:nvPr/>
+        </p:nvSpPr>
+        <p:spPr>
+          <a:xfrm flipH="1">
+            <a:off x="10338919" y="2383552"/>
+            <a:ext cx="154984" cy="1080563"/>
+          </a:xfrm>
+          <a:prstGeom prst="leftBrace">
+            <a:avLst/>
+          </a:prstGeom>
+          <a:ln>
+            <a:solidFill>
+              <a:schemeClr val="tx1"/>
+            </a:solidFill>
+          </a:ln>
+        </p:spPr>
+        <p:style>
+          <a:lnRef idx="1">
+            <a:schemeClr val="accent1"/>
+          </a:lnRef>
+          <a:fillRef idx="0">
+            <a:schemeClr val="accent1"/>
+          </a:fillRef>
+          <a:effectRef idx="0">
+            <a:schemeClr val="accent1"/>
+          </a:effectRef>
+          <a:fontRef idx="minor">
+            <a:schemeClr val="tx1"/>
+          </a:fontRef>
+        </p:style>
+        <p:txBody>
+          <a:bodyPr rtlCol="0" anchor="ctr"/>
+          <a:lstStyle/>
+          <a:p>
+            <a:pPr algn="ctr"/>
+            <a:endParaRPr lang="en-US"/>
+          </a:p>
+        </p:txBody>
+      </p:sp>
+      <p:sp>
+        <p:nvSpPr>
+          <p:cNvPr id="16" name="TextBox 15"/>
+          <p:cNvSpPr txBox="1"/>
+          <p:nvPr/>
+        </p:nvSpPr>
+        <p:spPr>
+          <a:xfrm>
+            <a:off x="10616339" y="2624586"/>
+            <a:ext cx="1397947" cy="646331"/>
+          </a:xfrm>
+          <a:prstGeom prst="rect">
+            <a:avLst/>
+          </a:prstGeom>
+          <a:noFill/>
+        </p:spPr>
+        <p:txBody>
+          <a:bodyPr wrap="square" rtlCol="0">
+            <a:spAutoFit/>
+          </a:bodyPr>
+          <a:lstStyle/>
+          <a:p>
+            <a:r>
+              <a:rPr lang="en-US" dirty="0" smtClean="0"/>
+              <a:t>Member access</a:t>
+            </a:r>
+            <a:endParaRPr lang="en-US" dirty="0"/>
+          </a:p>
+        </p:txBody>
+      </p:sp>
+    </p:spTree>
+    <p:extLst>
+      <p:ext uri="{BB962C8B-B14F-4D97-AF65-F5344CB8AC3E}">
+        <p14:creationId xmlns:p14="http://schemas.microsoft.com/office/powerpoint/2010/main" val="3146634611"/>
+      </p:ext>
+    </p:extLst>
+  </p:cSld>
+  <p:clrMapOvr>
+    <a:masterClrMapping/>
+  </p:clrMapOvr>
+  <p:timing>
+    <p:tnLst>
+      <p:par>
+        <p:cTn id="1" dur="indefinite" restart="never" nodeType="tmRoot"/>
+      </p:par>
+    </p:tnLst>
+  </p:timing>
+</p:sld>
+</file>
+
+<file path=ppt/slides/slide11.xml><?xml version="1.0" encoding="utf-8"?>
+<p:sld xmlns:a="http://schemas.openxmlformats.org/drawingml/2006/main" xmlns:r="http://schemas.openxmlformats.org/officeDocument/2006/relationships" xmlns:p="http://schemas.openxmlformats.org/presentationml/2006/main">
+  <p:cSld>
+    <p:spTree>
+      <p:nvGrpSpPr>
+        <p:cNvPr id="1" name=""/>
+        <p:cNvGrpSpPr/>
+        <p:nvPr/>
+      </p:nvGrpSpPr>
+      <p:grpSpPr>
+        <a:xfrm>
+          <a:off x="0" y="0"/>
+          <a:ext cx="0" cy="0"/>
+          <a:chOff x="0" y="0"/>
+          <a:chExt cx="0" cy="0"/>
+        </a:xfrm>
+      </p:grpSpPr>
+      <p:sp>
+        <p:nvSpPr>
+          <p:cNvPr id="2" name="Title 1"/>
+          <p:cNvSpPr>
+            <a:spLocks noGrp="1"/>
+          </p:cNvSpPr>
+          <p:nvPr>
+            <p:ph type="title"/>
+          </p:nvPr>
+        </p:nvSpPr>
+        <p:spPr/>
+        <p:txBody>
+          <a:bodyPr>
+            <a:normAutofit fontScale="90000"/>
+          </a:bodyPr>
+          <a:lstStyle/>
+          <a:p>
+            <a:r>
+              <a:rPr lang="en-US" dirty="0" smtClean="0"/>
+              <a:t>Closures</a:t>
+            </a:r>
+            <a:endParaRPr lang="en-US" dirty="0"/>
+          </a:p>
+        </p:txBody>
+      </p:sp>
+      <p:sp>
+        <p:nvSpPr>
+          <p:cNvPr id="3" name="Content Placeholder 2"/>
+          <p:cNvSpPr>
+            <a:spLocks noGrp="1"/>
+          </p:cNvSpPr>
+          <p:nvPr>
+            <p:ph idx="1"/>
+          </p:nvPr>
+        </p:nvSpPr>
+        <p:spPr>
+          <a:xfrm>
+            <a:off x="838200" y="1264920"/>
+            <a:ext cx="5423115" cy="4912043"/>
+          </a:xfrm>
+        </p:spPr>
+        <p:txBody>
+          <a:bodyPr/>
+          <a:lstStyle/>
+          <a:p>
+            <a:pPr marL="0" indent="0">
+              <a:buNone/>
+            </a:pPr>
+            <a:r>
+              <a:rPr lang="en-US" dirty="0" smtClean="0"/>
+              <a:t>Closures are a JavaScript construct that gets around scope restrictions.</a:t>
+            </a:r>
+          </a:p>
+          <a:p>
+            <a:pPr marL="0" indent="0">
+              <a:buNone/>
+            </a:pPr>
+            <a:endParaRPr lang="en-US" dirty="0"/>
+          </a:p>
+          <a:p>
+            <a:pPr marL="0" indent="0">
+              <a:buNone/>
+            </a:pPr>
+            <a:r>
+              <a:rPr lang="en-US" dirty="0" smtClean="0"/>
+              <a:t>They are especially handy for objects and timeouts.</a:t>
+            </a:r>
+          </a:p>
+          <a:p>
+            <a:pPr marL="0" indent="0">
+              <a:buNone/>
+            </a:pPr>
+            <a:endParaRPr lang="en-US" dirty="0"/>
+          </a:p>
+          <a:p>
+            <a:pPr marL="0" indent="0">
+              <a:buNone/>
+            </a:pPr>
+            <a:r>
+              <a:rPr lang="en-US" dirty="0" smtClean="0"/>
+              <a:t>What do you think this code will do?</a:t>
+            </a:r>
+          </a:p>
+          <a:p>
+            <a:pPr marL="0" indent="0">
+              <a:buNone/>
+            </a:pPr>
+            <a:endParaRPr lang="en-US" dirty="0"/>
+          </a:p>
+          <a:p>
+            <a:pPr marL="0" indent="0">
+              <a:buNone/>
+            </a:pPr>
+            <a:r>
+              <a:rPr lang="en-US" dirty="0" smtClean="0"/>
+              <a:t>Why didn’t it work?</a:t>
+            </a:r>
+            <a:endParaRPr lang="en-US" dirty="0"/>
+          </a:p>
+        </p:txBody>
+      </p:sp>
+      <p:sp>
+        <p:nvSpPr>
+          <p:cNvPr id="4" name="TextBox 3"/>
+          <p:cNvSpPr txBox="1"/>
+          <p:nvPr/>
+        </p:nvSpPr>
+        <p:spPr>
+          <a:xfrm>
+            <a:off x="6431796" y="1264920"/>
+            <a:ext cx="5098943" cy="4524315"/>
+          </a:xfrm>
+          <a:prstGeom prst="rect">
+            <a:avLst/>
+          </a:prstGeom>
+          <a:noFill/>
+        </p:spPr>
+        <p:txBody>
+          <a:bodyPr wrap="square" rtlCol="0">
+            <a:spAutoFit/>
+          </a:bodyPr>
+          <a:lstStyle/>
+          <a:p>
+            <a:r>
+              <a:rPr lang="en-US" dirty="0" smtClean="0"/>
+              <a:t>function Dog(name)</a:t>
+            </a:r>
+          </a:p>
+          <a:p>
+            <a:r>
+              <a:rPr lang="en-US" dirty="0" smtClean="0"/>
+              <a:t>{</a:t>
+            </a:r>
+          </a:p>
+          <a:p>
+            <a:r>
+              <a:rPr lang="en-US" dirty="0"/>
+              <a:t> </a:t>
+            </a:r>
+            <a:r>
+              <a:rPr lang="en-US" dirty="0" smtClean="0"/>
+              <a:t> </a:t>
+            </a:r>
+            <a:r>
+              <a:rPr lang="en-US" dirty="0" err="1" smtClean="0"/>
+              <a:t>this.petName</a:t>
+            </a:r>
+            <a:r>
+              <a:rPr lang="en-US" dirty="0" smtClean="0"/>
+              <a:t> = name;</a:t>
+            </a:r>
+          </a:p>
+          <a:p>
+            <a:r>
+              <a:rPr lang="en-US" dirty="0"/>
+              <a:t>}</a:t>
+            </a:r>
+            <a:endParaRPr lang="en-US" dirty="0" smtClean="0"/>
+          </a:p>
+          <a:p>
+            <a:endParaRPr lang="en-US" dirty="0"/>
+          </a:p>
+          <a:p>
+            <a:r>
+              <a:rPr lang="en-US" dirty="0" err="1" smtClean="0"/>
+              <a:t>Dog.prototype.StartBark</a:t>
+            </a:r>
+            <a:r>
+              <a:rPr lang="en-US" dirty="0" smtClean="0"/>
+              <a:t> = function() {</a:t>
+            </a:r>
+          </a:p>
+          <a:p>
+            <a:r>
+              <a:rPr lang="en-US" dirty="0"/>
+              <a:t> </a:t>
+            </a:r>
+            <a:r>
+              <a:rPr lang="en-US" dirty="0" smtClean="0"/>
+              <a:t>  </a:t>
+            </a:r>
+            <a:r>
+              <a:rPr lang="en-US" dirty="0" err="1" smtClean="0"/>
+              <a:t>this.barker</a:t>
+            </a:r>
+            <a:r>
+              <a:rPr lang="en-US" dirty="0" smtClean="0"/>
+              <a:t> = </a:t>
+            </a:r>
+            <a:r>
+              <a:rPr lang="en-US" dirty="0" err="1" smtClean="0"/>
+              <a:t>setInterval</a:t>
+            </a:r>
+            <a:r>
+              <a:rPr lang="en-US" dirty="0" smtClean="0"/>
+              <a:t>(</a:t>
+            </a:r>
+            <a:r>
+              <a:rPr lang="en-US" dirty="0" err="1" smtClean="0"/>
+              <a:t>this.bark</a:t>
+            </a:r>
+            <a:r>
+              <a:rPr lang="en-US" dirty="0" smtClean="0"/>
+              <a:t>, 1000);</a:t>
+            </a:r>
+          </a:p>
+          <a:p>
+            <a:r>
+              <a:rPr lang="en-US" dirty="0" smtClean="0"/>
+              <a:t>}</a:t>
+            </a:r>
+          </a:p>
+          <a:p>
+            <a:endParaRPr lang="en-US" dirty="0"/>
+          </a:p>
+          <a:p>
+            <a:r>
+              <a:rPr lang="en-US" dirty="0" err="1" smtClean="0"/>
+              <a:t>Dog.prototype.bark</a:t>
+            </a:r>
+            <a:r>
+              <a:rPr lang="en-US" dirty="0" smtClean="0"/>
+              <a:t> = function () {</a:t>
+            </a:r>
+          </a:p>
+          <a:p>
+            <a:r>
+              <a:rPr lang="en-US" dirty="0"/>
+              <a:t> </a:t>
+            </a:r>
+            <a:r>
+              <a:rPr lang="en-US" dirty="0" smtClean="0"/>
+              <a:t> alert(</a:t>
+            </a:r>
+            <a:r>
+              <a:rPr lang="en-US" dirty="0" err="1" smtClean="0"/>
+              <a:t>this.petName</a:t>
+            </a:r>
+            <a:r>
+              <a:rPr lang="en-US" dirty="0" smtClean="0"/>
+              <a:t>+“ says bark!”);</a:t>
+            </a:r>
+          </a:p>
+          <a:p>
+            <a:r>
+              <a:rPr lang="en-US" dirty="0" smtClean="0"/>
+              <a:t>}</a:t>
+            </a:r>
+          </a:p>
+          <a:p>
+            <a:endParaRPr lang="en-US" dirty="0"/>
+          </a:p>
+          <a:p>
+            <a:r>
+              <a:rPr lang="en-US" dirty="0" err="1" smtClean="0"/>
+              <a:t>Dog.prototype.StopBark</a:t>
+            </a:r>
+            <a:r>
+              <a:rPr lang="en-US" dirty="0" smtClean="0"/>
+              <a:t> = function() {</a:t>
+            </a:r>
+          </a:p>
+          <a:p>
+            <a:r>
+              <a:rPr lang="en-US" dirty="0"/>
+              <a:t> </a:t>
+            </a:r>
+            <a:r>
+              <a:rPr lang="en-US" dirty="0" smtClean="0"/>
+              <a:t>  </a:t>
+            </a:r>
+            <a:r>
+              <a:rPr lang="en-US" dirty="0" err="1" smtClean="0"/>
+              <a:t>clearInterval</a:t>
+            </a:r>
+            <a:r>
+              <a:rPr lang="en-US" dirty="0" smtClean="0"/>
+              <a:t>(</a:t>
+            </a:r>
+            <a:r>
+              <a:rPr lang="en-US" dirty="0" err="1" smtClean="0"/>
+              <a:t>this.barker</a:t>
+            </a:r>
+            <a:r>
+              <a:rPr lang="en-US" dirty="0" smtClean="0"/>
+              <a:t>);</a:t>
+            </a:r>
+          </a:p>
+          <a:p>
+            <a:r>
+              <a:rPr lang="en-US" dirty="0"/>
+              <a:t>}</a:t>
+            </a:r>
+          </a:p>
+        </p:txBody>
+      </p:sp>
+      <p:sp>
+        <p:nvSpPr>
+          <p:cNvPr id="5" name="Right Arrow 4"/>
+          <p:cNvSpPr/>
+          <p:nvPr/>
+        </p:nvSpPr>
+        <p:spPr>
+          <a:xfrm rot="14004190">
+            <a:off x="9503820" y="3270102"/>
+            <a:ext cx="463416" cy="464949"/>
+          </a:xfrm>
+          <a:prstGeom prst="rightArrow">
+            <a:avLst/>
+          </a:prstGeom>
+          <a:solidFill>
+            <a:srgbClr val="FF0000"/>
+          </a:solidFill>
+          <a:ln>
+            <a:solidFill>
+              <a:schemeClr val="tx1"/>
+            </a:solidFill>
+          </a:ln>
+        </p:spPr>
+        <p:style>
+          <a:lnRef idx="2">
+            <a:schemeClr val="accent1">
+              <a:shade val="50000"/>
+            </a:schemeClr>
+          </a:lnRef>
+          <a:fillRef idx="1">
+            <a:schemeClr val="accent1"/>
+          </a:fillRef>
+          <a:effectRef idx="0">
+            <a:schemeClr val="accent1"/>
+          </a:effectRef>
+          <a:fontRef idx="minor">
+            <a:schemeClr val="lt1"/>
+          </a:fontRef>
+        </p:style>
+        <p:txBody>
+          <a:bodyPr rtlCol="0" anchor="ctr"/>
+          <a:lstStyle/>
+          <a:p>
+            <a:pPr algn="ctr"/>
+            <a:endParaRPr lang="en-US"/>
+          </a:p>
+        </p:txBody>
+      </p:sp>
+      <p:sp>
+        <p:nvSpPr>
+          <p:cNvPr id="7" name="Right Arrow 6"/>
+          <p:cNvSpPr/>
+          <p:nvPr/>
+        </p:nvSpPr>
+        <p:spPr>
+          <a:xfrm rot="14004190">
+            <a:off x="8093159" y="4387450"/>
+            <a:ext cx="516950" cy="349323"/>
+          </a:xfrm>
+          <a:prstGeom prst="rightArrow">
+            <a:avLst/>
+          </a:prstGeom>
+          <a:solidFill>
+            <a:srgbClr val="FF0000"/>
+          </a:solidFill>
+          <a:ln>
+            <a:solidFill>
+              <a:schemeClr val="tx1"/>
+            </a:solidFill>
+          </a:ln>
+        </p:spPr>
+        <p:style>
+          <a:lnRef idx="2">
+            <a:schemeClr val="accent1">
+              <a:shade val="50000"/>
+            </a:schemeClr>
+          </a:lnRef>
+          <a:fillRef idx="1">
+            <a:schemeClr val="accent1"/>
+          </a:fillRef>
+          <a:effectRef idx="0">
+            <a:schemeClr val="accent1"/>
+          </a:effectRef>
+          <a:fontRef idx="minor">
+            <a:schemeClr val="lt1"/>
+          </a:fontRef>
+        </p:style>
+        <p:txBody>
+          <a:bodyPr rtlCol="0" anchor="ctr"/>
+          <a:lstStyle/>
+          <a:p>
+            <a:pPr algn="ctr"/>
+            <a:endParaRPr lang="en-US"/>
+          </a:p>
+        </p:txBody>
+      </p:sp>
+      <p:pic>
+        <p:nvPicPr>
+          <p:cNvPr id="8" name="Picture 7"/>
+          <p:cNvPicPr>
+            <a:picLocks noChangeAspect="1"/>
+          </p:cNvPicPr>
+          <p:nvPr/>
+        </p:nvPicPr>
+        <p:blipFill>
+          <a:blip r:embed="rId2"/>
+          <a:stretch>
+            <a:fillRect/>
+          </a:stretch>
+        </p:blipFill>
+        <p:spPr>
+          <a:xfrm>
+            <a:off x="9492661" y="995444"/>
+            <a:ext cx="2379252" cy="1012448"/>
+          </a:xfrm>
+          <a:prstGeom prst="rect">
+            <a:avLst/>
+          </a:prstGeom>
+        </p:spPr>
+      </p:pic>
+      <p:sp>
+        <p:nvSpPr>
+          <p:cNvPr id="9" name="TextBox 8"/>
+          <p:cNvSpPr txBox="1"/>
+          <p:nvPr/>
+        </p:nvSpPr>
+        <p:spPr>
+          <a:xfrm>
+            <a:off x="9959687" y="3280081"/>
+            <a:ext cx="2203369" cy="646331"/>
+          </a:xfrm>
+          <a:prstGeom prst="rect">
+            <a:avLst/>
+          </a:prstGeom>
+          <a:noFill/>
+        </p:spPr>
+        <p:txBody>
+          <a:bodyPr wrap="square" rtlCol="0">
+            <a:spAutoFit/>
+          </a:bodyPr>
+          <a:lstStyle/>
+          <a:p>
+            <a:r>
+              <a:rPr lang="en-US" dirty="0" smtClean="0"/>
+              <a:t>‘this’ is the bark function in this scope</a:t>
+            </a:r>
+            <a:endParaRPr lang="en-US" dirty="0"/>
+          </a:p>
+        </p:txBody>
+      </p:sp>
+      <p:sp>
+        <p:nvSpPr>
+          <p:cNvPr id="10" name="TextBox 9"/>
+          <p:cNvSpPr txBox="1"/>
+          <p:nvPr/>
+        </p:nvSpPr>
+        <p:spPr>
+          <a:xfrm>
+            <a:off x="8570053" y="4496168"/>
+            <a:ext cx="3447775" cy="369332"/>
+          </a:xfrm>
+          <a:prstGeom prst="rect">
+            <a:avLst/>
+          </a:prstGeom>
+          <a:noFill/>
+        </p:spPr>
+        <p:txBody>
+          <a:bodyPr wrap="square" rtlCol="0">
+            <a:spAutoFit/>
+          </a:bodyPr>
+          <a:lstStyle/>
+          <a:p>
+            <a:r>
+              <a:rPr lang="en-US" dirty="0" smtClean="0"/>
+              <a:t>‘this’ is the window in this scope</a:t>
+            </a:r>
+            <a:endParaRPr lang="en-US" dirty="0"/>
+          </a:p>
+        </p:txBody>
+      </p:sp>
+    </p:spTree>
+    <p:extLst>
+      <p:ext uri="{BB962C8B-B14F-4D97-AF65-F5344CB8AC3E}">
+        <p14:creationId xmlns:p14="http://schemas.microsoft.com/office/powerpoint/2010/main" val="3103565281"/>
+      </p:ext>
+    </p:extLst>
+  </p:cSld>
+  <p:clrMapOvr>
+    <a:masterClrMapping/>
+  </p:clrMapOvr>
+  <p:timing>
+    <p:tnLst>
+      <p:par>
+        <p:cTn id="1" dur="indefinite" restart="never" nodeType="tmRoot">
+          <p:childTnLst>
+            <p:seq concurrent="1" nextAc="seek">
+              <p:cTn id="2" dur="indefinite" nodeType="mainSeq">
+                <p:childTnLst>
+                  <p:par>
+                    <p:cTn id="3" fill="hold">
+                      <p:stCondLst>
+                        <p:cond delay="indefinite"/>
+                      </p:stCondLst>
+                      <p:childTnLst>
+                        <p:par>
+                          <p:cTn id="4" fill="hold">
+                            <p:stCondLst>
+                              <p:cond delay="0"/>
+                            </p:stCondLst>
+                            <p:childTnLst>
+                              <p:par>
+                                <p:cTn id="5" presetID="1" presetClass="entr" presetSubtype="0" fill="hold" nodeType="clickEffect">
+                                  <p:stCondLst>
+                                    <p:cond delay="0"/>
+                                  </p:stCondLst>
+                                  <p:childTnLst>
+                                    <p:set>
+                                      <p:cBhvr>
+                                        <p:cTn id="6" dur="1" fill="hold">
+                                          <p:stCondLst>
+                                            <p:cond delay="0"/>
+                                          </p:stCondLst>
+                                        </p:cTn>
+                                        <p:tgtEl>
+                                          <p:spTgt spid="8"/>
+                                        </p:tgtEl>
+                                        <p:attrNameLst>
+                                          <p:attrName>style.visibility</p:attrName>
+                                        </p:attrNameLst>
+                                      </p:cBhvr>
+                                      <p:to>
+                                        <p:strVal val="visible"/>
+                                      </p:to>
+                                    </p:set>
+                                  </p:childTnLst>
+                                </p:cTn>
+                              </p:par>
+                              <p:par>
+                                <p:cTn id="7" presetID="1" presetClass="entr" presetSubtype="0" fill="hold" nodeType="withEffect">
+                                  <p:stCondLst>
+                                    <p:cond delay="0"/>
+                                  </p:stCondLst>
+                                  <p:childTnLst>
+                                    <p:set>
+                                      <p:cBhvr>
+                                        <p:cTn id="8" dur="1" fill="hold">
+                                          <p:stCondLst>
+                                            <p:cond delay="0"/>
+                                          </p:stCondLst>
+                                        </p:cTn>
+                                        <p:tgtEl>
+                                          <p:spTgt spid="3">
+                                            <p:txEl>
+                                              <p:pRg st="6" end="6"/>
+                                            </p:txEl>
+                                          </p:spTgt>
+                                        </p:tgtEl>
+                                        <p:attrNameLst>
+                                          <p:attrName>style.visibility</p:attrName>
+                                        </p:attrNameLst>
+                                      </p:cBhvr>
+                                      <p:to>
+                                        <p:strVal val="visible"/>
+                                      </p:to>
+                                    </p:set>
+                                  </p:childTnLst>
+                                </p:cTn>
+                              </p:par>
+                            </p:childTnLst>
+                          </p:cTn>
+                        </p:par>
+                      </p:childTnLst>
+                    </p:cTn>
+                  </p:par>
+                  <p:par>
+                    <p:cTn id="9" fill="hold">
+                      <p:stCondLst>
+                        <p:cond delay="indefinite"/>
+                      </p:stCondLst>
+                      <p:childTnLst>
+                        <p:par>
+                          <p:cTn id="10" fill="hold">
+                            <p:stCondLst>
+                              <p:cond delay="0"/>
+                            </p:stCondLst>
+                            <p:childTnLst>
+                              <p:par>
+                                <p:cTn id="11" presetID="1" presetClass="entr" presetSubtype="0" fill="hold" grpId="0" nodeType="clickEffect">
+                                  <p:stCondLst>
+                                    <p:cond delay="0"/>
+                                  </p:stCondLst>
+                                  <p:childTnLst>
+                                    <p:set>
+                                      <p:cBhvr>
+                                        <p:cTn id="12" dur="1" fill="hold">
+                                          <p:stCondLst>
+                                            <p:cond delay="0"/>
+                                          </p:stCondLst>
+                                        </p:cTn>
+                                        <p:tgtEl>
+                                          <p:spTgt spid="5"/>
+                                        </p:tgtEl>
+                                        <p:attrNameLst>
+                                          <p:attrName>style.visibility</p:attrName>
+                                        </p:attrNameLst>
+                                      </p:cBhvr>
+                                      <p:to>
+                                        <p:strVal val="visible"/>
+                                      </p:to>
+                                    </p:set>
+                                  </p:childTnLst>
+                                </p:cTn>
+                              </p:par>
+                              <p:par>
+                                <p:cTn id="13" presetID="1" presetClass="entr" presetSubtype="0" fill="hold" grpId="0" nodeType="withEffect">
+                                  <p:stCondLst>
+                                    <p:cond delay="0"/>
+                                  </p:stCondLst>
+                                  <p:childTnLst>
+                                    <p:set>
+                                      <p:cBhvr>
+                                        <p:cTn id="14" dur="1" fill="hold">
+                                          <p:stCondLst>
+                                            <p:cond delay="0"/>
+                                          </p:stCondLst>
+                                        </p:cTn>
+                                        <p:tgtEl>
+                                          <p:spTgt spid="9"/>
+                                        </p:tgtEl>
+                                        <p:attrNameLst>
+                                          <p:attrName>style.visibility</p:attrName>
+                                        </p:attrNameLst>
+                                      </p:cBhvr>
+                                      <p:to>
+                                        <p:strVal val="visible"/>
+                                      </p:to>
+                                    </p:set>
+                                  </p:childTnLst>
+                                </p:cTn>
+                              </p:par>
+                            </p:childTnLst>
+                          </p:cTn>
+                        </p:par>
+                      </p:childTnLst>
+                    </p:cTn>
+                  </p:par>
+                  <p:par>
+                    <p:cTn id="15" fill="hold">
+                      <p:stCondLst>
+                        <p:cond delay="indefinite"/>
+                      </p:stCondLst>
+                      <p:childTnLst>
+                        <p:par>
+                          <p:cTn id="16" fill="hold">
+                            <p:stCondLst>
+                              <p:cond delay="0"/>
+                            </p:stCondLst>
+                            <p:childTnLst>
+                              <p:par>
+                                <p:cTn id="17" presetID="1" presetClass="entr" presetSubtype="0" fill="hold" grpId="0" nodeType="clickEffect">
+                                  <p:stCondLst>
+                                    <p:cond delay="0"/>
+                                  </p:stCondLst>
+                                  <p:childTnLst>
+                                    <p:set>
+                                      <p:cBhvr>
+                                        <p:cTn id="18" dur="1" fill="hold">
+                                          <p:stCondLst>
+                                            <p:cond delay="0"/>
+                                          </p:stCondLst>
+                                        </p:cTn>
+                                        <p:tgtEl>
+                                          <p:spTgt spid="7"/>
+                                        </p:tgtEl>
+                                        <p:attrNameLst>
+                                          <p:attrName>style.visibility</p:attrName>
+                                        </p:attrNameLst>
+                                      </p:cBhvr>
+                                      <p:to>
+                                        <p:strVal val="visible"/>
+                                      </p:to>
+                                    </p:set>
+                                  </p:childTnLst>
+                                </p:cTn>
+                              </p:par>
+                              <p:par>
+                                <p:cTn id="19" presetID="1" presetClass="entr" presetSubtype="0" fill="hold" grpId="0" nodeType="withEffect">
+                                  <p:stCondLst>
+                                    <p:cond delay="0"/>
+                                  </p:stCondLst>
+                                  <p:childTnLst>
+                                    <p:set>
+                                      <p:cBhvr>
+                                        <p:cTn id="20" dur="1" fill="hold">
+                                          <p:stCondLst>
+                                            <p:cond delay="0"/>
+                                          </p:stCondLst>
+                                        </p:cTn>
+                                        <p:tgtEl>
+                                          <p:spTgt spid="10"/>
+                                        </p:tgtEl>
+                                        <p:attrNameLst>
+                                          <p:attrName>style.visibility</p:attrName>
+                                        </p:attrNameLst>
+                                      </p:cBhvr>
+                                      <p:to>
+                                        <p:strVal val="visible"/>
+                                      </p:to>
+                                    </p:set>
+                                  </p:childTnLst>
+                                </p:cTn>
+                              </p:par>
+                            </p:childTnLst>
+                          </p:cTn>
+                        </p:par>
+                      </p:childTnLst>
+                    </p:cTn>
+                  </p:par>
+                </p:childTnLst>
+              </p:cTn>
+              <p:prevCondLst>
+                <p:cond evt="onPrev" delay="0">
+                  <p:tgtEl>
+                    <p:sldTgt/>
+                  </p:tgtEl>
+                </p:cond>
+              </p:prevCondLst>
+              <p:nextCondLst>
+                <p:cond evt="onNext" delay="0">
+                  <p:tgtEl>
+                    <p:sldTgt/>
+                  </p:tgtEl>
+                </p:cond>
+              </p:nextCondLst>
+            </p:seq>
+          </p:childTnLst>
+        </p:cTn>
+      </p:par>
+    </p:tnLst>
+    <p:bldLst>
+      <p:bldP spid="5" grpId="0" animBg="1"/>
+      <p:bldP spid="7" grpId="0" animBg="1"/>
+      <p:bldP spid="9" grpId="0"/>
+      <p:bldP spid="10" grpId="0"/>
+    </p:bldLst>
+  </p:timing>
+</p:sld>
+</file>
+
+<file path=ppt/slides/slide12.xml><?xml version="1.0" encoding="utf-8"?>
+<p:sld xmlns:a="http://schemas.openxmlformats.org/drawingml/2006/main" xmlns:r="http://schemas.openxmlformats.org/officeDocument/2006/relationships" xmlns:p="http://schemas.openxmlformats.org/presentationml/2006/main">
+  <p:cSld>
+    <p:spTree>
+      <p:nvGrpSpPr>
+        <p:cNvPr id="1" name=""/>
+        <p:cNvGrpSpPr/>
+        <p:nvPr/>
+      </p:nvGrpSpPr>
+      <p:grpSpPr>
+        <a:xfrm>
+          <a:off x="0" y="0"/>
+          <a:ext cx="0" cy="0"/>
+          <a:chOff x="0" y="0"/>
+          <a:chExt cx="0" cy="0"/>
+        </a:xfrm>
+      </p:grpSpPr>
+      <p:sp>
+        <p:nvSpPr>
+          <p:cNvPr id="2" name="Title 1"/>
+          <p:cNvSpPr>
+            <a:spLocks noGrp="1"/>
+          </p:cNvSpPr>
+          <p:nvPr>
+            <p:ph type="title"/>
+          </p:nvPr>
+        </p:nvSpPr>
+        <p:spPr/>
+        <p:txBody>
+          <a:bodyPr>
+            <a:normAutofit fontScale="90000"/>
+          </a:bodyPr>
+          <a:lstStyle/>
+          <a:p>
+            <a:r>
+              <a:rPr lang="en-US" dirty="0" smtClean="0"/>
+              <a:t>Closures (2)</a:t>
+            </a:r>
+            <a:endParaRPr lang="en-US" dirty="0"/>
+          </a:p>
+        </p:txBody>
+      </p:sp>
+      <p:sp>
+        <p:nvSpPr>
+          <p:cNvPr id="3" name="Content Placeholder 2"/>
+          <p:cNvSpPr>
+            <a:spLocks noGrp="1"/>
+          </p:cNvSpPr>
+          <p:nvPr>
+            <p:ph idx="1"/>
+          </p:nvPr>
+        </p:nvSpPr>
+        <p:spPr>
+          <a:xfrm>
+            <a:off x="838200" y="1264920"/>
+            <a:ext cx="5423115" cy="4912043"/>
+          </a:xfrm>
+        </p:spPr>
+        <p:txBody>
+          <a:bodyPr/>
+          <a:lstStyle/>
+          <a:p>
+            <a:pPr marL="0" indent="0">
+              <a:buNone/>
+            </a:pPr>
+            <a:r>
+              <a:rPr lang="en-US" dirty="0" smtClean="0"/>
+              <a:t>I fix this by creating a closure.</a:t>
+            </a:r>
+          </a:p>
+          <a:p>
+            <a:pPr marL="0" indent="0">
+              <a:buNone/>
+            </a:pPr>
+            <a:endParaRPr lang="en-US" dirty="0"/>
+          </a:p>
+          <a:p>
+            <a:pPr marL="0" indent="0">
+              <a:buNone/>
+            </a:pPr>
+            <a:r>
+              <a:rPr lang="en-US" dirty="0" smtClean="0"/>
+              <a:t>This function is local and it can do anything, including call the bark function.</a:t>
+            </a:r>
+          </a:p>
+          <a:p>
+            <a:pPr marL="0" indent="0">
+              <a:buNone/>
+            </a:pPr>
+            <a:endParaRPr lang="en-US" dirty="0"/>
+          </a:p>
+          <a:p>
+            <a:pPr marL="0" indent="0">
+              <a:buNone/>
+            </a:pPr>
+            <a:r>
+              <a:rPr lang="en-US" dirty="0" smtClean="0"/>
+              <a:t>What will this do?</a:t>
+            </a:r>
+          </a:p>
+          <a:p>
+            <a:pPr marL="0" indent="0">
+              <a:buNone/>
+            </a:pPr>
+            <a:endParaRPr lang="en-US" dirty="0"/>
+          </a:p>
+          <a:p>
+            <a:pPr marL="0" indent="0">
+              <a:buNone/>
+            </a:pPr>
+            <a:r>
+              <a:rPr lang="en-US" dirty="0" smtClean="0"/>
+              <a:t>Why didn’t it work?</a:t>
+            </a:r>
+            <a:endParaRPr lang="en-US" dirty="0"/>
+          </a:p>
+        </p:txBody>
+      </p:sp>
+      <p:sp>
+        <p:nvSpPr>
+          <p:cNvPr id="4" name="TextBox 3"/>
+          <p:cNvSpPr txBox="1"/>
+          <p:nvPr/>
+        </p:nvSpPr>
+        <p:spPr>
+          <a:xfrm>
+            <a:off x="6431796" y="1264920"/>
+            <a:ext cx="5098943" cy="4801314"/>
+          </a:xfrm>
+          <a:prstGeom prst="rect">
+            <a:avLst/>
+          </a:prstGeom>
+          <a:noFill/>
+        </p:spPr>
+        <p:txBody>
+          <a:bodyPr wrap="square" rtlCol="0">
+            <a:spAutoFit/>
+          </a:bodyPr>
+          <a:lstStyle/>
+          <a:p>
+            <a:r>
+              <a:rPr lang="en-US" dirty="0" smtClean="0"/>
+              <a:t>function Dog(name)</a:t>
+            </a:r>
+          </a:p>
+          <a:p>
+            <a:r>
+              <a:rPr lang="en-US" dirty="0" smtClean="0"/>
+              <a:t>{</a:t>
+            </a:r>
+          </a:p>
+          <a:p>
+            <a:r>
+              <a:rPr lang="en-US" dirty="0"/>
+              <a:t> </a:t>
+            </a:r>
+            <a:r>
+              <a:rPr lang="en-US" dirty="0" smtClean="0"/>
+              <a:t> </a:t>
+            </a:r>
+            <a:r>
+              <a:rPr lang="en-US" dirty="0" err="1" smtClean="0"/>
+              <a:t>this.petName</a:t>
+            </a:r>
+            <a:r>
+              <a:rPr lang="en-US" dirty="0" smtClean="0"/>
+              <a:t> = name;</a:t>
+            </a:r>
+          </a:p>
+          <a:p>
+            <a:r>
+              <a:rPr lang="en-US" dirty="0"/>
+              <a:t>}</a:t>
+            </a:r>
+            <a:endParaRPr lang="en-US" dirty="0" smtClean="0"/>
+          </a:p>
+          <a:p>
+            <a:endParaRPr lang="en-US" dirty="0"/>
+          </a:p>
+          <a:p>
+            <a:r>
+              <a:rPr lang="en-US" dirty="0" err="1" smtClean="0"/>
+              <a:t>Dog.prototype.StartBark</a:t>
+            </a:r>
+            <a:r>
+              <a:rPr lang="en-US" dirty="0" smtClean="0"/>
+              <a:t> = function() {</a:t>
+            </a:r>
+          </a:p>
+          <a:p>
+            <a:r>
+              <a:rPr lang="en-US" dirty="0" smtClean="0"/>
+              <a:t>   </a:t>
+            </a:r>
+            <a:r>
+              <a:rPr lang="en-US" dirty="0" err="1" smtClean="0"/>
+              <a:t>var</a:t>
+            </a:r>
+            <a:r>
+              <a:rPr lang="en-US" dirty="0" smtClean="0"/>
+              <a:t> call = function() {</a:t>
+            </a:r>
+            <a:r>
+              <a:rPr lang="en-US" dirty="0" err="1" smtClean="0"/>
+              <a:t>this.bark</a:t>
+            </a:r>
+            <a:r>
+              <a:rPr lang="en-US" dirty="0" smtClean="0"/>
+              <a:t>();};</a:t>
+            </a:r>
+          </a:p>
+          <a:p>
+            <a:r>
+              <a:rPr lang="en-US" dirty="0"/>
+              <a:t> </a:t>
+            </a:r>
+            <a:r>
+              <a:rPr lang="en-US" dirty="0" smtClean="0"/>
+              <a:t>  </a:t>
+            </a:r>
+            <a:r>
+              <a:rPr lang="en-US" dirty="0" err="1" smtClean="0"/>
+              <a:t>this.barker</a:t>
+            </a:r>
+            <a:r>
+              <a:rPr lang="en-US" dirty="0" smtClean="0"/>
+              <a:t> = </a:t>
+            </a:r>
+            <a:r>
+              <a:rPr lang="en-US" dirty="0" err="1" smtClean="0"/>
+              <a:t>setInterval</a:t>
+            </a:r>
+            <a:r>
+              <a:rPr lang="en-US" dirty="0" smtClean="0"/>
+              <a:t>(call, 1000);</a:t>
+            </a:r>
+          </a:p>
+          <a:p>
+            <a:r>
+              <a:rPr lang="en-US" dirty="0" smtClean="0"/>
+              <a:t>}</a:t>
+            </a:r>
+          </a:p>
+          <a:p>
+            <a:endParaRPr lang="en-US" dirty="0"/>
+          </a:p>
+          <a:p>
+            <a:r>
+              <a:rPr lang="en-US" dirty="0" err="1" smtClean="0"/>
+              <a:t>Dog.prototype.bark</a:t>
+            </a:r>
+            <a:r>
+              <a:rPr lang="en-US" dirty="0" smtClean="0"/>
+              <a:t> = function () {</a:t>
+            </a:r>
+          </a:p>
+          <a:p>
+            <a:r>
+              <a:rPr lang="en-US" dirty="0"/>
+              <a:t> </a:t>
+            </a:r>
+            <a:r>
+              <a:rPr lang="en-US" dirty="0" smtClean="0"/>
+              <a:t> alert(</a:t>
+            </a:r>
+            <a:r>
+              <a:rPr lang="en-US" dirty="0" err="1" smtClean="0"/>
+              <a:t>this.petName</a:t>
+            </a:r>
+            <a:r>
+              <a:rPr lang="en-US" dirty="0" smtClean="0"/>
+              <a:t>+“ says bark!”);</a:t>
+            </a:r>
+          </a:p>
+          <a:p>
+            <a:r>
+              <a:rPr lang="en-US" dirty="0" smtClean="0"/>
+              <a:t>}</a:t>
+            </a:r>
+          </a:p>
+          <a:p>
+            <a:endParaRPr lang="en-US" dirty="0"/>
+          </a:p>
+          <a:p>
+            <a:r>
+              <a:rPr lang="en-US" dirty="0" err="1" smtClean="0"/>
+              <a:t>Dog.prototype.StopBark</a:t>
+            </a:r>
+            <a:r>
+              <a:rPr lang="en-US" dirty="0" smtClean="0"/>
+              <a:t> = function() {</a:t>
+            </a:r>
+          </a:p>
+          <a:p>
+            <a:r>
+              <a:rPr lang="en-US" dirty="0"/>
+              <a:t> </a:t>
+            </a:r>
+            <a:r>
+              <a:rPr lang="en-US" dirty="0" smtClean="0"/>
+              <a:t>  </a:t>
+            </a:r>
+            <a:r>
+              <a:rPr lang="en-US" dirty="0" err="1" smtClean="0"/>
+              <a:t>clearInterval</a:t>
+            </a:r>
+            <a:r>
+              <a:rPr lang="en-US" dirty="0" smtClean="0"/>
+              <a:t>(</a:t>
+            </a:r>
+            <a:r>
+              <a:rPr lang="en-US" dirty="0" err="1" smtClean="0"/>
+              <a:t>this.barker</a:t>
+            </a:r>
+            <a:r>
+              <a:rPr lang="en-US" dirty="0" smtClean="0"/>
+              <a:t>);</a:t>
+            </a:r>
+          </a:p>
+          <a:p>
+            <a:r>
+              <a:rPr lang="en-US" dirty="0"/>
+              <a:t>}</a:t>
+            </a:r>
+          </a:p>
+        </p:txBody>
+      </p:sp>
+      <p:pic>
+        <p:nvPicPr>
+          <p:cNvPr id="6" name="Picture 5"/>
+          <p:cNvPicPr>
+            <a:picLocks noChangeAspect="1"/>
+          </p:cNvPicPr>
+          <p:nvPr/>
+        </p:nvPicPr>
+        <p:blipFill>
+          <a:blip r:embed="rId2"/>
+          <a:stretch>
+            <a:fillRect/>
+          </a:stretch>
+        </p:blipFill>
+        <p:spPr>
+          <a:xfrm>
+            <a:off x="7512874" y="381775"/>
+            <a:ext cx="4457700" cy="819150"/>
+          </a:xfrm>
+          <a:prstGeom prst="rect">
+            <a:avLst/>
+          </a:prstGeom>
+        </p:spPr>
+      </p:pic>
+      <p:sp>
+        <p:nvSpPr>
+          <p:cNvPr id="10" name="Right Arrow 9"/>
+          <p:cNvSpPr/>
+          <p:nvPr/>
+        </p:nvSpPr>
+        <p:spPr>
+          <a:xfrm rot="10800000">
+            <a:off x="9933029" y="2947681"/>
+            <a:ext cx="463416" cy="288696"/>
+          </a:xfrm>
+          <a:prstGeom prst="rightArrow">
+            <a:avLst/>
+          </a:prstGeom>
+          <a:solidFill>
+            <a:srgbClr val="00B050"/>
+          </a:solidFill>
+          <a:ln>
+            <a:solidFill>
+              <a:schemeClr val="tx1"/>
+            </a:solidFill>
+          </a:ln>
+        </p:spPr>
+        <p:style>
+          <a:lnRef idx="2">
+            <a:schemeClr val="accent1">
+              <a:shade val="50000"/>
+            </a:schemeClr>
+          </a:lnRef>
+          <a:fillRef idx="1">
+            <a:schemeClr val="accent1"/>
+          </a:fillRef>
+          <a:effectRef idx="0">
+            <a:schemeClr val="accent1"/>
+          </a:effectRef>
+          <a:fontRef idx="minor">
+            <a:schemeClr val="lt1"/>
+          </a:fontRef>
+        </p:style>
+        <p:txBody>
+          <a:bodyPr rtlCol="0" anchor="ctr"/>
+          <a:lstStyle/>
+          <a:p>
+            <a:pPr algn="ctr"/>
+            <a:endParaRPr lang="en-US"/>
+          </a:p>
+        </p:txBody>
+      </p:sp>
+      <p:sp>
+        <p:nvSpPr>
+          <p:cNvPr id="11" name="Right Arrow 10"/>
+          <p:cNvSpPr/>
+          <p:nvPr/>
+        </p:nvSpPr>
+        <p:spPr>
+          <a:xfrm rot="14004190">
+            <a:off x="8875874" y="3196826"/>
+            <a:ext cx="463416" cy="464949"/>
+          </a:xfrm>
+          <a:prstGeom prst="rightArrow">
+            <a:avLst/>
+          </a:prstGeom>
+          <a:solidFill>
+            <a:srgbClr val="FF0000"/>
+          </a:solidFill>
+          <a:ln>
+            <a:solidFill>
+              <a:schemeClr val="tx1"/>
+            </a:solidFill>
+          </a:ln>
+        </p:spPr>
+        <p:style>
+          <a:lnRef idx="2">
+            <a:schemeClr val="accent1">
+              <a:shade val="50000"/>
+            </a:schemeClr>
+          </a:lnRef>
+          <a:fillRef idx="1">
+            <a:schemeClr val="accent1"/>
+          </a:fillRef>
+          <a:effectRef idx="0">
+            <a:schemeClr val="accent1"/>
+          </a:effectRef>
+          <a:fontRef idx="minor">
+            <a:schemeClr val="lt1"/>
+          </a:fontRef>
+        </p:style>
+        <p:txBody>
+          <a:bodyPr rtlCol="0" anchor="ctr"/>
+          <a:lstStyle/>
+          <a:p>
+            <a:pPr algn="ctr"/>
+            <a:endParaRPr lang="en-US"/>
+          </a:p>
+        </p:txBody>
+      </p:sp>
+      <p:sp>
+        <p:nvSpPr>
+          <p:cNvPr id="12" name="TextBox 11"/>
+          <p:cNvSpPr txBox="1"/>
+          <p:nvPr/>
+        </p:nvSpPr>
+        <p:spPr>
+          <a:xfrm>
+            <a:off x="9394913" y="3429300"/>
+            <a:ext cx="2003063" cy="369332"/>
+          </a:xfrm>
+          <a:prstGeom prst="rect">
+            <a:avLst/>
+          </a:prstGeom>
+          <a:noFill/>
+        </p:spPr>
+        <p:txBody>
+          <a:bodyPr wrap="square" rtlCol="0">
+            <a:spAutoFit/>
+          </a:bodyPr>
+          <a:lstStyle/>
+          <a:p>
+            <a:r>
+              <a:rPr lang="en-US" dirty="0" smtClean="0"/>
+              <a:t>‘this’ is the window in this scope</a:t>
+            </a:r>
+            <a:endParaRPr lang="en-US" dirty="0"/>
+          </a:p>
+        </p:txBody>
+      </p:sp>
+    </p:spTree>
+    <p:extLst>
+      <p:ext uri="{BB962C8B-B14F-4D97-AF65-F5344CB8AC3E}">
+        <p14:creationId xmlns:p14="http://schemas.microsoft.com/office/powerpoint/2010/main" val="532809763"/>
+      </p:ext>
+    </p:extLst>
+  </p:cSld>
+  <p:clrMapOvr>
+    <a:masterClrMapping/>
+  </p:clrMapOvr>
+  <p:timing>
+    <p:tnLst>
+      <p:par>
+        <p:cTn id="1" dur="indefinite" restart="never" nodeType="tmRoot">
+          <p:childTnLst>
+            <p:seq concurrent="1" nextAc="seek">
+              <p:cTn id="2" dur="indefinite" nodeType="mainSeq">
+                <p:childTnLst>
+                  <p:par>
+                    <p:cTn id="3" fill="hold">
+                      <p:stCondLst>
+                        <p:cond delay="indefinite"/>
+                      </p:stCondLst>
+                      <p:childTnLst>
+                        <p:par>
+                          <p:cTn id="4" fill="hold">
+                            <p:stCondLst>
+                              <p:cond delay="0"/>
+                            </p:stCondLst>
+                            <p:childTnLst>
+                              <p:par>
+                                <p:cTn id="5" presetID="1" presetClass="entr" presetSubtype="0" fill="hold" nodeType="clickEffect">
+                                  <p:stCondLst>
+                                    <p:cond delay="0"/>
+                                  </p:stCondLst>
+                                  <p:childTnLst>
+                                    <p:set>
+                                      <p:cBhvr>
+                                        <p:cTn id="6" dur="1" fill="hold">
+                                          <p:stCondLst>
+                                            <p:cond delay="0"/>
+                                          </p:stCondLst>
+                                        </p:cTn>
+                                        <p:tgtEl>
+                                          <p:spTgt spid="6"/>
+                                        </p:tgtEl>
+                                        <p:attrNameLst>
+                                          <p:attrName>style.visibility</p:attrName>
+                                        </p:attrNameLst>
+                                      </p:cBhvr>
+                                      <p:to>
+                                        <p:strVal val="visible"/>
+                                      </p:to>
+                                    </p:set>
+                                  </p:childTnLst>
+                                </p:cTn>
+                              </p:par>
+                            </p:childTnLst>
+                          </p:cTn>
+                        </p:par>
+                      </p:childTnLst>
+                    </p:cTn>
+                  </p:par>
+                  <p:par>
+                    <p:cTn id="7" fill="hold">
+                      <p:stCondLst>
+                        <p:cond delay="indefinite"/>
+                      </p:stCondLst>
+                      <p:childTnLst>
+                        <p:par>
+                          <p:cTn id="8" fill="hold">
+                            <p:stCondLst>
+                              <p:cond delay="0"/>
+                            </p:stCondLst>
+                            <p:childTnLst>
+                              <p:par>
+                                <p:cTn id="9" presetID="1" presetClass="entr" presetSubtype="0" fill="hold" grpId="0" nodeType="clickEffect">
+                                  <p:stCondLst>
+                                    <p:cond delay="0"/>
+                                  </p:stCondLst>
+                                  <p:childTnLst>
+                                    <p:set>
+                                      <p:cBhvr>
+                                        <p:cTn id="10" dur="1" fill="hold">
+                                          <p:stCondLst>
+                                            <p:cond delay="0"/>
+                                          </p:stCondLst>
+                                        </p:cTn>
+                                        <p:tgtEl>
+                                          <p:spTgt spid="11"/>
+                                        </p:tgtEl>
+                                        <p:attrNameLst>
+                                          <p:attrName>style.visibility</p:attrName>
+                                        </p:attrNameLst>
+                                      </p:cBhvr>
+                                      <p:to>
+                                        <p:strVal val="visible"/>
+                                      </p:to>
+                                    </p:set>
+                                  </p:childTnLst>
+                                </p:cTn>
+                              </p:par>
+                              <p:par>
+                                <p:cTn id="11" presetID="1" presetClass="entr" presetSubtype="0" fill="hold" grpId="0" nodeType="withEffect">
+                                  <p:stCondLst>
+                                    <p:cond delay="0"/>
+                                  </p:stCondLst>
+                                  <p:childTnLst>
+                                    <p:set>
+                                      <p:cBhvr>
+                                        <p:cTn id="12" dur="1" fill="hold">
+                                          <p:stCondLst>
+                                            <p:cond delay="0"/>
+                                          </p:stCondLst>
+                                        </p:cTn>
+                                        <p:tgtEl>
+                                          <p:spTgt spid="12"/>
+                                        </p:tgtEl>
+                                        <p:attrNameLst>
+                                          <p:attrName>style.visibility</p:attrName>
+                                        </p:attrNameLst>
+                                      </p:cBhvr>
+                                      <p:to>
+                                        <p:strVal val="visible"/>
+                                      </p:to>
+                                    </p:set>
+                                  </p:childTnLst>
+                                </p:cTn>
+                              </p:par>
+                            </p:childTnLst>
+                          </p:cTn>
+                        </p:par>
+                      </p:childTnLst>
+                    </p:cTn>
+                  </p:par>
+                </p:childTnLst>
+              </p:cTn>
+              <p:prevCondLst>
+                <p:cond evt="onPrev" delay="0">
+                  <p:tgtEl>
+                    <p:sldTgt/>
+                  </p:tgtEl>
+                </p:cond>
+              </p:prevCondLst>
+              <p:nextCondLst>
+                <p:cond evt="onNext" delay="0">
+                  <p:tgtEl>
+                    <p:sldTgt/>
+                  </p:tgtEl>
+                </p:cond>
+              </p:nextCondLst>
+            </p:seq>
+          </p:childTnLst>
+        </p:cTn>
+      </p:par>
+    </p:tnLst>
+    <p:bldLst>
+      <p:bldP spid="11" grpId="0" animBg="1"/>
+      <p:bldP spid="12" grpId="0"/>
+    </p:bldLst>
+  </p:timing>
+</p:sld>
+</file>
+
+<file path=ppt/slides/slide13.xml><?xml version="1.0" encoding="utf-8"?>
+<p:sld xmlns:a="http://schemas.openxmlformats.org/drawingml/2006/main" xmlns:r="http://schemas.openxmlformats.org/officeDocument/2006/relationships" xmlns:p="http://schemas.openxmlformats.org/presentationml/2006/main">
+  <p:cSld>
+    <p:spTree>
+      <p:nvGrpSpPr>
+        <p:cNvPr id="1" name=""/>
+        <p:cNvGrpSpPr/>
+        <p:nvPr/>
+      </p:nvGrpSpPr>
+      <p:grpSpPr>
+        <a:xfrm>
+          <a:off x="0" y="0"/>
+          <a:ext cx="0" cy="0"/>
+          <a:chOff x="0" y="0"/>
+          <a:chExt cx="0" cy="0"/>
+        </a:xfrm>
+      </p:grpSpPr>
+      <p:sp>
+        <p:nvSpPr>
+          <p:cNvPr id="2" name="Title 1"/>
+          <p:cNvSpPr>
+            <a:spLocks noGrp="1"/>
+          </p:cNvSpPr>
+          <p:nvPr>
+            <p:ph type="title"/>
+          </p:nvPr>
+        </p:nvSpPr>
+        <p:spPr/>
+        <p:txBody>
+          <a:bodyPr>
+            <a:normAutofit fontScale="90000"/>
+          </a:bodyPr>
+          <a:lstStyle/>
+          <a:p>
+            <a:r>
+              <a:rPr lang="en-US" dirty="0" smtClean="0"/>
+              <a:t>Closures (3)</a:t>
+            </a:r>
+            <a:endParaRPr lang="en-US" dirty="0"/>
+          </a:p>
+        </p:txBody>
+      </p:sp>
+      <p:sp>
+        <p:nvSpPr>
+          <p:cNvPr id="3" name="Content Placeholder 2"/>
+          <p:cNvSpPr>
+            <a:spLocks noGrp="1"/>
+          </p:cNvSpPr>
+          <p:nvPr>
+            <p:ph idx="1"/>
+          </p:nvPr>
+        </p:nvSpPr>
+        <p:spPr>
+          <a:xfrm>
+            <a:off x="838200" y="1264920"/>
+            <a:ext cx="5423115" cy="4912043"/>
+          </a:xfrm>
+        </p:spPr>
+        <p:txBody>
+          <a:bodyPr/>
+          <a:lstStyle/>
+          <a:p>
+            <a:pPr marL="0" indent="0">
+              <a:buNone/>
+            </a:pPr>
+            <a:r>
+              <a:rPr lang="en-US" dirty="0" smtClean="0"/>
+              <a:t>I complete the closure by creating a local variable.</a:t>
+            </a:r>
+          </a:p>
+          <a:p>
+            <a:pPr marL="0" indent="0">
+              <a:buNone/>
+            </a:pPr>
+            <a:endParaRPr lang="en-US" dirty="0"/>
+          </a:p>
+          <a:p>
+            <a:pPr marL="0" indent="0">
+              <a:buNone/>
+            </a:pPr>
+            <a:r>
+              <a:rPr lang="en-US" dirty="0" smtClean="0"/>
+              <a:t>This disappears at the end of </a:t>
+            </a:r>
+            <a:r>
+              <a:rPr lang="en-US" dirty="0" err="1" smtClean="0"/>
+              <a:t>StartBark</a:t>
+            </a:r>
+            <a:r>
+              <a:rPr lang="en-US" dirty="0" smtClean="0"/>
+              <a:t>.</a:t>
+            </a:r>
+          </a:p>
+          <a:p>
+            <a:pPr marL="0" indent="0">
+              <a:buNone/>
+            </a:pPr>
+            <a:endParaRPr lang="en-US" dirty="0" smtClean="0"/>
+          </a:p>
+          <a:p>
+            <a:pPr marL="0" indent="0">
+              <a:buNone/>
+            </a:pPr>
+            <a:r>
+              <a:rPr lang="en-US" dirty="0" smtClean="0"/>
+              <a:t>Me does not.</a:t>
+            </a:r>
+          </a:p>
+          <a:p>
+            <a:pPr marL="0" indent="0">
+              <a:buNone/>
+            </a:pPr>
+            <a:endParaRPr lang="en-US" dirty="0" smtClean="0"/>
+          </a:p>
+          <a:p>
+            <a:pPr marL="0" indent="0">
+              <a:buNone/>
+            </a:pPr>
+            <a:r>
+              <a:rPr lang="en-US" dirty="0" smtClean="0"/>
+              <a:t>Me can be the same as this.</a:t>
+            </a:r>
+          </a:p>
+          <a:p>
+            <a:r>
+              <a:rPr lang="en-US" dirty="0" smtClean="0"/>
+              <a:t>No law against it.</a:t>
+            </a:r>
+          </a:p>
+        </p:txBody>
+      </p:sp>
+      <p:sp>
+        <p:nvSpPr>
+          <p:cNvPr id="4" name="TextBox 3"/>
+          <p:cNvSpPr txBox="1"/>
+          <p:nvPr/>
+        </p:nvSpPr>
+        <p:spPr>
+          <a:xfrm>
+            <a:off x="6431796" y="1264920"/>
+            <a:ext cx="5098943" cy="5078313"/>
+          </a:xfrm>
+          <a:prstGeom prst="rect">
+            <a:avLst/>
+          </a:prstGeom>
+          <a:noFill/>
+        </p:spPr>
+        <p:txBody>
+          <a:bodyPr wrap="square" rtlCol="0">
+            <a:spAutoFit/>
+          </a:bodyPr>
+          <a:lstStyle/>
+          <a:p>
+            <a:r>
+              <a:rPr lang="en-US" dirty="0" smtClean="0"/>
+              <a:t>function Dog(name)</a:t>
+            </a:r>
+          </a:p>
+          <a:p>
+            <a:r>
+              <a:rPr lang="en-US" dirty="0" smtClean="0"/>
+              <a:t>{</a:t>
+            </a:r>
+          </a:p>
+          <a:p>
+            <a:r>
+              <a:rPr lang="en-US" dirty="0"/>
+              <a:t> </a:t>
+            </a:r>
+            <a:r>
+              <a:rPr lang="en-US" dirty="0" smtClean="0"/>
+              <a:t> </a:t>
+            </a:r>
+            <a:r>
+              <a:rPr lang="en-US" dirty="0" err="1" smtClean="0"/>
+              <a:t>this.petName</a:t>
+            </a:r>
+            <a:r>
+              <a:rPr lang="en-US" dirty="0" smtClean="0"/>
+              <a:t> = name;</a:t>
+            </a:r>
+          </a:p>
+          <a:p>
+            <a:r>
+              <a:rPr lang="en-US" dirty="0"/>
+              <a:t>}</a:t>
+            </a:r>
+            <a:endParaRPr lang="en-US" dirty="0" smtClean="0"/>
+          </a:p>
+          <a:p>
+            <a:endParaRPr lang="en-US" dirty="0"/>
+          </a:p>
+          <a:p>
+            <a:r>
+              <a:rPr lang="en-US" dirty="0" err="1" smtClean="0"/>
+              <a:t>Dog.prototype.StartBark</a:t>
+            </a:r>
+            <a:r>
+              <a:rPr lang="en-US" dirty="0" smtClean="0"/>
+              <a:t> = function() {</a:t>
+            </a:r>
+          </a:p>
+          <a:p>
+            <a:r>
+              <a:rPr lang="en-US" dirty="0"/>
+              <a:t> </a:t>
+            </a:r>
+            <a:r>
+              <a:rPr lang="en-US" dirty="0" smtClean="0"/>
+              <a:t>  </a:t>
+            </a:r>
+            <a:r>
+              <a:rPr lang="en-US" dirty="0" err="1" smtClean="0"/>
+              <a:t>var</a:t>
+            </a:r>
+            <a:r>
+              <a:rPr lang="en-US" dirty="0" smtClean="0"/>
+              <a:t> me = this;</a:t>
+            </a:r>
+          </a:p>
+          <a:p>
+            <a:r>
+              <a:rPr lang="en-US" dirty="0"/>
+              <a:t> </a:t>
+            </a:r>
+            <a:r>
+              <a:rPr lang="en-US" dirty="0" smtClean="0"/>
+              <a:t>  </a:t>
+            </a:r>
+            <a:r>
+              <a:rPr lang="en-US" dirty="0" err="1" smtClean="0"/>
+              <a:t>var</a:t>
+            </a:r>
+            <a:r>
+              <a:rPr lang="en-US" dirty="0" smtClean="0"/>
+              <a:t> call = function() {</a:t>
+            </a:r>
+            <a:r>
+              <a:rPr lang="en-US" dirty="0" err="1" smtClean="0"/>
+              <a:t>me.bark</a:t>
+            </a:r>
+            <a:r>
+              <a:rPr lang="en-US" dirty="0" smtClean="0"/>
+              <a:t>();};</a:t>
+            </a:r>
+          </a:p>
+          <a:p>
+            <a:r>
+              <a:rPr lang="en-US" dirty="0"/>
+              <a:t> </a:t>
+            </a:r>
+            <a:r>
+              <a:rPr lang="en-US" dirty="0" smtClean="0"/>
+              <a:t>  </a:t>
+            </a:r>
+            <a:r>
+              <a:rPr lang="en-US" dirty="0" err="1" smtClean="0"/>
+              <a:t>this.barker</a:t>
+            </a:r>
+            <a:r>
+              <a:rPr lang="en-US" dirty="0" smtClean="0"/>
+              <a:t> = </a:t>
+            </a:r>
+            <a:r>
+              <a:rPr lang="en-US" dirty="0" err="1" smtClean="0"/>
+              <a:t>setInterval</a:t>
+            </a:r>
+            <a:r>
+              <a:rPr lang="en-US" dirty="0" smtClean="0"/>
+              <a:t>(call, 1000);</a:t>
+            </a:r>
+          </a:p>
+          <a:p>
+            <a:r>
+              <a:rPr lang="en-US" dirty="0" smtClean="0"/>
+              <a:t>}</a:t>
+            </a:r>
+          </a:p>
+          <a:p>
+            <a:endParaRPr lang="en-US" dirty="0"/>
+          </a:p>
+          <a:p>
+            <a:r>
+              <a:rPr lang="en-US" dirty="0" err="1" smtClean="0"/>
+              <a:t>Dog.prototype.bark</a:t>
+            </a:r>
+            <a:r>
+              <a:rPr lang="en-US" dirty="0" smtClean="0"/>
+              <a:t> = function () {</a:t>
+            </a:r>
+          </a:p>
+          <a:p>
+            <a:r>
+              <a:rPr lang="en-US" dirty="0"/>
+              <a:t> </a:t>
+            </a:r>
+            <a:r>
+              <a:rPr lang="en-US" dirty="0" smtClean="0"/>
+              <a:t> alert(</a:t>
+            </a:r>
+            <a:r>
+              <a:rPr lang="en-US" dirty="0" err="1" smtClean="0"/>
+              <a:t>this.petName</a:t>
+            </a:r>
+            <a:r>
+              <a:rPr lang="en-US" dirty="0" smtClean="0"/>
+              <a:t>+“ says bark!”);</a:t>
+            </a:r>
+          </a:p>
+          <a:p>
+            <a:r>
+              <a:rPr lang="en-US" dirty="0" smtClean="0"/>
+              <a:t>}</a:t>
+            </a:r>
+          </a:p>
+          <a:p>
+            <a:endParaRPr lang="en-US" dirty="0"/>
+          </a:p>
+          <a:p>
+            <a:r>
+              <a:rPr lang="en-US" dirty="0" err="1" smtClean="0"/>
+              <a:t>Dog.prototype.StopBark</a:t>
+            </a:r>
+            <a:r>
+              <a:rPr lang="en-US" dirty="0" smtClean="0"/>
+              <a:t> = function() {</a:t>
+            </a:r>
+          </a:p>
+          <a:p>
+            <a:r>
+              <a:rPr lang="en-US" dirty="0"/>
+              <a:t> </a:t>
+            </a:r>
+            <a:r>
+              <a:rPr lang="en-US" dirty="0" smtClean="0"/>
+              <a:t>  </a:t>
+            </a:r>
+            <a:r>
+              <a:rPr lang="en-US" dirty="0" err="1" smtClean="0"/>
+              <a:t>clearInterval</a:t>
+            </a:r>
+            <a:r>
+              <a:rPr lang="en-US" dirty="0" smtClean="0"/>
+              <a:t>(</a:t>
+            </a:r>
+            <a:r>
+              <a:rPr lang="en-US" dirty="0" err="1" smtClean="0"/>
+              <a:t>this.barker</a:t>
+            </a:r>
+            <a:r>
+              <a:rPr lang="en-US" dirty="0" smtClean="0"/>
+              <a:t>);</a:t>
+            </a:r>
+          </a:p>
+          <a:p>
+            <a:r>
+              <a:rPr lang="en-US" dirty="0"/>
+              <a:t>}</a:t>
+            </a:r>
+          </a:p>
+        </p:txBody>
+      </p:sp>
+      <p:pic>
+        <p:nvPicPr>
+          <p:cNvPr id="5" name="Picture 4"/>
+          <p:cNvPicPr>
+            <a:picLocks noChangeAspect="1"/>
+          </p:cNvPicPr>
+          <p:nvPr/>
+        </p:nvPicPr>
+        <p:blipFill>
+          <a:blip r:embed="rId2"/>
+          <a:stretch>
+            <a:fillRect/>
+          </a:stretch>
+        </p:blipFill>
+        <p:spPr>
+          <a:xfrm>
+            <a:off x="9456475" y="905469"/>
+            <a:ext cx="1805530" cy="928078"/>
+          </a:xfrm>
+          <a:prstGeom prst="rect">
+            <a:avLst/>
+          </a:prstGeom>
+        </p:spPr>
+      </p:pic>
+      <p:sp>
+        <p:nvSpPr>
+          <p:cNvPr id="7" name="Right Arrow 6"/>
+          <p:cNvSpPr/>
+          <p:nvPr/>
+        </p:nvSpPr>
+        <p:spPr>
+          <a:xfrm rot="10800000">
+            <a:off x="9895824" y="3002467"/>
+            <a:ext cx="463416" cy="288696"/>
+          </a:xfrm>
+          <a:prstGeom prst="rightArrow">
+            <a:avLst/>
+          </a:prstGeom>
+          <a:solidFill>
+            <a:srgbClr val="00B050"/>
+          </a:solidFill>
+          <a:ln>
+            <a:solidFill>
+              <a:schemeClr val="tx1"/>
+            </a:solidFill>
+          </a:ln>
+        </p:spPr>
+        <p:style>
+          <a:lnRef idx="2">
+            <a:schemeClr val="accent1">
+              <a:shade val="50000"/>
+            </a:schemeClr>
+          </a:lnRef>
+          <a:fillRef idx="1">
+            <a:schemeClr val="accent1"/>
+          </a:fillRef>
+          <a:effectRef idx="0">
+            <a:schemeClr val="accent1"/>
+          </a:effectRef>
+          <a:fontRef idx="minor">
+            <a:schemeClr val="lt1"/>
+          </a:fontRef>
+        </p:style>
+        <p:txBody>
+          <a:bodyPr rtlCol="0" anchor="ctr"/>
+          <a:lstStyle/>
+          <a:p>
+            <a:pPr algn="ctr"/>
+            <a:endParaRPr lang="en-US"/>
+          </a:p>
+        </p:txBody>
+      </p:sp>
+    </p:spTree>
+    <p:extLst>
+      <p:ext uri="{BB962C8B-B14F-4D97-AF65-F5344CB8AC3E}">
+        <p14:creationId xmlns:p14="http://schemas.microsoft.com/office/powerpoint/2010/main" val="3413358599"/>
       </p:ext>
     </p:extLst>
   </p:cSld>
@@ -3097,7 +5730,7 @@
           <a:p>
             <a:r>
               <a:rPr lang="en-US" dirty="0" smtClean="0"/>
-              <a:t>Arrays</a:t>
+              <a:t>Fields and Functions</a:t>
             </a:r>
             <a:endParaRPr lang="en-US" dirty="0"/>
           </a:p>
@@ -3110,91 +5743,93 @@
             <a:spLocks noGrp="1"/>
           </p:cNvSpPr>
           <p:nvPr>
-            <p:ph sz="half" idx="1"/>
+            <p:ph idx="1"/>
           </p:nvPr>
         </p:nvSpPr>
-        <p:spPr/>
-        <p:txBody>
-          <a:bodyPr>
-            <a:normAutofit lnSpcReduction="10000"/>
+        <p:spPr>
+          <a:xfrm>
+            <a:off x="838200" y="1264920"/>
+            <a:ext cx="5237136" cy="4912043"/>
+          </a:xfrm>
+        </p:spPr>
+        <p:txBody>
+          <a:bodyPr/>
+          <a:lstStyle/>
+          <a:p>
+            <a:pPr marL="0" indent="0">
+              <a:buNone/>
+            </a:pPr>
+            <a:r>
+              <a:rPr lang="en-US" dirty="0" smtClean="0"/>
+              <a:t>Remember that programming is about fields and functions:</a:t>
+            </a:r>
+          </a:p>
+          <a:p>
+            <a:r>
+              <a:rPr lang="en-US" dirty="0" smtClean="0"/>
+              <a:t>What is the data?</a:t>
+            </a:r>
+          </a:p>
+          <a:p>
+            <a:r>
+              <a:rPr lang="en-US" dirty="0" smtClean="0"/>
+              <a:t>What can change?</a:t>
+            </a:r>
+          </a:p>
+          <a:p>
+            <a:pPr marL="0" indent="0">
+              <a:buNone/>
+            </a:pPr>
+            <a:endParaRPr lang="en-US" dirty="0"/>
+          </a:p>
+          <a:p>
+            <a:pPr marL="0" indent="0">
+              <a:buNone/>
+            </a:pPr>
+            <a:r>
+              <a:rPr lang="en-US" dirty="0" smtClean="0"/>
+              <a:t>Another important question might be, how are fields and functions related?</a:t>
+            </a:r>
+          </a:p>
+        </p:txBody>
+      </p:sp>
+      <p:sp>
+        <p:nvSpPr>
+          <p:cNvPr id="5" name="TextBox 4"/>
+          <p:cNvSpPr txBox="1"/>
+          <p:nvPr/>
+        </p:nvSpPr>
+        <p:spPr>
+          <a:xfrm>
+            <a:off x="6912244" y="1512893"/>
+            <a:ext cx="3177152" cy="461665"/>
+          </a:xfrm>
+          <a:prstGeom prst="rect">
+            <a:avLst/>
+          </a:prstGeom>
+          <a:noFill/>
+        </p:spPr>
+        <p:txBody>
+          <a:bodyPr wrap="square" rtlCol="0">
+            <a:spAutoFit/>
           </a:bodyPr>
           <a:lstStyle/>
           <a:p>
-            <a:pPr marL="0" indent="0">
-              <a:buNone/>
-            </a:pPr>
-            <a:r>
-              <a:rPr lang="en-US" dirty="0" smtClean="0"/>
-              <a:t>Arrays are the most basic data structure.</a:t>
-            </a:r>
-          </a:p>
-          <a:p>
-            <a:pPr marL="0" indent="0">
-              <a:buNone/>
-            </a:pPr>
-            <a:r>
-              <a:rPr lang="en-US" dirty="0" smtClean="0"/>
-              <a:t>An array has </a:t>
-            </a:r>
-            <a:r>
-              <a:rPr lang="en-US" b="1" i="1" dirty="0" smtClean="0"/>
-              <a:t>n</a:t>
-            </a:r>
-            <a:r>
-              <a:rPr lang="en-US" dirty="0" smtClean="0"/>
-              <a:t> data slots.</a:t>
-            </a:r>
-          </a:p>
-          <a:p>
-            <a:pPr marL="0" indent="0">
-              <a:buNone/>
-            </a:pPr>
-            <a:r>
-              <a:rPr lang="en-US" dirty="0" smtClean="0"/>
-              <a:t>Each data slot has an index.</a:t>
-            </a:r>
-          </a:p>
-          <a:p>
-            <a:pPr marL="0" indent="0">
-              <a:buNone/>
-            </a:pPr>
-            <a:r>
-              <a:rPr lang="en-US" dirty="0" smtClean="0"/>
-              <a:t>You can check the length of the array.</a:t>
-            </a:r>
-          </a:p>
-          <a:p>
-            <a:pPr marL="0" indent="0">
-              <a:buNone/>
-            </a:pPr>
-            <a:r>
-              <a:rPr lang="en-US" dirty="0" smtClean="0"/>
-              <a:t>You can access any slot by the index.</a:t>
-            </a:r>
-          </a:p>
-          <a:p>
-            <a:pPr marL="0" indent="0">
-              <a:buNone/>
-            </a:pPr>
-            <a:r>
-              <a:rPr lang="en-US" dirty="0" smtClean="0"/>
-              <a:t>You can insert, remove, or change data in any slot.</a:t>
-            </a:r>
-          </a:p>
-          <a:p>
-            <a:pPr marL="0" indent="0">
-              <a:buNone/>
-            </a:pPr>
-            <a:r>
-              <a:rPr lang="en-US" dirty="0" smtClean="0"/>
-              <a:t>Don’t read a  slot you haven’t added.</a:t>
-            </a:r>
+            <a:r>
+              <a:rPr lang="en-US" sz="2400" b="1" dirty="0" smtClean="0"/>
+              <a:t>TIME</a:t>
+            </a:r>
+            <a:r>
+              <a:rPr lang="en-US" sz="2400" dirty="0" smtClean="0"/>
+              <a:t>: 1:23:45 pm</a:t>
+            </a:r>
+            <a:endParaRPr lang="en-US" sz="2400" dirty="0"/>
           </a:p>
         </p:txBody>
       </p:sp>
       <p:pic>
         <p:nvPicPr>
-          <p:cNvPr id="7" name="Picture 6"/>
+          <p:cNvPr id="16" name="Picture 15"/>
           <p:cNvPicPr>
             <a:picLocks noChangeAspect="1"/>
           </p:cNvPicPr>
@@ -3208,114 +5843,2916 @@
         </p:blipFill>
         <p:spPr>
           <a:xfrm>
-            <a:off x="7038401" y="1219200"/>
-            <a:ext cx="3283544" cy="1977733"/>
+            <a:off x="6323550" y="2235917"/>
+            <a:ext cx="5248275" cy="2419350"/>
           </a:xfrm>
           <a:prstGeom prst="rect">
             <a:avLst/>
           </a:prstGeom>
         </p:spPr>
       </p:pic>
+      <p:sp>
+        <p:nvSpPr>
+          <p:cNvPr id="17" name="Cube 16"/>
+          <p:cNvSpPr/>
+          <p:nvPr/>
+        </p:nvSpPr>
+        <p:spPr>
+          <a:xfrm>
+            <a:off x="9666922" y="2022897"/>
+            <a:ext cx="844948" cy="856467"/>
+          </a:xfrm>
+          <a:prstGeom prst="cube">
+            <a:avLst/>
+          </a:prstGeom>
+        </p:spPr>
+        <p:style>
+          <a:lnRef idx="2">
+            <a:schemeClr val="accent1">
+              <a:shade val="50000"/>
+            </a:schemeClr>
+          </a:lnRef>
+          <a:fillRef idx="1">
+            <a:schemeClr val="accent1"/>
+          </a:fillRef>
+          <a:effectRef idx="0">
+            <a:schemeClr val="accent1"/>
+          </a:effectRef>
+          <a:fontRef idx="minor">
+            <a:schemeClr val="lt1"/>
+          </a:fontRef>
+        </p:style>
+        <p:txBody>
+          <a:bodyPr rtlCol="0" anchor="ctr"/>
+          <a:lstStyle/>
+          <a:p>
+            <a:pPr algn="ctr"/>
+            <a:r>
+              <a:rPr lang="en-US" dirty="0" smtClean="0"/>
+              <a:t>time</a:t>
+            </a:r>
+            <a:endParaRPr lang="en-US" dirty="0"/>
+          </a:p>
+        </p:txBody>
+      </p:sp>
+      <p:grpSp>
+        <p:nvGrpSpPr>
+          <p:cNvPr id="18" name="Group 17"/>
+          <p:cNvGrpSpPr/>
+          <p:nvPr/>
+        </p:nvGrpSpPr>
+        <p:grpSpPr>
+          <a:xfrm>
+            <a:off x="11053689" y="2048554"/>
+            <a:ext cx="589926" cy="582459"/>
+            <a:chOff x="8786191" y="2325757"/>
+            <a:chExt cx="785192" cy="775252"/>
+          </a:xfrm>
+        </p:grpSpPr>
+        <p:sp>
+          <p:nvSpPr>
+            <p:cNvPr id="19" name="Oval 18"/>
+            <p:cNvSpPr/>
+            <p:nvPr/>
+          </p:nvSpPr>
+          <p:spPr>
+            <a:xfrm>
+              <a:off x="8786191" y="2325757"/>
+              <a:ext cx="785192" cy="775252"/>
+            </a:xfrm>
+            <a:prstGeom prst="ellipse">
+              <a:avLst/>
+            </a:prstGeom>
+            <a:solidFill>
+              <a:schemeClr val="bg1">
+                <a:lumMod val="75000"/>
+              </a:schemeClr>
+            </a:solidFill>
+            <a:ln>
+              <a:solidFill>
+                <a:schemeClr val="tx1"/>
+              </a:solidFill>
+            </a:ln>
+          </p:spPr>
+          <p:style>
+            <a:lnRef idx="2">
+              <a:schemeClr val="accent1">
+                <a:shade val="50000"/>
+              </a:schemeClr>
+            </a:lnRef>
+            <a:fillRef idx="1">
+              <a:schemeClr val="accent1"/>
+            </a:fillRef>
+            <a:effectRef idx="0">
+              <a:schemeClr val="accent1"/>
+            </a:effectRef>
+            <a:fontRef idx="minor">
+              <a:schemeClr val="lt1"/>
+            </a:fontRef>
+          </p:style>
+          <p:txBody>
+            <a:bodyPr rtlCol="0" anchor="ctr"/>
+            <a:lstStyle/>
+            <a:p>
+              <a:pPr algn="ctr"/>
+              <a:endParaRPr lang="en-US"/>
+            </a:p>
+          </p:txBody>
+        </p:sp>
+        <p:cxnSp>
+          <p:nvCxnSpPr>
+            <p:cNvPr id="20" name="Straight Connector 19"/>
+            <p:cNvCxnSpPr>
+              <a:endCxn id="19" idx="7"/>
+            </p:cNvCxnSpPr>
+            <p:nvPr/>
+          </p:nvCxnSpPr>
+          <p:spPr>
+            <a:xfrm flipV="1">
+              <a:off x="9163878" y="2439290"/>
+              <a:ext cx="292516" cy="313849"/>
+            </a:xfrm>
+            <a:prstGeom prst="line">
+              <a:avLst/>
+            </a:prstGeom>
+            <a:ln>
+              <a:solidFill>
+                <a:schemeClr val="tx1"/>
+              </a:solidFill>
+            </a:ln>
+          </p:spPr>
+          <p:style>
+            <a:lnRef idx="1">
+              <a:schemeClr val="accent1"/>
+            </a:lnRef>
+            <a:fillRef idx="0">
+              <a:schemeClr val="accent1"/>
+            </a:fillRef>
+            <a:effectRef idx="0">
+              <a:schemeClr val="accent1"/>
+            </a:effectRef>
+            <a:fontRef idx="minor">
+              <a:schemeClr val="tx1"/>
+            </a:fontRef>
+          </p:style>
+        </p:cxnSp>
+        <p:cxnSp>
+          <p:nvCxnSpPr>
+            <p:cNvPr id="21" name="Straight Connector 20"/>
+            <p:cNvCxnSpPr/>
+            <p:nvPr/>
+          </p:nvCxnSpPr>
+          <p:spPr>
+            <a:xfrm>
+              <a:off x="9183756" y="2753139"/>
+              <a:ext cx="235087" cy="0"/>
+            </a:xfrm>
+            <a:prstGeom prst="line">
+              <a:avLst/>
+            </a:prstGeom>
+            <a:ln w="38100">
+              <a:solidFill>
+                <a:schemeClr val="tx1"/>
+              </a:solidFill>
+            </a:ln>
+          </p:spPr>
+          <p:style>
+            <a:lnRef idx="1">
+              <a:schemeClr val="accent1"/>
+            </a:lnRef>
+            <a:fillRef idx="0">
+              <a:schemeClr val="accent1"/>
+            </a:fillRef>
+            <a:effectRef idx="0">
+              <a:schemeClr val="accent1"/>
+            </a:effectRef>
+            <a:fontRef idx="minor">
+              <a:schemeClr val="tx1"/>
+            </a:fontRef>
+          </p:style>
+        </p:cxnSp>
+      </p:grpSp>
+      <p:sp>
+        <p:nvSpPr>
+          <p:cNvPr id="22" name="TextBox 21"/>
+          <p:cNvSpPr txBox="1"/>
+          <p:nvPr/>
+        </p:nvSpPr>
+        <p:spPr>
+          <a:xfrm>
+            <a:off x="10830772" y="2631013"/>
+            <a:ext cx="1035761" cy="369332"/>
+          </a:xfrm>
+          <a:prstGeom prst="rect">
+            <a:avLst/>
+          </a:prstGeom>
+          <a:noFill/>
+        </p:spPr>
+        <p:txBody>
+          <a:bodyPr wrap="square" rtlCol="0">
+            <a:spAutoFit/>
+          </a:bodyPr>
+          <a:lstStyle/>
+          <a:p>
+            <a:pPr algn="ctr"/>
+            <a:r>
+              <a:rPr lang="en-US" dirty="0" smtClean="0"/>
+              <a:t>Interval</a:t>
+            </a:r>
+            <a:endParaRPr lang="en-US" dirty="0"/>
+          </a:p>
+        </p:txBody>
+      </p:sp>
+    </p:spTree>
+    <p:extLst>
+      <p:ext uri="{BB962C8B-B14F-4D97-AF65-F5344CB8AC3E}">
+        <p14:creationId xmlns:p14="http://schemas.microsoft.com/office/powerpoint/2010/main" val="917608884"/>
+      </p:ext>
+    </p:extLst>
+  </p:cSld>
+  <p:clrMapOvr>
+    <a:masterClrMapping/>
+  </p:clrMapOvr>
+</p:sld>
+</file>
+
+<file path=ppt/slides/slide3.xml><?xml version="1.0" encoding="utf-8"?>
+<p:sld xmlns:a="http://schemas.openxmlformats.org/drawingml/2006/main" xmlns:r="http://schemas.openxmlformats.org/officeDocument/2006/relationships" xmlns:p="http://schemas.openxmlformats.org/presentationml/2006/main">
+  <p:cSld>
+    <p:spTree>
+      <p:nvGrpSpPr>
+        <p:cNvPr id="1" name=""/>
+        <p:cNvGrpSpPr/>
+        <p:nvPr/>
+      </p:nvGrpSpPr>
+      <p:grpSpPr>
+        <a:xfrm>
+          <a:off x="0" y="0"/>
+          <a:ext cx="0" cy="0"/>
+          <a:chOff x="0" y="0"/>
+          <a:chExt cx="0" cy="0"/>
+        </a:xfrm>
+      </p:grpSpPr>
+      <p:sp>
+        <p:nvSpPr>
+          <p:cNvPr id="2" name="Title 1"/>
+          <p:cNvSpPr>
+            <a:spLocks noGrp="1"/>
+          </p:cNvSpPr>
+          <p:nvPr>
+            <p:ph type="title"/>
+          </p:nvPr>
+        </p:nvSpPr>
+        <p:spPr/>
+        <p:txBody>
+          <a:bodyPr>
+            <a:normAutofit fontScale="90000"/>
+          </a:bodyPr>
+          <a:lstStyle/>
+          <a:p>
+            <a:r>
+              <a:rPr lang="en-US" dirty="0" err="1" smtClean="0"/>
+              <a:t>Structs</a:t>
+            </a:r>
+            <a:endParaRPr lang="en-US" dirty="0"/>
+          </a:p>
+        </p:txBody>
+      </p:sp>
+      <p:sp>
+        <p:nvSpPr>
+          <p:cNvPr id="3" name="Content Placeholder 2"/>
+          <p:cNvSpPr>
+            <a:spLocks noGrp="1"/>
+          </p:cNvSpPr>
+          <p:nvPr>
+            <p:ph idx="1"/>
+          </p:nvPr>
+        </p:nvSpPr>
+        <p:spPr>
+          <a:xfrm>
+            <a:off x="838200" y="1264920"/>
+            <a:ext cx="5237136" cy="4912043"/>
+          </a:xfrm>
+        </p:spPr>
+        <p:txBody>
+          <a:bodyPr>
+            <a:normAutofit fontScale="92500" lnSpcReduction="10000"/>
+          </a:bodyPr>
+          <a:lstStyle/>
+          <a:p>
+            <a:pPr marL="0" indent="0">
+              <a:buNone/>
+            </a:pPr>
+            <a:r>
+              <a:rPr lang="en-US" dirty="0" smtClean="0"/>
+              <a:t>At one point programmers began to realize that groups of fields sometimes belong together.</a:t>
+            </a:r>
+          </a:p>
+          <a:p>
+            <a:pPr marL="0" indent="0">
+              <a:buNone/>
+            </a:pPr>
+            <a:endParaRPr lang="en-US" dirty="0"/>
+          </a:p>
+          <a:p>
+            <a:pPr marL="0" indent="0">
+              <a:buNone/>
+            </a:pPr>
+            <a:r>
+              <a:rPr lang="en-US" dirty="0" smtClean="0"/>
+              <a:t>These natural groups had to be maintained even in arrays.</a:t>
+            </a:r>
+          </a:p>
+          <a:p>
+            <a:pPr marL="0" indent="0">
+              <a:buNone/>
+            </a:pPr>
+            <a:endParaRPr lang="en-US" dirty="0"/>
+          </a:p>
+          <a:p>
+            <a:pPr marL="0" indent="0">
+              <a:buNone/>
+            </a:pPr>
+            <a:r>
+              <a:rPr lang="en-US" dirty="0" smtClean="0"/>
+              <a:t>Handling them individually was just too awkward.</a:t>
+            </a:r>
+          </a:p>
+          <a:p>
+            <a:pPr marL="0" indent="0">
+              <a:buNone/>
+            </a:pPr>
+            <a:endParaRPr lang="en-US" dirty="0"/>
+          </a:p>
+          <a:p>
+            <a:pPr marL="0" indent="0">
+              <a:buNone/>
+            </a:pPr>
+            <a:r>
+              <a:rPr lang="en-US" b="1" i="1" dirty="0" err="1" smtClean="0"/>
+              <a:t>Structs</a:t>
+            </a:r>
+            <a:r>
+              <a:rPr lang="en-US" dirty="0" smtClean="0"/>
+              <a:t> were developed to make a single unit of these groups.</a:t>
+            </a:r>
+          </a:p>
+        </p:txBody>
+      </p:sp>
+      <p:sp>
+        <p:nvSpPr>
+          <p:cNvPr id="4" name="TextBox 3"/>
+          <p:cNvSpPr txBox="1"/>
+          <p:nvPr/>
+        </p:nvSpPr>
+        <p:spPr>
+          <a:xfrm>
+            <a:off x="7780149" y="1264920"/>
+            <a:ext cx="3130658" cy="923330"/>
+          </a:xfrm>
+          <a:prstGeom prst="rect">
+            <a:avLst/>
+          </a:prstGeom>
+          <a:noFill/>
+        </p:spPr>
+        <p:txBody>
+          <a:bodyPr wrap="square" rtlCol="0">
+            <a:spAutoFit/>
+          </a:bodyPr>
+          <a:lstStyle/>
+          <a:p>
+            <a:r>
+              <a:rPr lang="en-US" dirty="0"/>
+              <a:t>//drawing point</a:t>
+            </a:r>
+            <a:endParaRPr lang="en-US" dirty="0" smtClean="0"/>
+          </a:p>
+          <a:p>
+            <a:r>
+              <a:rPr lang="en-US" dirty="0" err="1" smtClean="0"/>
+              <a:t>var</a:t>
+            </a:r>
+            <a:r>
+              <a:rPr lang="en-US" dirty="0" smtClean="0"/>
+              <a:t> x;</a:t>
+            </a:r>
+          </a:p>
+          <a:p>
+            <a:r>
+              <a:rPr lang="en-US" dirty="0" err="1" smtClean="0"/>
+              <a:t>var</a:t>
+            </a:r>
+            <a:r>
+              <a:rPr lang="en-US" dirty="0" smtClean="0"/>
+              <a:t> y; </a:t>
+            </a:r>
+            <a:endParaRPr lang="en-US" dirty="0"/>
+          </a:p>
+        </p:txBody>
+      </p:sp>
+      <p:sp>
+        <p:nvSpPr>
+          <p:cNvPr id="13" name="TextBox 12"/>
+          <p:cNvSpPr txBox="1"/>
+          <p:nvPr/>
+        </p:nvSpPr>
+        <p:spPr>
+          <a:xfrm>
+            <a:off x="7780149" y="2487037"/>
+            <a:ext cx="3130658" cy="923330"/>
+          </a:xfrm>
+          <a:prstGeom prst="rect">
+            <a:avLst/>
+          </a:prstGeom>
+          <a:noFill/>
+        </p:spPr>
+        <p:txBody>
+          <a:bodyPr wrap="square" rtlCol="0">
+            <a:spAutoFit/>
+          </a:bodyPr>
+          <a:lstStyle/>
+          <a:p>
+            <a:r>
+              <a:rPr lang="en-US" dirty="0" smtClean="0"/>
+              <a:t>//all drawing </a:t>
+            </a:r>
+            <a:r>
+              <a:rPr lang="en-US" dirty="0"/>
+              <a:t>point</a:t>
+            </a:r>
+            <a:endParaRPr lang="en-US" dirty="0" smtClean="0"/>
+          </a:p>
+          <a:p>
+            <a:r>
+              <a:rPr lang="en-US" dirty="0" err="1" smtClean="0"/>
+              <a:t>var</a:t>
+            </a:r>
+            <a:r>
+              <a:rPr lang="en-US" dirty="0" smtClean="0"/>
+              <a:t> </a:t>
+            </a:r>
+            <a:r>
+              <a:rPr lang="en-US" dirty="0" err="1" smtClean="0"/>
+              <a:t>arr_x</a:t>
+            </a:r>
+            <a:r>
+              <a:rPr lang="en-US" dirty="0" smtClean="0"/>
+              <a:t> = [1, 2, 3, 4];</a:t>
+            </a:r>
+          </a:p>
+          <a:p>
+            <a:r>
+              <a:rPr lang="en-US" dirty="0" err="1" smtClean="0"/>
+              <a:t>var</a:t>
+            </a:r>
+            <a:r>
+              <a:rPr lang="en-US" dirty="0" smtClean="0"/>
+              <a:t> </a:t>
+            </a:r>
+            <a:r>
+              <a:rPr lang="en-US" dirty="0" err="1" smtClean="0"/>
+              <a:t>arr_y</a:t>
+            </a:r>
+            <a:r>
+              <a:rPr lang="en-US" dirty="0" smtClean="0"/>
+              <a:t> = [1, 2, 3, 4]; </a:t>
+            </a:r>
+            <a:endParaRPr lang="en-US" dirty="0"/>
+          </a:p>
+        </p:txBody>
+      </p:sp>
+      <p:sp>
+        <p:nvSpPr>
+          <p:cNvPr id="14" name="TextBox 13"/>
+          <p:cNvSpPr txBox="1"/>
+          <p:nvPr/>
+        </p:nvSpPr>
+        <p:spPr>
+          <a:xfrm>
+            <a:off x="7780149" y="3720941"/>
+            <a:ext cx="3130658" cy="1477328"/>
+          </a:xfrm>
+          <a:prstGeom prst="rect">
+            <a:avLst/>
+          </a:prstGeom>
+          <a:noFill/>
+        </p:spPr>
+        <p:txBody>
+          <a:bodyPr wrap="square" rtlCol="0">
+            <a:spAutoFit/>
+          </a:bodyPr>
+          <a:lstStyle/>
+          <a:p>
+            <a:r>
+              <a:rPr lang="en-US" dirty="0" err="1" smtClean="0"/>
+              <a:t>struct</a:t>
+            </a:r>
+            <a:r>
+              <a:rPr lang="en-US" dirty="0" smtClean="0"/>
+              <a:t> Point</a:t>
+            </a:r>
+          </a:p>
+          <a:p>
+            <a:r>
+              <a:rPr lang="en-US" dirty="0" smtClean="0"/>
+              <a:t>{</a:t>
+            </a:r>
+          </a:p>
+          <a:p>
+            <a:r>
+              <a:rPr lang="en-US" dirty="0"/>
+              <a:t> </a:t>
+            </a:r>
+            <a:r>
+              <a:rPr lang="en-US" dirty="0" smtClean="0"/>
+              <a:t>  </a:t>
+            </a:r>
+            <a:r>
+              <a:rPr lang="en-US" dirty="0" err="1" smtClean="0"/>
+              <a:t>var</a:t>
+            </a:r>
+            <a:r>
+              <a:rPr lang="en-US" dirty="0" smtClean="0"/>
+              <a:t> x;</a:t>
+            </a:r>
+          </a:p>
+          <a:p>
+            <a:r>
+              <a:rPr lang="en-US" dirty="0"/>
+              <a:t> </a:t>
+            </a:r>
+            <a:r>
+              <a:rPr lang="en-US" dirty="0" smtClean="0"/>
+              <a:t>  </a:t>
+            </a:r>
+            <a:r>
+              <a:rPr lang="en-US" dirty="0" err="1" smtClean="0"/>
+              <a:t>var</a:t>
+            </a:r>
+            <a:r>
+              <a:rPr lang="en-US" dirty="0" smtClean="0"/>
+              <a:t> y;</a:t>
+            </a:r>
+          </a:p>
+          <a:p>
+            <a:r>
+              <a:rPr lang="en-US" dirty="0" smtClean="0"/>
+              <a:t>}</a:t>
+            </a:r>
+            <a:endParaRPr lang="en-US" dirty="0"/>
+          </a:p>
+        </p:txBody>
+      </p:sp>
+      <p:sp>
+        <p:nvSpPr>
+          <p:cNvPr id="15" name="TextBox 14"/>
+          <p:cNvSpPr txBox="1"/>
+          <p:nvPr/>
+        </p:nvSpPr>
+        <p:spPr>
+          <a:xfrm>
+            <a:off x="7780149" y="5508843"/>
+            <a:ext cx="3443724" cy="923330"/>
+          </a:xfrm>
+          <a:prstGeom prst="rect">
+            <a:avLst/>
+          </a:prstGeom>
+          <a:noFill/>
+        </p:spPr>
+        <p:txBody>
+          <a:bodyPr wrap="square" rtlCol="0">
+            <a:spAutoFit/>
+          </a:bodyPr>
+          <a:lstStyle/>
+          <a:p>
+            <a:r>
+              <a:rPr lang="en-US" dirty="0" smtClean="0"/>
+              <a:t>//all drawing </a:t>
+            </a:r>
+            <a:r>
+              <a:rPr lang="en-US" dirty="0"/>
+              <a:t>point</a:t>
+            </a:r>
+            <a:endParaRPr lang="en-US" dirty="0" smtClean="0"/>
+          </a:p>
+          <a:p>
+            <a:r>
+              <a:rPr lang="en-US" dirty="0" err="1" smtClean="0"/>
+              <a:t>var</a:t>
+            </a:r>
+            <a:r>
+              <a:rPr lang="en-US" dirty="0" smtClean="0"/>
+              <a:t> points = [Point(1,1), Point(2,2),</a:t>
+            </a:r>
+          </a:p>
+          <a:p>
+            <a:r>
+              <a:rPr lang="en-US" dirty="0"/>
+              <a:t> </a:t>
+            </a:r>
+            <a:r>
+              <a:rPr lang="en-US" dirty="0" smtClean="0"/>
+              <a:t>          Point(3,3}, Point(4,4)];</a:t>
+            </a:r>
+            <a:endParaRPr lang="en-US" dirty="0"/>
+          </a:p>
+        </p:txBody>
+      </p:sp>
+    </p:spTree>
+    <p:extLst>
+      <p:ext uri="{BB962C8B-B14F-4D97-AF65-F5344CB8AC3E}">
+        <p14:creationId xmlns:p14="http://schemas.microsoft.com/office/powerpoint/2010/main" val="2347259717"/>
+      </p:ext>
+    </p:extLst>
+  </p:cSld>
+  <p:clrMapOvr>
+    <a:masterClrMapping/>
+  </p:clrMapOvr>
+</p:sld>
+</file>
+
+<file path=ppt/slides/slide4.xml><?xml version="1.0" encoding="utf-8"?>
+<p:sld xmlns:a="http://schemas.openxmlformats.org/drawingml/2006/main" xmlns:r="http://schemas.openxmlformats.org/officeDocument/2006/relationships" xmlns:p="http://schemas.openxmlformats.org/presentationml/2006/main">
+  <p:cSld>
+    <p:spTree>
+      <p:nvGrpSpPr>
+        <p:cNvPr id="1" name=""/>
+        <p:cNvGrpSpPr/>
+        <p:nvPr/>
+      </p:nvGrpSpPr>
+      <p:grpSpPr>
+        <a:xfrm>
+          <a:off x="0" y="0"/>
+          <a:ext cx="0" cy="0"/>
+          <a:chOff x="0" y="0"/>
+          <a:chExt cx="0" cy="0"/>
+        </a:xfrm>
+      </p:grpSpPr>
+      <p:sp>
+        <p:nvSpPr>
+          <p:cNvPr id="2" name="Title 1"/>
+          <p:cNvSpPr>
+            <a:spLocks noGrp="1"/>
+          </p:cNvSpPr>
+          <p:nvPr>
+            <p:ph type="title"/>
+          </p:nvPr>
+        </p:nvSpPr>
+        <p:spPr/>
+        <p:txBody>
+          <a:bodyPr>
+            <a:normAutofit fontScale="90000"/>
+          </a:bodyPr>
+          <a:lstStyle/>
+          <a:p>
+            <a:r>
+              <a:rPr lang="en-US" dirty="0" smtClean="0"/>
+              <a:t>Objects</a:t>
+            </a:r>
+            <a:endParaRPr lang="en-US" dirty="0"/>
+          </a:p>
+        </p:txBody>
+      </p:sp>
+      <p:sp>
+        <p:nvSpPr>
+          <p:cNvPr id="3" name="Content Placeholder 2"/>
+          <p:cNvSpPr>
+            <a:spLocks noGrp="1"/>
+          </p:cNvSpPr>
+          <p:nvPr>
+            <p:ph idx="1"/>
+          </p:nvPr>
+        </p:nvSpPr>
+        <p:spPr>
+          <a:xfrm>
+            <a:off x="838200" y="1264920"/>
+            <a:ext cx="5283631" cy="4912043"/>
+          </a:xfrm>
+        </p:spPr>
+        <p:txBody>
+          <a:bodyPr>
+            <a:normAutofit fontScale="92500" lnSpcReduction="10000"/>
+          </a:bodyPr>
+          <a:lstStyle/>
+          <a:p>
+            <a:pPr marL="0" indent="0">
+              <a:buNone/>
+            </a:pPr>
+            <a:r>
+              <a:rPr lang="en-US" dirty="0" smtClean="0"/>
+              <a:t>Once a group of fields are bound together, it is natural to want functions to work on them.</a:t>
+            </a:r>
+          </a:p>
+          <a:p>
+            <a:pPr marL="0" indent="0">
+              <a:buNone/>
+            </a:pPr>
+            <a:endParaRPr lang="en-US" dirty="0"/>
+          </a:p>
+          <a:p>
+            <a:pPr marL="0" indent="0">
+              <a:buNone/>
+            </a:pPr>
+            <a:r>
+              <a:rPr lang="en-US" dirty="0" smtClean="0"/>
+              <a:t>It is natural to want to group these functions together with the fields they affect.</a:t>
+            </a:r>
+          </a:p>
+          <a:p>
+            <a:pPr marL="0" indent="0">
+              <a:buNone/>
+            </a:pPr>
+            <a:endParaRPr lang="en-US" dirty="0"/>
+          </a:p>
+          <a:p>
+            <a:pPr marL="0" indent="0">
+              <a:buNone/>
+            </a:pPr>
+            <a:r>
+              <a:rPr lang="en-US" dirty="0" smtClean="0"/>
+              <a:t>Fields and functions were grouped together in </a:t>
+            </a:r>
+            <a:r>
+              <a:rPr lang="en-US" b="1" i="1" dirty="0" smtClean="0"/>
+              <a:t>objects</a:t>
+            </a:r>
+            <a:r>
+              <a:rPr lang="en-US" dirty="0" smtClean="0"/>
+              <a:t>.</a:t>
+            </a:r>
+          </a:p>
+          <a:p>
+            <a:r>
+              <a:rPr lang="en-US" dirty="0" smtClean="0"/>
+              <a:t>The </a:t>
+            </a:r>
+            <a:r>
+              <a:rPr lang="en-US" b="1" i="1" dirty="0" smtClean="0"/>
+              <a:t>dot operator</a:t>
+            </a:r>
+            <a:r>
+              <a:rPr lang="en-US" dirty="0" smtClean="0"/>
+              <a:t> ‘.’ is used to access fields and functions of an object.</a:t>
+            </a:r>
+          </a:p>
+        </p:txBody>
+      </p:sp>
+      <p:sp>
+        <p:nvSpPr>
+          <p:cNvPr id="4" name="TextBox 3"/>
+          <p:cNvSpPr txBox="1"/>
+          <p:nvPr/>
+        </p:nvSpPr>
+        <p:spPr>
+          <a:xfrm>
+            <a:off x="6989735" y="1264920"/>
+            <a:ext cx="3130658" cy="4524315"/>
+          </a:xfrm>
+          <a:prstGeom prst="rect">
+            <a:avLst/>
+          </a:prstGeom>
+          <a:noFill/>
+        </p:spPr>
+        <p:txBody>
+          <a:bodyPr wrap="square" rtlCol="0">
+            <a:spAutoFit/>
+          </a:bodyPr>
+          <a:lstStyle/>
+          <a:p>
+            <a:r>
+              <a:rPr lang="en-US" dirty="0" err="1" smtClean="0"/>
+              <a:t>struct</a:t>
+            </a:r>
+            <a:r>
+              <a:rPr lang="en-US" dirty="0" smtClean="0"/>
+              <a:t> Point</a:t>
+            </a:r>
+          </a:p>
+          <a:p>
+            <a:r>
+              <a:rPr lang="en-US" dirty="0" smtClean="0"/>
+              <a:t>{</a:t>
+            </a:r>
+          </a:p>
+          <a:p>
+            <a:r>
+              <a:rPr lang="en-US" dirty="0"/>
+              <a:t> </a:t>
+            </a:r>
+            <a:r>
+              <a:rPr lang="en-US" dirty="0" smtClean="0"/>
+              <a:t>  </a:t>
+            </a:r>
+            <a:r>
+              <a:rPr lang="en-US" dirty="0" err="1" smtClean="0"/>
+              <a:t>var</a:t>
+            </a:r>
+            <a:r>
+              <a:rPr lang="en-US" dirty="0" smtClean="0"/>
+              <a:t> x;</a:t>
+            </a:r>
+          </a:p>
+          <a:p>
+            <a:r>
+              <a:rPr lang="en-US" dirty="0"/>
+              <a:t> </a:t>
+            </a:r>
+            <a:r>
+              <a:rPr lang="en-US" dirty="0" smtClean="0"/>
+              <a:t>  </a:t>
+            </a:r>
+            <a:r>
+              <a:rPr lang="en-US" dirty="0" err="1" smtClean="0"/>
+              <a:t>var</a:t>
+            </a:r>
+            <a:r>
+              <a:rPr lang="en-US" dirty="0" smtClean="0"/>
+              <a:t> y;</a:t>
+            </a:r>
+          </a:p>
+          <a:p>
+            <a:r>
+              <a:rPr lang="en-US" dirty="0" smtClean="0"/>
+              <a:t>}</a:t>
+            </a:r>
+          </a:p>
+          <a:p>
+            <a:endParaRPr lang="en-US" dirty="0"/>
+          </a:p>
+          <a:p>
+            <a:r>
+              <a:rPr lang="en-US" dirty="0" smtClean="0"/>
+              <a:t>function </a:t>
+            </a:r>
+            <a:r>
+              <a:rPr lang="en-US" dirty="0" err="1" smtClean="0"/>
+              <a:t>WritePoint</a:t>
+            </a:r>
+            <a:r>
+              <a:rPr lang="en-US" dirty="0" smtClean="0"/>
+              <a:t>(p)</a:t>
+            </a:r>
+          </a:p>
+          <a:p>
+            <a:r>
+              <a:rPr lang="en-US" dirty="0" smtClean="0"/>
+              <a:t>{</a:t>
+            </a:r>
+          </a:p>
+          <a:p>
+            <a:r>
+              <a:rPr lang="en-US" dirty="0"/>
+              <a:t> </a:t>
+            </a:r>
+            <a:r>
+              <a:rPr lang="en-US" dirty="0" smtClean="0"/>
+              <a:t>  alert(“Point: “+</a:t>
+            </a:r>
+            <a:r>
+              <a:rPr lang="en-US" dirty="0" err="1" smtClean="0"/>
+              <a:t>p.x</a:t>
+            </a:r>
+            <a:r>
+              <a:rPr lang="en-US" dirty="0" smtClean="0"/>
+              <a:t>+”, “+</a:t>
+            </a:r>
+            <a:r>
+              <a:rPr lang="en-US" dirty="0" err="1" smtClean="0"/>
+              <a:t>p.y</a:t>
+            </a:r>
+            <a:r>
+              <a:rPr lang="en-US" dirty="0" smtClean="0"/>
+              <a:t>);</a:t>
+            </a:r>
+          </a:p>
+          <a:p>
+            <a:r>
+              <a:rPr lang="en-US" dirty="0" smtClean="0"/>
+              <a:t>}</a:t>
+            </a:r>
+          </a:p>
+          <a:p>
+            <a:endParaRPr lang="en-US" dirty="0"/>
+          </a:p>
+          <a:p>
+            <a:r>
+              <a:rPr lang="en-US" dirty="0" smtClean="0"/>
+              <a:t>function </a:t>
+            </a:r>
+            <a:r>
+              <a:rPr lang="en-US" dirty="0" err="1" smtClean="0"/>
+              <a:t>addPoint</a:t>
+            </a:r>
+            <a:r>
+              <a:rPr lang="en-US" dirty="0" smtClean="0"/>
+              <a:t>(p, dx, </a:t>
+            </a:r>
+            <a:r>
+              <a:rPr lang="en-US" dirty="0" err="1" smtClean="0"/>
+              <a:t>dy</a:t>
+            </a:r>
+            <a:r>
+              <a:rPr lang="en-US" dirty="0" smtClean="0"/>
+              <a:t>)</a:t>
+            </a:r>
+          </a:p>
+          <a:p>
+            <a:r>
+              <a:rPr lang="en-US" dirty="0" smtClean="0"/>
+              <a:t>{</a:t>
+            </a:r>
+          </a:p>
+          <a:p>
+            <a:r>
+              <a:rPr lang="en-US" dirty="0"/>
+              <a:t> </a:t>
+            </a:r>
+            <a:r>
+              <a:rPr lang="en-US" dirty="0" smtClean="0"/>
+              <a:t>  </a:t>
+            </a:r>
+            <a:r>
+              <a:rPr lang="en-US" dirty="0" err="1" smtClean="0"/>
+              <a:t>p.x</a:t>
+            </a:r>
+            <a:r>
+              <a:rPr lang="en-US" dirty="0" smtClean="0"/>
+              <a:t>+=dx;</a:t>
+            </a:r>
+          </a:p>
+          <a:p>
+            <a:r>
+              <a:rPr lang="en-US" dirty="0"/>
+              <a:t> </a:t>
+            </a:r>
+            <a:r>
+              <a:rPr lang="en-US" dirty="0" smtClean="0"/>
+              <a:t>  </a:t>
+            </a:r>
+            <a:r>
+              <a:rPr lang="en-US" dirty="0" err="1" smtClean="0"/>
+              <a:t>p.y</a:t>
+            </a:r>
+            <a:r>
+              <a:rPr lang="en-US" dirty="0" smtClean="0"/>
+              <a:t>+=</a:t>
+            </a:r>
+            <a:r>
+              <a:rPr lang="en-US" dirty="0" err="1" smtClean="0"/>
+              <a:t>dy</a:t>
+            </a:r>
+            <a:r>
+              <a:rPr lang="en-US" dirty="0" smtClean="0"/>
+              <a:t>;</a:t>
+            </a:r>
+          </a:p>
+          <a:p>
+            <a:r>
+              <a:rPr lang="en-US" dirty="0"/>
+              <a:t>}</a:t>
+            </a:r>
+          </a:p>
+        </p:txBody>
+      </p:sp>
+    </p:spTree>
+    <p:extLst>
+      <p:ext uri="{BB962C8B-B14F-4D97-AF65-F5344CB8AC3E}">
+        <p14:creationId xmlns:p14="http://schemas.microsoft.com/office/powerpoint/2010/main" val="417053503"/>
+      </p:ext>
+    </p:extLst>
+  </p:cSld>
+  <p:clrMapOvr>
+    <a:masterClrMapping/>
+  </p:clrMapOvr>
+</p:sld>
+</file>
+
+<file path=ppt/slides/slide5.xml><?xml version="1.0" encoding="utf-8"?>
+<p:sld xmlns:a="http://schemas.openxmlformats.org/drawingml/2006/main" xmlns:r="http://schemas.openxmlformats.org/officeDocument/2006/relationships" xmlns:p="http://schemas.openxmlformats.org/presentationml/2006/main">
+  <p:cSld>
+    <p:spTree>
+      <p:nvGrpSpPr>
+        <p:cNvPr id="1" name=""/>
+        <p:cNvGrpSpPr/>
+        <p:nvPr/>
+      </p:nvGrpSpPr>
+      <p:grpSpPr>
+        <a:xfrm>
+          <a:off x="0" y="0"/>
+          <a:ext cx="0" cy="0"/>
+          <a:chOff x="0" y="0"/>
+          <a:chExt cx="0" cy="0"/>
+        </a:xfrm>
+      </p:grpSpPr>
+      <p:sp>
+        <p:nvSpPr>
+          <p:cNvPr id="2" name="Title 1"/>
+          <p:cNvSpPr>
+            <a:spLocks noGrp="1"/>
+          </p:cNvSpPr>
+          <p:nvPr>
+            <p:ph type="title"/>
+          </p:nvPr>
+        </p:nvSpPr>
+        <p:spPr/>
+        <p:txBody>
+          <a:bodyPr>
+            <a:normAutofit fontScale="90000"/>
+          </a:bodyPr>
+          <a:lstStyle/>
+          <a:p>
+            <a:r>
+              <a:rPr lang="en-US" dirty="0" smtClean="0"/>
+              <a:t>Cohesion</a:t>
+            </a:r>
+            <a:endParaRPr lang="en-US" dirty="0"/>
+          </a:p>
+        </p:txBody>
+      </p:sp>
+      <p:sp>
+        <p:nvSpPr>
+          <p:cNvPr id="3" name="Content Placeholder 2"/>
+          <p:cNvSpPr>
+            <a:spLocks noGrp="1"/>
+          </p:cNvSpPr>
+          <p:nvPr>
+            <p:ph idx="1"/>
+          </p:nvPr>
+        </p:nvSpPr>
+        <p:spPr>
+          <a:xfrm>
+            <a:off x="838200" y="1264920"/>
+            <a:ext cx="5237136" cy="4912043"/>
+          </a:xfrm>
+        </p:spPr>
+        <p:txBody>
+          <a:bodyPr>
+            <a:normAutofit lnSpcReduction="10000"/>
+          </a:bodyPr>
+          <a:lstStyle/>
+          <a:p>
+            <a:pPr marL="0" indent="0">
+              <a:buNone/>
+            </a:pPr>
+            <a:r>
+              <a:rPr lang="en-US" dirty="0" smtClean="0"/>
+              <a:t>The fields and functions in an object are its </a:t>
+            </a:r>
+            <a:r>
+              <a:rPr lang="en-US" b="1" i="1" dirty="0" smtClean="0"/>
+              <a:t>members</a:t>
+            </a:r>
+            <a:r>
+              <a:rPr lang="en-US" dirty="0" smtClean="0"/>
+              <a:t>.</a:t>
+            </a:r>
+          </a:p>
+          <a:p>
+            <a:pPr marL="0" indent="0">
+              <a:buNone/>
+            </a:pPr>
+            <a:endParaRPr lang="en-US" dirty="0"/>
+          </a:p>
+          <a:p>
+            <a:pPr marL="0" indent="0">
+              <a:buNone/>
+            </a:pPr>
+            <a:r>
+              <a:rPr lang="en-US" dirty="0" smtClean="0"/>
+              <a:t>All members of a function should be closely related to each other. This is called </a:t>
+            </a:r>
+            <a:r>
+              <a:rPr lang="en-US" b="1" i="1" dirty="0" smtClean="0"/>
+              <a:t>cohesion</a:t>
+            </a:r>
+            <a:r>
+              <a:rPr lang="en-US" dirty="0" smtClean="0"/>
+              <a:t>.</a:t>
+            </a:r>
+          </a:p>
+          <a:p>
+            <a:pPr marL="0" indent="0">
+              <a:buNone/>
+            </a:pPr>
+            <a:endParaRPr lang="en-US" dirty="0"/>
+          </a:p>
+          <a:p>
+            <a:pPr marL="0" indent="0">
+              <a:buNone/>
+            </a:pPr>
+            <a:r>
+              <a:rPr lang="en-US" dirty="0" smtClean="0"/>
+              <a:t>Each object should be responsible for only </a:t>
+            </a:r>
+            <a:r>
+              <a:rPr lang="en-US" b="1" u="sng" dirty="0" smtClean="0"/>
+              <a:t>ONE</a:t>
+            </a:r>
+            <a:r>
+              <a:rPr lang="en-US" dirty="0" smtClean="0"/>
+              <a:t> job.</a:t>
+            </a:r>
+          </a:p>
+          <a:p>
+            <a:r>
+              <a:rPr lang="en-US" dirty="0" smtClean="0"/>
+              <a:t>Additional jobs only complicate the code.</a:t>
+            </a:r>
+          </a:p>
+        </p:txBody>
+      </p:sp>
+      <p:sp>
+        <p:nvSpPr>
+          <p:cNvPr id="5" name="TextBox 4"/>
+          <p:cNvSpPr txBox="1"/>
+          <p:nvPr/>
+        </p:nvSpPr>
+        <p:spPr>
+          <a:xfrm>
+            <a:off x="6912244" y="1512893"/>
+            <a:ext cx="3177152" cy="461665"/>
+          </a:xfrm>
+          <a:prstGeom prst="rect">
+            <a:avLst/>
+          </a:prstGeom>
+          <a:noFill/>
+        </p:spPr>
+        <p:txBody>
+          <a:bodyPr wrap="square" rtlCol="0">
+            <a:spAutoFit/>
+          </a:bodyPr>
+          <a:lstStyle/>
+          <a:p>
+            <a:r>
+              <a:rPr lang="en-US" sz="2400" b="1" dirty="0" smtClean="0"/>
+              <a:t>TIME</a:t>
+            </a:r>
+            <a:r>
+              <a:rPr lang="en-US" sz="2400" dirty="0" smtClean="0"/>
+              <a:t>: 1:23:45 pm</a:t>
+            </a:r>
+            <a:endParaRPr lang="en-US" sz="2400" dirty="0"/>
+          </a:p>
+        </p:txBody>
+      </p:sp>
       <p:pic>
         <p:nvPicPr>
-          <p:cNvPr id="8" name="Picture 7"/>
+          <p:cNvPr id="16" name="Picture 15"/>
           <p:cNvPicPr>
             <a:picLocks noChangeAspect="1"/>
           </p:cNvPicPr>
           <p:nvPr/>
         </p:nvPicPr>
         <p:blipFill>
-          <a:blip r:embed="rId3"/>
+          <a:blip r:embed="rId2"/>
           <a:stretch>
             <a:fillRect/>
           </a:stretch>
         </p:blipFill>
         <p:spPr>
           <a:xfrm>
-            <a:off x="6951593" y="3379813"/>
-            <a:ext cx="3238500" cy="1057275"/>
+            <a:off x="6323550" y="2235917"/>
+            <a:ext cx="5248275" cy="2419350"/>
           </a:xfrm>
           <a:prstGeom prst="rect">
             <a:avLst/>
           </a:prstGeom>
         </p:spPr>
       </p:pic>
+      <p:sp>
+        <p:nvSpPr>
+          <p:cNvPr id="17" name="Cube 16"/>
+          <p:cNvSpPr/>
+          <p:nvPr/>
+        </p:nvSpPr>
+        <p:spPr>
+          <a:xfrm>
+            <a:off x="9666922" y="2022897"/>
+            <a:ext cx="844948" cy="856467"/>
+          </a:xfrm>
+          <a:prstGeom prst="cube">
+            <a:avLst/>
+          </a:prstGeom>
+        </p:spPr>
+        <p:style>
+          <a:lnRef idx="2">
+            <a:schemeClr val="accent1">
+              <a:shade val="50000"/>
+            </a:schemeClr>
+          </a:lnRef>
+          <a:fillRef idx="1">
+            <a:schemeClr val="accent1"/>
+          </a:fillRef>
+          <a:effectRef idx="0">
+            <a:schemeClr val="accent1"/>
+          </a:effectRef>
+          <a:fontRef idx="minor">
+            <a:schemeClr val="lt1"/>
+          </a:fontRef>
+        </p:style>
+        <p:txBody>
+          <a:bodyPr rtlCol="0" anchor="ctr"/>
+          <a:lstStyle/>
+          <a:p>
+            <a:pPr algn="ctr"/>
+            <a:r>
+              <a:rPr lang="en-US" dirty="0" smtClean="0"/>
+              <a:t>time</a:t>
+            </a:r>
+            <a:endParaRPr lang="en-US" dirty="0"/>
+          </a:p>
+        </p:txBody>
+      </p:sp>
+      <p:grpSp>
+        <p:nvGrpSpPr>
+          <p:cNvPr id="18" name="Group 17"/>
+          <p:cNvGrpSpPr/>
+          <p:nvPr/>
+        </p:nvGrpSpPr>
+        <p:grpSpPr>
+          <a:xfrm>
+            <a:off x="11053689" y="2048554"/>
+            <a:ext cx="589926" cy="582459"/>
+            <a:chOff x="8786191" y="2325757"/>
+            <a:chExt cx="785192" cy="775252"/>
+          </a:xfrm>
+        </p:grpSpPr>
+        <p:sp>
+          <p:nvSpPr>
+            <p:cNvPr id="19" name="Oval 18"/>
+            <p:cNvSpPr/>
+            <p:nvPr/>
+          </p:nvSpPr>
+          <p:spPr>
+            <a:xfrm>
+              <a:off x="8786191" y="2325757"/>
+              <a:ext cx="785192" cy="775252"/>
+            </a:xfrm>
+            <a:prstGeom prst="ellipse">
+              <a:avLst/>
+            </a:prstGeom>
+            <a:solidFill>
+              <a:schemeClr val="bg1">
+                <a:lumMod val="75000"/>
+              </a:schemeClr>
+            </a:solidFill>
+            <a:ln>
+              <a:solidFill>
+                <a:schemeClr val="tx1"/>
+              </a:solidFill>
+            </a:ln>
+          </p:spPr>
+          <p:style>
+            <a:lnRef idx="2">
+              <a:schemeClr val="accent1">
+                <a:shade val="50000"/>
+              </a:schemeClr>
+            </a:lnRef>
+            <a:fillRef idx="1">
+              <a:schemeClr val="accent1"/>
+            </a:fillRef>
+            <a:effectRef idx="0">
+              <a:schemeClr val="accent1"/>
+            </a:effectRef>
+            <a:fontRef idx="minor">
+              <a:schemeClr val="lt1"/>
+            </a:fontRef>
+          </p:style>
+          <p:txBody>
+            <a:bodyPr rtlCol="0" anchor="ctr"/>
+            <a:lstStyle/>
+            <a:p>
+              <a:pPr algn="ctr"/>
+              <a:endParaRPr lang="en-US"/>
+            </a:p>
+          </p:txBody>
+        </p:sp>
+        <p:cxnSp>
+          <p:nvCxnSpPr>
+            <p:cNvPr id="20" name="Straight Connector 19"/>
+            <p:cNvCxnSpPr>
+              <a:endCxn id="19" idx="7"/>
+            </p:cNvCxnSpPr>
+            <p:nvPr/>
+          </p:nvCxnSpPr>
+          <p:spPr>
+            <a:xfrm flipV="1">
+              <a:off x="9163878" y="2439290"/>
+              <a:ext cx="292516" cy="313849"/>
+            </a:xfrm>
+            <a:prstGeom prst="line">
+              <a:avLst/>
+            </a:prstGeom>
+            <a:ln>
+              <a:solidFill>
+                <a:schemeClr val="tx1"/>
+              </a:solidFill>
+            </a:ln>
+          </p:spPr>
+          <p:style>
+            <a:lnRef idx="1">
+              <a:schemeClr val="accent1"/>
+            </a:lnRef>
+            <a:fillRef idx="0">
+              <a:schemeClr val="accent1"/>
+            </a:fillRef>
+            <a:effectRef idx="0">
+              <a:schemeClr val="accent1"/>
+            </a:effectRef>
+            <a:fontRef idx="minor">
+              <a:schemeClr val="tx1"/>
+            </a:fontRef>
+          </p:style>
+        </p:cxnSp>
+        <p:cxnSp>
+          <p:nvCxnSpPr>
+            <p:cNvPr id="21" name="Straight Connector 20"/>
+            <p:cNvCxnSpPr/>
+            <p:nvPr/>
+          </p:nvCxnSpPr>
+          <p:spPr>
+            <a:xfrm>
+              <a:off x="9183756" y="2753139"/>
+              <a:ext cx="235087" cy="0"/>
+            </a:xfrm>
+            <a:prstGeom prst="line">
+              <a:avLst/>
+            </a:prstGeom>
+            <a:ln w="38100">
+              <a:solidFill>
+                <a:schemeClr val="tx1"/>
+              </a:solidFill>
+            </a:ln>
+          </p:spPr>
+          <p:style>
+            <a:lnRef idx="1">
+              <a:schemeClr val="accent1"/>
+            </a:lnRef>
+            <a:fillRef idx="0">
+              <a:schemeClr val="accent1"/>
+            </a:fillRef>
+            <a:effectRef idx="0">
+              <a:schemeClr val="accent1"/>
+            </a:effectRef>
+            <a:fontRef idx="minor">
+              <a:schemeClr val="tx1"/>
+            </a:fontRef>
+          </p:style>
+        </p:cxnSp>
+      </p:grpSp>
+      <p:sp>
+        <p:nvSpPr>
+          <p:cNvPr id="22" name="TextBox 21"/>
+          <p:cNvSpPr txBox="1"/>
+          <p:nvPr/>
+        </p:nvSpPr>
+        <p:spPr>
+          <a:xfrm>
+            <a:off x="10830772" y="2631013"/>
+            <a:ext cx="1035761" cy="369332"/>
+          </a:xfrm>
+          <a:prstGeom prst="rect">
+            <a:avLst/>
+          </a:prstGeom>
+          <a:noFill/>
+        </p:spPr>
+        <p:txBody>
+          <a:bodyPr wrap="square" rtlCol="0">
+            <a:spAutoFit/>
+          </a:bodyPr>
+          <a:lstStyle/>
+          <a:p>
+            <a:pPr algn="ctr"/>
+            <a:r>
+              <a:rPr lang="en-US" dirty="0" smtClean="0"/>
+              <a:t>Interval</a:t>
+            </a:r>
+            <a:endParaRPr lang="en-US" dirty="0"/>
+          </a:p>
+        </p:txBody>
+      </p:sp>
+    </p:spTree>
+    <p:extLst>
+      <p:ext uri="{BB962C8B-B14F-4D97-AF65-F5344CB8AC3E}">
+        <p14:creationId xmlns:p14="http://schemas.microsoft.com/office/powerpoint/2010/main" val="3000001731"/>
+      </p:ext>
+    </p:extLst>
+  </p:cSld>
+  <p:clrMapOvr>
+    <a:masterClrMapping/>
+  </p:clrMapOvr>
+</p:sld>
+</file>
+
+<file path=ppt/slides/slide6.xml><?xml version="1.0" encoding="utf-8"?>
+<p:sld xmlns:a="http://schemas.openxmlformats.org/drawingml/2006/main" xmlns:r="http://schemas.openxmlformats.org/officeDocument/2006/relationships" xmlns:p="http://schemas.openxmlformats.org/presentationml/2006/main">
+  <p:cSld>
+    <p:spTree>
+      <p:nvGrpSpPr>
+        <p:cNvPr id="1" name=""/>
+        <p:cNvGrpSpPr/>
+        <p:nvPr/>
+      </p:nvGrpSpPr>
+      <p:grpSpPr>
+        <a:xfrm>
+          <a:off x="0" y="0"/>
+          <a:ext cx="0" cy="0"/>
+          <a:chOff x="0" y="0"/>
+          <a:chExt cx="0" cy="0"/>
+        </a:xfrm>
+      </p:grpSpPr>
+      <p:sp>
+        <p:nvSpPr>
+          <p:cNvPr id="2" name="Title 1"/>
+          <p:cNvSpPr>
+            <a:spLocks noGrp="1"/>
+          </p:cNvSpPr>
+          <p:nvPr>
+            <p:ph type="title"/>
+          </p:nvPr>
+        </p:nvSpPr>
+        <p:spPr/>
+        <p:txBody>
+          <a:bodyPr>
+            <a:normAutofit fontScale="90000"/>
+          </a:bodyPr>
+          <a:lstStyle/>
+          <a:p>
+            <a:r>
+              <a:rPr lang="en-US" dirty="0" smtClean="0"/>
+              <a:t>Coupling</a:t>
+            </a:r>
+            <a:endParaRPr lang="en-US" dirty="0"/>
+          </a:p>
+        </p:txBody>
+      </p:sp>
+      <p:sp>
+        <p:nvSpPr>
+          <p:cNvPr id="3" name="Content Placeholder 2"/>
+          <p:cNvSpPr>
+            <a:spLocks noGrp="1"/>
+          </p:cNvSpPr>
+          <p:nvPr>
+            <p:ph idx="1"/>
+          </p:nvPr>
+        </p:nvSpPr>
+        <p:spPr>
+          <a:xfrm>
+            <a:off x="838200" y="1264920"/>
+            <a:ext cx="5221637" cy="4912043"/>
+          </a:xfrm>
+        </p:spPr>
+        <p:txBody>
+          <a:bodyPr>
+            <a:normAutofit lnSpcReduction="10000"/>
+          </a:bodyPr>
+          <a:lstStyle/>
+          <a:p>
+            <a:pPr marL="0" indent="0">
+              <a:buNone/>
+            </a:pPr>
+            <a:r>
+              <a:rPr lang="en-US" dirty="0" smtClean="0"/>
+              <a:t>Just as functions should be independent of other code, objects should be independent of each other.</a:t>
+            </a:r>
+          </a:p>
+          <a:p>
+            <a:pPr marL="0" indent="0">
+              <a:buNone/>
+            </a:pPr>
+            <a:endParaRPr lang="en-US" dirty="0"/>
+          </a:p>
+          <a:p>
+            <a:pPr marL="0" indent="0">
+              <a:buNone/>
+            </a:pPr>
+            <a:r>
+              <a:rPr lang="en-US" dirty="0" smtClean="0"/>
+              <a:t>The degree to which two objects touch each other is </a:t>
+            </a:r>
+            <a:r>
+              <a:rPr lang="en-US" b="1" i="1" dirty="0" smtClean="0"/>
+              <a:t>coupling</a:t>
+            </a:r>
+            <a:r>
+              <a:rPr lang="en-US" dirty="0" smtClean="0"/>
+              <a:t>.</a:t>
+            </a:r>
+          </a:p>
+          <a:p>
+            <a:r>
+              <a:rPr lang="en-US" dirty="0" smtClean="0"/>
+              <a:t>Using and knowing about another object is sometimes necessary.</a:t>
+            </a:r>
+          </a:p>
+          <a:p>
+            <a:r>
+              <a:rPr lang="en-US" dirty="0" smtClean="0"/>
+              <a:t>Try to allow all knowledge to be one directional</a:t>
+            </a:r>
+            <a:endParaRPr lang="en-US" dirty="0"/>
+          </a:p>
+        </p:txBody>
+      </p:sp>
+      <p:sp>
+        <p:nvSpPr>
+          <p:cNvPr id="4" name="TextBox 3"/>
+          <p:cNvSpPr txBox="1"/>
+          <p:nvPr/>
+        </p:nvSpPr>
+        <p:spPr>
+          <a:xfrm>
+            <a:off x="6912244" y="1512893"/>
+            <a:ext cx="3177152" cy="461665"/>
+          </a:xfrm>
+          <a:prstGeom prst="rect">
+            <a:avLst/>
+          </a:prstGeom>
+          <a:noFill/>
+        </p:spPr>
+        <p:txBody>
+          <a:bodyPr wrap="square" rtlCol="0">
+            <a:spAutoFit/>
+          </a:bodyPr>
+          <a:lstStyle/>
+          <a:p>
+            <a:r>
+              <a:rPr lang="en-US" sz="2400" b="1" dirty="0" smtClean="0"/>
+              <a:t>TIME</a:t>
+            </a:r>
+            <a:r>
+              <a:rPr lang="en-US" sz="2400" dirty="0" smtClean="0"/>
+              <a:t>: 1:23:45 pm</a:t>
+            </a:r>
+            <a:endParaRPr lang="en-US" sz="2400" dirty="0"/>
+          </a:p>
+        </p:txBody>
+      </p:sp>
       <p:pic>
         <p:nvPicPr>
-          <p:cNvPr id="9" name="Picture 8"/>
+          <p:cNvPr id="5" name="Picture 4"/>
           <p:cNvPicPr>
             <a:picLocks noChangeAspect="1"/>
           </p:cNvPicPr>
           <p:nvPr/>
         </p:nvPicPr>
         <p:blipFill>
-          <a:blip r:embed="rId4"/>
+          <a:blip r:embed="rId2"/>
           <a:stretch>
             <a:fillRect/>
           </a:stretch>
         </p:blipFill>
         <p:spPr>
           <a:xfrm>
-            <a:off x="6955604" y="4605812"/>
-            <a:ext cx="4892386" cy="303068"/>
+            <a:off x="6323550" y="2235917"/>
+            <a:ext cx="5248275" cy="2419350"/>
           </a:xfrm>
           <a:prstGeom prst="rect">
             <a:avLst/>
           </a:prstGeom>
         </p:spPr>
       </p:pic>
-      <p:pic>
-        <p:nvPicPr>
-          <p:cNvPr id="10" name="Picture 9"/>
-          <p:cNvPicPr>
-            <a:picLocks noChangeAspect="1"/>
-          </p:cNvPicPr>
+      <p:sp>
+        <p:nvSpPr>
+          <p:cNvPr id="6" name="Cube 5"/>
+          <p:cNvSpPr/>
           <p:nvPr/>
-        </p:nvPicPr>
-        <p:blipFill>
-          <a:blip r:embed="rId5"/>
-          <a:stretch>
-            <a:fillRect/>
-          </a:stretch>
-        </p:blipFill>
+        </p:nvSpPr>
         <p:spPr>
           <a:xfrm>
-            <a:off x="6951593" y="5077604"/>
-            <a:ext cx="4629150" cy="361950"/>
+            <a:off x="9666922" y="2022897"/>
+            <a:ext cx="844948" cy="856467"/>
+          </a:xfrm>
+          <a:prstGeom prst="cube">
+            <a:avLst/>
+          </a:prstGeom>
+        </p:spPr>
+        <p:style>
+          <a:lnRef idx="2">
+            <a:schemeClr val="accent1">
+              <a:shade val="50000"/>
+            </a:schemeClr>
+          </a:lnRef>
+          <a:fillRef idx="1">
+            <a:schemeClr val="accent1"/>
+          </a:fillRef>
+          <a:effectRef idx="0">
+            <a:schemeClr val="accent1"/>
+          </a:effectRef>
+          <a:fontRef idx="minor">
+            <a:schemeClr val="lt1"/>
+          </a:fontRef>
+        </p:style>
+        <p:txBody>
+          <a:bodyPr rtlCol="0" anchor="ctr"/>
+          <a:lstStyle/>
+          <a:p>
+            <a:pPr algn="ctr"/>
+            <a:r>
+              <a:rPr lang="en-US" dirty="0" smtClean="0"/>
+              <a:t>time</a:t>
+            </a:r>
+            <a:endParaRPr lang="en-US" dirty="0"/>
+          </a:p>
+        </p:txBody>
+      </p:sp>
+      <p:grpSp>
+        <p:nvGrpSpPr>
+          <p:cNvPr id="7" name="Group 6"/>
+          <p:cNvGrpSpPr/>
+          <p:nvPr/>
+        </p:nvGrpSpPr>
+        <p:grpSpPr>
+          <a:xfrm>
+            <a:off x="11053689" y="2048554"/>
+            <a:ext cx="589926" cy="582459"/>
+            <a:chOff x="8786191" y="2325757"/>
+            <a:chExt cx="785192" cy="775252"/>
+          </a:xfrm>
+        </p:grpSpPr>
+        <p:sp>
+          <p:nvSpPr>
+            <p:cNvPr id="8" name="Oval 7"/>
+            <p:cNvSpPr/>
+            <p:nvPr/>
+          </p:nvSpPr>
+          <p:spPr>
+            <a:xfrm>
+              <a:off x="8786191" y="2325757"/>
+              <a:ext cx="785192" cy="775252"/>
+            </a:xfrm>
+            <a:prstGeom prst="ellipse">
+              <a:avLst/>
+            </a:prstGeom>
+            <a:solidFill>
+              <a:schemeClr val="bg1">
+                <a:lumMod val="75000"/>
+              </a:schemeClr>
+            </a:solidFill>
+            <a:ln>
+              <a:solidFill>
+                <a:schemeClr val="tx1"/>
+              </a:solidFill>
+            </a:ln>
+          </p:spPr>
+          <p:style>
+            <a:lnRef idx="2">
+              <a:schemeClr val="accent1">
+                <a:shade val="50000"/>
+              </a:schemeClr>
+            </a:lnRef>
+            <a:fillRef idx="1">
+              <a:schemeClr val="accent1"/>
+            </a:fillRef>
+            <a:effectRef idx="0">
+              <a:schemeClr val="accent1"/>
+            </a:effectRef>
+            <a:fontRef idx="minor">
+              <a:schemeClr val="lt1"/>
+            </a:fontRef>
+          </p:style>
+          <p:txBody>
+            <a:bodyPr rtlCol="0" anchor="ctr"/>
+            <a:lstStyle/>
+            <a:p>
+              <a:pPr algn="ctr"/>
+              <a:endParaRPr lang="en-US"/>
+            </a:p>
+          </p:txBody>
+        </p:sp>
+        <p:cxnSp>
+          <p:nvCxnSpPr>
+            <p:cNvPr id="9" name="Straight Connector 8"/>
+            <p:cNvCxnSpPr>
+              <a:endCxn id="8" idx="7"/>
+            </p:cNvCxnSpPr>
+            <p:nvPr/>
+          </p:nvCxnSpPr>
+          <p:spPr>
+            <a:xfrm flipV="1">
+              <a:off x="9163878" y="2439290"/>
+              <a:ext cx="292516" cy="313849"/>
+            </a:xfrm>
+            <a:prstGeom prst="line">
+              <a:avLst/>
+            </a:prstGeom>
+            <a:ln>
+              <a:solidFill>
+                <a:schemeClr val="tx1"/>
+              </a:solidFill>
+            </a:ln>
+          </p:spPr>
+          <p:style>
+            <a:lnRef idx="1">
+              <a:schemeClr val="accent1"/>
+            </a:lnRef>
+            <a:fillRef idx="0">
+              <a:schemeClr val="accent1"/>
+            </a:fillRef>
+            <a:effectRef idx="0">
+              <a:schemeClr val="accent1"/>
+            </a:effectRef>
+            <a:fontRef idx="minor">
+              <a:schemeClr val="tx1"/>
+            </a:fontRef>
+          </p:style>
+        </p:cxnSp>
+        <p:cxnSp>
+          <p:nvCxnSpPr>
+            <p:cNvPr id="10" name="Straight Connector 9"/>
+            <p:cNvCxnSpPr/>
+            <p:nvPr/>
+          </p:nvCxnSpPr>
+          <p:spPr>
+            <a:xfrm>
+              <a:off x="9183756" y="2753139"/>
+              <a:ext cx="235087" cy="0"/>
+            </a:xfrm>
+            <a:prstGeom prst="line">
+              <a:avLst/>
+            </a:prstGeom>
+            <a:ln w="38100">
+              <a:solidFill>
+                <a:schemeClr val="tx1"/>
+              </a:solidFill>
+            </a:ln>
+          </p:spPr>
+          <p:style>
+            <a:lnRef idx="1">
+              <a:schemeClr val="accent1"/>
+            </a:lnRef>
+            <a:fillRef idx="0">
+              <a:schemeClr val="accent1"/>
+            </a:fillRef>
+            <a:effectRef idx="0">
+              <a:schemeClr val="accent1"/>
+            </a:effectRef>
+            <a:fontRef idx="minor">
+              <a:schemeClr val="tx1"/>
+            </a:fontRef>
+          </p:style>
+        </p:cxnSp>
+      </p:grpSp>
+      <p:sp>
+        <p:nvSpPr>
+          <p:cNvPr id="11" name="TextBox 10"/>
+          <p:cNvSpPr txBox="1"/>
+          <p:nvPr/>
+        </p:nvSpPr>
+        <p:spPr>
+          <a:xfrm>
+            <a:off x="10830772" y="2631013"/>
+            <a:ext cx="1035761" cy="369332"/>
           </a:xfrm>
           <a:prstGeom prst="rect">
             <a:avLst/>
           </a:prstGeom>
-        </p:spPr>
-      </p:pic>
-      <p:pic>
-        <p:nvPicPr>
-          <p:cNvPr id="11" name="Picture 10"/>
-          <p:cNvPicPr>
-            <a:picLocks noChangeAspect="1"/>
-          </p:cNvPicPr>
+          <a:noFill/>
+        </p:spPr>
+        <p:txBody>
+          <a:bodyPr wrap="square" rtlCol="0">
+            <a:spAutoFit/>
+          </a:bodyPr>
+          <a:lstStyle/>
+          <a:p>
+            <a:pPr algn="ctr"/>
+            <a:r>
+              <a:rPr lang="en-US" dirty="0" smtClean="0"/>
+              <a:t>Interval</a:t>
+            </a:r>
+            <a:endParaRPr lang="en-US" dirty="0"/>
+          </a:p>
+        </p:txBody>
+      </p:sp>
+      <p:cxnSp>
+        <p:nvCxnSpPr>
+          <p:cNvPr id="13" name="Elbow Connector 12"/>
+          <p:cNvCxnSpPr/>
           <p:nvPr/>
-        </p:nvPicPr>
-        <p:blipFill>
-          <a:blip r:embed="rId6"/>
-          <a:stretch>
-            <a:fillRect/>
-          </a:stretch>
-        </p:blipFill>
+        </p:nvCxnSpPr>
+        <p:spPr>
+          <a:xfrm rot="16200000" flipV="1">
+            <a:off x="7372094" y="2722598"/>
+            <a:ext cx="3249351" cy="3208153"/>
+          </a:xfrm>
+          <a:prstGeom prst="curvedConnector2">
+            <a:avLst/>
+          </a:prstGeom>
+          <a:ln>
+            <a:tailEnd type="triangle"/>
+          </a:ln>
+        </p:spPr>
+        <p:style>
+          <a:lnRef idx="1">
+            <a:schemeClr val="accent1"/>
+          </a:lnRef>
+          <a:fillRef idx="0">
+            <a:schemeClr val="accent1"/>
+          </a:fillRef>
+          <a:effectRef idx="0">
+            <a:schemeClr val="accent1"/>
+          </a:effectRef>
+          <a:fontRef idx="minor">
+            <a:schemeClr val="tx1"/>
+          </a:fontRef>
+        </p:style>
+      </p:cxnSp>
+      <p:sp>
+        <p:nvSpPr>
+          <p:cNvPr id="16" name="TextBox 15"/>
+          <p:cNvSpPr txBox="1"/>
+          <p:nvPr/>
+        </p:nvSpPr>
         <p:spPr>
           <a:xfrm>
-            <a:off x="8372268" y="5699070"/>
-            <a:ext cx="1609725" cy="762000"/>
+            <a:off x="9450315" y="5951350"/>
+            <a:ext cx="2326878" cy="646331"/>
           </a:xfrm>
           <a:prstGeom prst="rect">
             <a:avLst/>
           </a:prstGeom>
-        </p:spPr>
-      </p:pic>
+          <a:noFill/>
+        </p:spPr>
+        <p:txBody>
+          <a:bodyPr wrap="square" rtlCol="0">
+            <a:spAutoFit/>
+          </a:bodyPr>
+          <a:lstStyle/>
+          <a:p>
+            <a:pPr algn="ctr"/>
+            <a:r>
+              <a:rPr lang="en-US" dirty="0" smtClean="0"/>
+              <a:t>Some other object wants the time.</a:t>
+            </a:r>
+            <a:endParaRPr lang="en-US" dirty="0"/>
+          </a:p>
+        </p:txBody>
+      </p:sp>
     </p:spTree>
     <p:extLst>
       <p:ext uri="{BB962C8B-B14F-4D97-AF65-F5344CB8AC3E}">
-        <p14:creationId xmlns:p14="http://schemas.microsoft.com/office/powerpoint/2010/main" val="6841473"/>
+        <p14:creationId xmlns:p14="http://schemas.microsoft.com/office/powerpoint/2010/main" val="1795922964"/>
+      </p:ext>
+    </p:extLst>
+  </p:cSld>
+  <p:clrMapOvr>
+    <a:masterClrMapping/>
+  </p:clrMapOvr>
+</p:sld>
+</file>
+
+<file path=ppt/slides/slide7.xml><?xml version="1.0" encoding="utf-8"?>
+<p:sld xmlns:a="http://schemas.openxmlformats.org/drawingml/2006/main" xmlns:r="http://schemas.openxmlformats.org/officeDocument/2006/relationships" xmlns:p="http://schemas.openxmlformats.org/presentationml/2006/main">
+  <p:cSld>
+    <p:spTree>
+      <p:nvGrpSpPr>
+        <p:cNvPr id="1" name=""/>
+        <p:cNvGrpSpPr/>
+        <p:nvPr/>
+      </p:nvGrpSpPr>
+      <p:grpSpPr>
+        <a:xfrm>
+          <a:off x="0" y="0"/>
+          <a:ext cx="0" cy="0"/>
+          <a:chOff x="0" y="0"/>
+          <a:chExt cx="0" cy="0"/>
+        </a:xfrm>
+      </p:grpSpPr>
+      <p:sp>
+        <p:nvSpPr>
+          <p:cNvPr id="11" name="Rounded Rectangle 10"/>
+          <p:cNvSpPr/>
+          <p:nvPr/>
+        </p:nvSpPr>
+        <p:spPr>
+          <a:xfrm>
+            <a:off x="9694191" y="3917608"/>
+            <a:ext cx="1720312" cy="1319371"/>
+          </a:xfrm>
+          <a:prstGeom prst="roundRect">
+            <a:avLst/>
+          </a:prstGeom>
+          <a:solidFill>
+            <a:schemeClr val="accent1">
+              <a:lumMod val="40000"/>
+              <a:lumOff val="60000"/>
+            </a:schemeClr>
+          </a:solidFill>
+          <a:ln>
+            <a:solidFill>
+              <a:schemeClr val="tx1"/>
+            </a:solidFill>
+          </a:ln>
+        </p:spPr>
+        <p:style>
+          <a:lnRef idx="2">
+            <a:schemeClr val="accent1">
+              <a:shade val="50000"/>
+            </a:schemeClr>
+          </a:lnRef>
+          <a:fillRef idx="1">
+            <a:schemeClr val="accent1"/>
+          </a:fillRef>
+          <a:effectRef idx="0">
+            <a:schemeClr val="accent1"/>
+          </a:effectRef>
+          <a:fontRef idx="minor">
+            <a:schemeClr val="lt1"/>
+          </a:fontRef>
+        </p:style>
+        <p:txBody>
+          <a:bodyPr rtlCol="0" anchor="t"/>
+          <a:lstStyle/>
+          <a:p>
+            <a:pPr algn="ctr"/>
+            <a:r>
+              <a:rPr lang="en-US" dirty="0" smtClean="0">
+                <a:solidFill>
+                  <a:schemeClr val="tx1"/>
+                </a:solidFill>
+              </a:rPr>
+              <a:t>p1</a:t>
+            </a:r>
+            <a:endParaRPr lang="en-US" dirty="0">
+              <a:solidFill>
+                <a:schemeClr val="tx1"/>
+              </a:solidFill>
+            </a:endParaRPr>
+          </a:p>
+        </p:txBody>
+      </p:sp>
+      <p:sp>
+        <p:nvSpPr>
+          <p:cNvPr id="10" name="Rounded Rectangle 9"/>
+          <p:cNvSpPr/>
+          <p:nvPr/>
+        </p:nvSpPr>
+        <p:spPr>
+          <a:xfrm>
+            <a:off x="9694191" y="5344899"/>
+            <a:ext cx="1720312" cy="1319371"/>
+          </a:xfrm>
+          <a:prstGeom prst="roundRect">
+            <a:avLst/>
+          </a:prstGeom>
+          <a:solidFill>
+            <a:schemeClr val="accent2">
+              <a:lumMod val="40000"/>
+              <a:lumOff val="60000"/>
+            </a:schemeClr>
+          </a:solidFill>
+          <a:ln>
+            <a:solidFill>
+              <a:schemeClr val="tx1"/>
+            </a:solidFill>
+          </a:ln>
+        </p:spPr>
+        <p:style>
+          <a:lnRef idx="2">
+            <a:schemeClr val="accent1">
+              <a:shade val="50000"/>
+            </a:schemeClr>
+          </a:lnRef>
+          <a:fillRef idx="1">
+            <a:schemeClr val="accent1"/>
+          </a:fillRef>
+          <a:effectRef idx="0">
+            <a:schemeClr val="accent1"/>
+          </a:effectRef>
+          <a:fontRef idx="minor">
+            <a:schemeClr val="lt1"/>
+          </a:fontRef>
+        </p:style>
+        <p:txBody>
+          <a:bodyPr rtlCol="0" anchor="t"/>
+          <a:lstStyle/>
+          <a:p>
+            <a:pPr algn="ctr"/>
+            <a:r>
+              <a:rPr lang="en-US" dirty="0" smtClean="0">
+                <a:solidFill>
+                  <a:schemeClr val="tx1"/>
+                </a:solidFill>
+              </a:rPr>
+              <a:t>p2</a:t>
+            </a:r>
+            <a:endParaRPr lang="en-US" dirty="0">
+              <a:solidFill>
+                <a:schemeClr val="tx1"/>
+              </a:solidFill>
+            </a:endParaRPr>
+          </a:p>
+        </p:txBody>
+      </p:sp>
+      <p:sp>
+        <p:nvSpPr>
+          <p:cNvPr id="2" name="Title 1"/>
+          <p:cNvSpPr>
+            <a:spLocks noGrp="1"/>
+          </p:cNvSpPr>
+          <p:nvPr>
+            <p:ph type="title"/>
+          </p:nvPr>
+        </p:nvSpPr>
+        <p:spPr/>
+        <p:txBody>
+          <a:bodyPr>
+            <a:normAutofit fontScale="90000"/>
+          </a:bodyPr>
+          <a:lstStyle/>
+          <a:p>
+            <a:r>
+              <a:rPr lang="en-US" dirty="0" smtClean="0"/>
+              <a:t>Object Definition vs Instantiation</a:t>
+            </a:r>
+            <a:endParaRPr lang="en-US" dirty="0"/>
+          </a:p>
+        </p:txBody>
+      </p:sp>
+      <p:sp>
+        <p:nvSpPr>
+          <p:cNvPr id="3" name="Content Placeholder 2"/>
+          <p:cNvSpPr>
+            <a:spLocks noGrp="1"/>
+          </p:cNvSpPr>
+          <p:nvPr>
+            <p:ph idx="1"/>
+          </p:nvPr>
+        </p:nvSpPr>
+        <p:spPr>
+          <a:xfrm>
+            <a:off x="838200" y="1264920"/>
+            <a:ext cx="5299129" cy="4912043"/>
+          </a:xfrm>
+        </p:spPr>
+        <p:txBody>
+          <a:bodyPr/>
+          <a:lstStyle/>
+          <a:p>
+            <a:pPr marL="0" indent="0">
+              <a:buNone/>
+            </a:pPr>
+            <a:r>
+              <a:rPr lang="en-US" dirty="0" smtClean="0"/>
+              <a:t>When an object is defined all its members are laid out.</a:t>
+            </a:r>
+          </a:p>
+          <a:p>
+            <a:r>
+              <a:rPr lang="en-US" dirty="0" smtClean="0"/>
+              <a:t>All fields</a:t>
+            </a:r>
+          </a:p>
+          <a:p>
+            <a:r>
+              <a:rPr lang="en-US" dirty="0" smtClean="0"/>
+              <a:t>All functions</a:t>
+            </a:r>
+          </a:p>
+          <a:p>
+            <a:pPr marL="0" indent="0">
+              <a:buNone/>
+            </a:pPr>
+            <a:endParaRPr lang="en-US" dirty="0"/>
+          </a:p>
+          <a:p>
+            <a:pPr marL="0" indent="0">
+              <a:buNone/>
+            </a:pPr>
+            <a:r>
+              <a:rPr lang="en-US" dirty="0" smtClean="0"/>
+              <a:t>When an </a:t>
+            </a:r>
+            <a:r>
+              <a:rPr lang="en-US" b="1" i="1" dirty="0" smtClean="0"/>
+              <a:t>instance </a:t>
+            </a:r>
+            <a:r>
+              <a:rPr lang="en-US" dirty="0" smtClean="0"/>
+              <a:t>of the object is created, it has its own copies of those fields.</a:t>
+            </a:r>
+          </a:p>
+          <a:p>
+            <a:r>
+              <a:rPr lang="en-US" dirty="0" smtClean="0"/>
+              <a:t>All functions are in common.</a:t>
+            </a:r>
+          </a:p>
+        </p:txBody>
+      </p:sp>
+      <p:sp>
+        <p:nvSpPr>
+          <p:cNvPr id="4" name="TextBox 3"/>
+          <p:cNvSpPr txBox="1"/>
+          <p:nvPr/>
+        </p:nvSpPr>
+        <p:spPr>
+          <a:xfrm>
+            <a:off x="6834753" y="1224366"/>
+            <a:ext cx="4788976" cy="3139321"/>
+          </a:xfrm>
+          <a:prstGeom prst="rect">
+            <a:avLst/>
+          </a:prstGeom>
+          <a:noFill/>
+        </p:spPr>
+        <p:txBody>
+          <a:bodyPr wrap="square" rtlCol="0">
+            <a:spAutoFit/>
+          </a:bodyPr>
+          <a:lstStyle/>
+          <a:p>
+            <a:r>
+              <a:rPr lang="en-US" dirty="0" smtClean="0"/>
+              <a:t>Object Point</a:t>
+            </a:r>
+          </a:p>
+          <a:p>
+            <a:r>
+              <a:rPr lang="en-US" dirty="0" smtClean="0"/>
+              <a:t>{</a:t>
+            </a:r>
+          </a:p>
+          <a:p>
+            <a:r>
+              <a:rPr lang="en-US" dirty="0"/>
+              <a:t> </a:t>
+            </a:r>
+            <a:r>
+              <a:rPr lang="en-US" dirty="0" smtClean="0"/>
+              <a:t>  </a:t>
+            </a:r>
+            <a:r>
+              <a:rPr lang="en-US" dirty="0" err="1" smtClean="0"/>
+              <a:t>var</a:t>
+            </a:r>
+            <a:r>
+              <a:rPr lang="en-US" dirty="0" smtClean="0"/>
+              <a:t> x;</a:t>
+            </a:r>
+          </a:p>
+          <a:p>
+            <a:r>
+              <a:rPr lang="en-US" dirty="0"/>
+              <a:t> </a:t>
+            </a:r>
+            <a:r>
+              <a:rPr lang="en-US" dirty="0" smtClean="0"/>
+              <a:t>  </a:t>
+            </a:r>
+            <a:r>
+              <a:rPr lang="en-US" dirty="0" err="1" smtClean="0"/>
+              <a:t>var</a:t>
+            </a:r>
+            <a:r>
+              <a:rPr lang="en-US" dirty="0" smtClean="0"/>
+              <a:t> y;</a:t>
+            </a:r>
+          </a:p>
+          <a:p>
+            <a:endParaRPr lang="en-US" dirty="0"/>
+          </a:p>
+          <a:p>
+            <a:r>
+              <a:rPr lang="en-US" dirty="0" smtClean="0"/>
+              <a:t>   function add(dx, </a:t>
+            </a:r>
+            <a:r>
+              <a:rPr lang="en-US" dirty="0" err="1" smtClean="0"/>
+              <a:t>dy</a:t>
+            </a:r>
+            <a:r>
+              <a:rPr lang="en-US" dirty="0" smtClean="0"/>
+              <a:t>)</a:t>
+            </a:r>
+          </a:p>
+          <a:p>
+            <a:r>
+              <a:rPr lang="en-US" dirty="0"/>
+              <a:t> </a:t>
+            </a:r>
+            <a:r>
+              <a:rPr lang="en-US" dirty="0" smtClean="0"/>
+              <a:t>  {</a:t>
+            </a:r>
+          </a:p>
+          <a:p>
+            <a:r>
+              <a:rPr lang="en-US" dirty="0"/>
+              <a:t> </a:t>
+            </a:r>
+            <a:r>
+              <a:rPr lang="en-US" dirty="0" smtClean="0"/>
+              <a:t>     x+=dx;</a:t>
+            </a:r>
+          </a:p>
+          <a:p>
+            <a:r>
+              <a:rPr lang="en-US" dirty="0"/>
+              <a:t> </a:t>
+            </a:r>
+            <a:r>
+              <a:rPr lang="en-US" dirty="0" smtClean="0"/>
+              <a:t>     y+=</a:t>
+            </a:r>
+            <a:r>
+              <a:rPr lang="en-US" dirty="0" err="1" smtClean="0"/>
+              <a:t>dy</a:t>
+            </a:r>
+            <a:r>
+              <a:rPr lang="en-US" dirty="0" smtClean="0"/>
+              <a:t>;</a:t>
+            </a:r>
+          </a:p>
+          <a:p>
+            <a:r>
+              <a:rPr lang="en-US" dirty="0"/>
+              <a:t> </a:t>
+            </a:r>
+            <a:r>
+              <a:rPr lang="en-US" dirty="0" smtClean="0"/>
+              <a:t>  }</a:t>
+            </a:r>
+          </a:p>
+          <a:p>
+            <a:r>
+              <a:rPr lang="en-US" dirty="0"/>
+              <a:t>}</a:t>
+            </a:r>
+          </a:p>
+        </p:txBody>
+      </p:sp>
+      <p:sp>
+        <p:nvSpPr>
+          <p:cNvPr id="5" name="TextBox 4"/>
+          <p:cNvSpPr txBox="1"/>
+          <p:nvPr/>
+        </p:nvSpPr>
+        <p:spPr>
+          <a:xfrm>
+            <a:off x="6832170" y="4894881"/>
+            <a:ext cx="3086745" cy="646331"/>
+          </a:xfrm>
+          <a:prstGeom prst="rect">
+            <a:avLst/>
+          </a:prstGeom>
+          <a:noFill/>
+        </p:spPr>
+        <p:txBody>
+          <a:bodyPr wrap="square" rtlCol="0">
+            <a:spAutoFit/>
+          </a:bodyPr>
+          <a:lstStyle/>
+          <a:p>
+            <a:r>
+              <a:rPr lang="en-US" dirty="0" err="1" smtClean="0"/>
+              <a:t>var</a:t>
+            </a:r>
+            <a:r>
+              <a:rPr lang="en-US" dirty="0" smtClean="0"/>
+              <a:t> p1 = Point();</a:t>
+            </a:r>
+          </a:p>
+          <a:p>
+            <a:r>
+              <a:rPr lang="en-US" dirty="0" err="1" smtClean="0"/>
+              <a:t>var</a:t>
+            </a:r>
+            <a:r>
+              <a:rPr lang="en-US" dirty="0" smtClean="0"/>
+              <a:t> p2 </a:t>
+            </a:r>
+            <a:r>
+              <a:rPr lang="en-US" dirty="0"/>
+              <a:t>= Point</a:t>
+            </a:r>
+            <a:r>
+              <a:rPr lang="en-US" dirty="0" smtClean="0"/>
+              <a:t>();</a:t>
+            </a:r>
+            <a:endParaRPr lang="en-US" dirty="0"/>
+          </a:p>
+        </p:txBody>
+      </p:sp>
+      <p:sp>
+        <p:nvSpPr>
+          <p:cNvPr id="6" name="Cube 5"/>
+          <p:cNvSpPr/>
+          <p:nvPr/>
+        </p:nvSpPr>
+        <p:spPr>
+          <a:xfrm>
+            <a:off x="9887920" y="4365755"/>
+            <a:ext cx="666427" cy="728420"/>
+          </a:xfrm>
+          <a:prstGeom prst="cube">
+            <a:avLst/>
+          </a:prstGeom>
+          <a:ln>
+            <a:solidFill>
+              <a:schemeClr val="tx1"/>
+            </a:solidFill>
+          </a:ln>
+        </p:spPr>
+        <p:style>
+          <a:lnRef idx="2">
+            <a:schemeClr val="accent1">
+              <a:shade val="50000"/>
+            </a:schemeClr>
+          </a:lnRef>
+          <a:fillRef idx="1">
+            <a:schemeClr val="accent1"/>
+          </a:fillRef>
+          <a:effectRef idx="0">
+            <a:schemeClr val="accent1"/>
+          </a:effectRef>
+          <a:fontRef idx="minor">
+            <a:schemeClr val="lt1"/>
+          </a:fontRef>
+        </p:style>
+        <p:txBody>
+          <a:bodyPr rtlCol="0" anchor="ctr"/>
+          <a:lstStyle/>
+          <a:p>
+            <a:pPr algn="ctr"/>
+            <a:r>
+              <a:rPr lang="en-US" dirty="0" smtClean="0"/>
+              <a:t>x</a:t>
+            </a:r>
+            <a:endParaRPr lang="en-US" dirty="0"/>
+          </a:p>
+        </p:txBody>
+      </p:sp>
+      <p:sp>
+        <p:nvSpPr>
+          <p:cNvPr id="7" name="Cube 6"/>
+          <p:cNvSpPr/>
+          <p:nvPr/>
+        </p:nvSpPr>
+        <p:spPr>
+          <a:xfrm>
+            <a:off x="10554347" y="4365755"/>
+            <a:ext cx="666427" cy="728420"/>
+          </a:xfrm>
+          <a:prstGeom prst="cube">
+            <a:avLst/>
+          </a:prstGeom>
+          <a:ln>
+            <a:solidFill>
+              <a:schemeClr val="tx1"/>
+            </a:solidFill>
+          </a:ln>
+        </p:spPr>
+        <p:style>
+          <a:lnRef idx="2">
+            <a:schemeClr val="accent1">
+              <a:shade val="50000"/>
+            </a:schemeClr>
+          </a:lnRef>
+          <a:fillRef idx="1">
+            <a:schemeClr val="accent1"/>
+          </a:fillRef>
+          <a:effectRef idx="0">
+            <a:schemeClr val="accent1"/>
+          </a:effectRef>
+          <a:fontRef idx="minor">
+            <a:schemeClr val="lt1"/>
+          </a:fontRef>
+        </p:style>
+        <p:txBody>
+          <a:bodyPr rtlCol="0" anchor="ctr"/>
+          <a:lstStyle/>
+          <a:p>
+            <a:pPr algn="ctr"/>
+            <a:r>
+              <a:rPr lang="en-US" dirty="0" smtClean="0"/>
+              <a:t>y</a:t>
+            </a:r>
+            <a:endParaRPr lang="en-US" dirty="0"/>
+          </a:p>
+        </p:txBody>
+      </p:sp>
+      <p:sp>
+        <p:nvSpPr>
+          <p:cNvPr id="8" name="Cube 7"/>
+          <p:cNvSpPr/>
+          <p:nvPr/>
+        </p:nvSpPr>
+        <p:spPr>
+          <a:xfrm>
+            <a:off x="9887920" y="5827930"/>
+            <a:ext cx="666427" cy="728420"/>
+          </a:xfrm>
+          <a:prstGeom prst="cube">
+            <a:avLst/>
+          </a:prstGeom>
+          <a:solidFill>
+            <a:schemeClr val="accent2">
+              <a:lumMod val="75000"/>
+            </a:schemeClr>
+          </a:solidFill>
+          <a:ln>
+            <a:solidFill>
+              <a:schemeClr val="tx1"/>
+            </a:solidFill>
+          </a:ln>
+        </p:spPr>
+        <p:style>
+          <a:lnRef idx="2">
+            <a:schemeClr val="accent1">
+              <a:shade val="50000"/>
+            </a:schemeClr>
+          </a:lnRef>
+          <a:fillRef idx="1">
+            <a:schemeClr val="accent1"/>
+          </a:fillRef>
+          <a:effectRef idx="0">
+            <a:schemeClr val="accent1"/>
+          </a:effectRef>
+          <a:fontRef idx="minor">
+            <a:schemeClr val="lt1"/>
+          </a:fontRef>
+        </p:style>
+        <p:txBody>
+          <a:bodyPr rtlCol="0" anchor="ctr"/>
+          <a:lstStyle/>
+          <a:p>
+            <a:pPr algn="ctr"/>
+            <a:r>
+              <a:rPr lang="en-US" dirty="0" smtClean="0"/>
+              <a:t>x</a:t>
+            </a:r>
+            <a:endParaRPr lang="en-US" dirty="0"/>
+          </a:p>
+        </p:txBody>
+      </p:sp>
+      <p:sp>
+        <p:nvSpPr>
+          <p:cNvPr id="9" name="Cube 8"/>
+          <p:cNvSpPr/>
+          <p:nvPr/>
+        </p:nvSpPr>
+        <p:spPr>
+          <a:xfrm>
+            <a:off x="10554347" y="5827930"/>
+            <a:ext cx="666427" cy="728420"/>
+          </a:xfrm>
+          <a:prstGeom prst="cube">
+            <a:avLst/>
+          </a:prstGeom>
+          <a:solidFill>
+            <a:schemeClr val="accent2">
+              <a:lumMod val="75000"/>
+            </a:schemeClr>
+          </a:solidFill>
+          <a:ln>
+            <a:solidFill>
+              <a:schemeClr val="tx1"/>
+            </a:solidFill>
+          </a:ln>
+        </p:spPr>
+        <p:style>
+          <a:lnRef idx="2">
+            <a:schemeClr val="accent1">
+              <a:shade val="50000"/>
+            </a:schemeClr>
+          </a:lnRef>
+          <a:fillRef idx="1">
+            <a:schemeClr val="accent1"/>
+          </a:fillRef>
+          <a:effectRef idx="0">
+            <a:schemeClr val="accent1"/>
+          </a:effectRef>
+          <a:fontRef idx="minor">
+            <a:schemeClr val="lt1"/>
+          </a:fontRef>
+        </p:style>
+        <p:txBody>
+          <a:bodyPr rtlCol="0" anchor="ctr"/>
+          <a:lstStyle/>
+          <a:p>
+            <a:pPr algn="ctr"/>
+            <a:r>
+              <a:rPr lang="en-US" dirty="0"/>
+              <a:t>y</a:t>
+            </a:r>
+          </a:p>
+        </p:txBody>
+      </p:sp>
+      <p:cxnSp>
+        <p:nvCxnSpPr>
+          <p:cNvPr id="13" name="Straight Arrow Connector 12"/>
+          <p:cNvCxnSpPr>
+            <a:endCxn id="11" idx="1"/>
+          </p:cNvCxnSpPr>
+          <p:nvPr/>
+        </p:nvCxnSpPr>
+        <p:spPr>
+          <a:xfrm flipV="1">
+            <a:off x="8539566" y="4577294"/>
+            <a:ext cx="1154625" cy="516881"/>
+          </a:xfrm>
+          <a:prstGeom prst="straightConnector1">
+            <a:avLst/>
+          </a:prstGeom>
+          <a:ln>
+            <a:tailEnd type="triangle"/>
+          </a:ln>
+        </p:spPr>
+        <p:style>
+          <a:lnRef idx="1">
+            <a:schemeClr val="accent1"/>
+          </a:lnRef>
+          <a:fillRef idx="0">
+            <a:schemeClr val="accent1"/>
+          </a:fillRef>
+          <a:effectRef idx="0">
+            <a:schemeClr val="accent1"/>
+          </a:effectRef>
+          <a:fontRef idx="minor">
+            <a:schemeClr val="tx1"/>
+          </a:fontRef>
+        </p:style>
+      </p:cxnSp>
+      <p:cxnSp>
+        <p:nvCxnSpPr>
+          <p:cNvPr id="14" name="Straight Arrow Connector 13"/>
+          <p:cNvCxnSpPr>
+            <a:endCxn id="10" idx="1"/>
+          </p:cNvCxnSpPr>
+          <p:nvPr/>
+        </p:nvCxnSpPr>
+        <p:spPr>
+          <a:xfrm>
+            <a:off x="8539565" y="5352616"/>
+            <a:ext cx="1154626" cy="651969"/>
+          </a:xfrm>
+          <a:prstGeom prst="straightConnector1">
+            <a:avLst/>
+          </a:prstGeom>
+          <a:ln>
+            <a:solidFill>
+              <a:schemeClr val="accent2">
+                <a:lumMod val="75000"/>
+              </a:schemeClr>
+            </a:solidFill>
+            <a:tailEnd type="triangle"/>
+          </a:ln>
+        </p:spPr>
+        <p:style>
+          <a:lnRef idx="1">
+            <a:schemeClr val="accent1"/>
+          </a:lnRef>
+          <a:fillRef idx="0">
+            <a:schemeClr val="accent1"/>
+          </a:fillRef>
+          <a:effectRef idx="0">
+            <a:schemeClr val="accent1"/>
+          </a:effectRef>
+          <a:fontRef idx="minor">
+            <a:schemeClr val="tx1"/>
+          </a:fontRef>
+        </p:style>
+      </p:cxnSp>
+    </p:spTree>
+    <p:extLst>
+      <p:ext uri="{BB962C8B-B14F-4D97-AF65-F5344CB8AC3E}">
+        <p14:creationId xmlns:p14="http://schemas.microsoft.com/office/powerpoint/2010/main" val="1001230160"/>
+      </p:ext>
+    </p:extLst>
+  </p:cSld>
+  <p:clrMapOvr>
+    <a:masterClrMapping/>
+  </p:clrMapOvr>
+</p:sld>
+</file>
+
+<file path=ppt/slides/slide8.xml><?xml version="1.0" encoding="utf-8"?>
+<p:sld xmlns:a="http://schemas.openxmlformats.org/drawingml/2006/main" xmlns:r="http://schemas.openxmlformats.org/officeDocument/2006/relationships" xmlns:p="http://schemas.openxmlformats.org/presentationml/2006/main">
+  <p:cSld>
+    <p:spTree>
+      <p:nvGrpSpPr>
+        <p:cNvPr id="1" name=""/>
+        <p:cNvGrpSpPr/>
+        <p:nvPr/>
+      </p:nvGrpSpPr>
+      <p:grpSpPr>
+        <a:xfrm>
+          <a:off x="0" y="0"/>
+          <a:ext cx="0" cy="0"/>
+          <a:chOff x="0" y="0"/>
+          <a:chExt cx="0" cy="0"/>
+        </a:xfrm>
+      </p:grpSpPr>
+      <p:sp>
+        <p:nvSpPr>
+          <p:cNvPr id="2" name="Title 1"/>
+          <p:cNvSpPr>
+            <a:spLocks noGrp="1"/>
+          </p:cNvSpPr>
+          <p:nvPr>
+            <p:ph type="title"/>
+          </p:nvPr>
+        </p:nvSpPr>
+        <p:spPr/>
+        <p:txBody>
+          <a:bodyPr>
+            <a:normAutofit fontScale="90000"/>
+          </a:bodyPr>
+          <a:lstStyle/>
+          <a:p>
+            <a:r>
+              <a:rPr lang="en-US" dirty="0" smtClean="0"/>
+              <a:t>How Objects Work in JavaScript</a:t>
+            </a:r>
+            <a:endParaRPr lang="en-US" dirty="0"/>
+          </a:p>
+        </p:txBody>
+      </p:sp>
+      <p:sp>
+        <p:nvSpPr>
+          <p:cNvPr id="3" name="Content Placeholder 2"/>
+          <p:cNvSpPr>
+            <a:spLocks noGrp="1"/>
+          </p:cNvSpPr>
+          <p:nvPr>
+            <p:ph idx="1"/>
+          </p:nvPr>
+        </p:nvSpPr>
+        <p:spPr>
+          <a:xfrm>
+            <a:off x="838200" y="1264920"/>
+            <a:ext cx="5299129" cy="4912043"/>
+          </a:xfrm>
+        </p:spPr>
+        <p:txBody>
+          <a:bodyPr>
+            <a:normAutofit fontScale="92500" lnSpcReduction="20000"/>
+          </a:bodyPr>
+          <a:lstStyle/>
+          <a:p>
+            <a:pPr marL="0" indent="0">
+              <a:buNone/>
+            </a:pPr>
+            <a:r>
+              <a:rPr lang="en-US" dirty="0" smtClean="0"/>
+              <a:t>JavaScript doesn’t really use Objects as such.</a:t>
+            </a:r>
+          </a:p>
+          <a:p>
+            <a:r>
+              <a:rPr lang="en-US" dirty="0" smtClean="0"/>
+              <a:t>C/C++, C#, Java, etc. all have variations on Objects.</a:t>
+            </a:r>
+          </a:p>
+          <a:p>
+            <a:r>
+              <a:rPr lang="en-US" dirty="0" smtClean="0"/>
+              <a:t>90% is the same.</a:t>
+            </a:r>
+          </a:p>
+          <a:p>
+            <a:r>
+              <a:rPr lang="en-US" dirty="0" smtClean="0"/>
+              <a:t>Learn one and the slight differences are easy to manage.</a:t>
+            </a:r>
+          </a:p>
+          <a:p>
+            <a:pPr marL="0" indent="0">
+              <a:buNone/>
+            </a:pPr>
+            <a:endParaRPr lang="en-US" dirty="0"/>
+          </a:p>
+          <a:p>
+            <a:pPr marL="0" indent="0">
+              <a:buNone/>
+            </a:pPr>
+            <a:r>
+              <a:rPr lang="en-US" dirty="0" smtClean="0"/>
+              <a:t>JavaScript defines a </a:t>
+            </a:r>
+            <a:r>
+              <a:rPr lang="en-US" b="1" i="1" dirty="0" smtClean="0"/>
+              <a:t>prototype</a:t>
+            </a:r>
+            <a:r>
+              <a:rPr lang="en-US" dirty="0" smtClean="0"/>
+              <a:t> with a single </a:t>
+            </a:r>
+            <a:r>
+              <a:rPr lang="en-US" b="1" i="1" dirty="0" smtClean="0"/>
+              <a:t>constructor</a:t>
+            </a:r>
+            <a:r>
+              <a:rPr lang="en-US" dirty="0" smtClean="0"/>
+              <a:t> function.</a:t>
+            </a:r>
+          </a:p>
+          <a:p>
+            <a:r>
+              <a:rPr lang="en-US" dirty="0" smtClean="0"/>
+              <a:t>Parameters can make each instance unique.</a:t>
+            </a:r>
+          </a:p>
+          <a:p>
+            <a:r>
+              <a:rPr lang="en-US" dirty="0" smtClean="0"/>
+              <a:t>Fields of the prototype are referenced with </a:t>
+            </a:r>
+            <a:r>
+              <a:rPr lang="en-US" b="1" i="1" dirty="0" smtClean="0"/>
+              <a:t>this</a:t>
+            </a:r>
+            <a:r>
+              <a:rPr lang="en-US" dirty="0" smtClean="0"/>
+              <a:t>.</a:t>
+            </a:r>
+          </a:p>
+        </p:txBody>
+      </p:sp>
+      <p:sp>
+        <p:nvSpPr>
+          <p:cNvPr id="12" name="TextBox 11"/>
+          <p:cNvSpPr txBox="1"/>
+          <p:nvPr/>
+        </p:nvSpPr>
+        <p:spPr>
+          <a:xfrm>
+            <a:off x="6772759" y="1264920"/>
+            <a:ext cx="3394129" cy="1200329"/>
+          </a:xfrm>
+          <a:prstGeom prst="rect">
+            <a:avLst/>
+          </a:prstGeom>
+          <a:solidFill>
+            <a:schemeClr val="accent1">
+              <a:lumMod val="40000"/>
+              <a:lumOff val="60000"/>
+            </a:schemeClr>
+          </a:solidFill>
+        </p:spPr>
+        <p:txBody>
+          <a:bodyPr wrap="square" rtlCol="0">
+            <a:spAutoFit/>
+          </a:bodyPr>
+          <a:lstStyle/>
+          <a:p>
+            <a:r>
+              <a:rPr lang="en-US" dirty="0" smtClean="0"/>
+              <a:t>function Person(name)</a:t>
+            </a:r>
+          </a:p>
+          <a:p>
+            <a:r>
+              <a:rPr lang="en-US" dirty="0" smtClean="0"/>
+              <a:t>{</a:t>
+            </a:r>
+          </a:p>
+          <a:p>
+            <a:r>
+              <a:rPr lang="en-US" dirty="0"/>
+              <a:t> </a:t>
+            </a:r>
+            <a:r>
+              <a:rPr lang="en-US" dirty="0" smtClean="0"/>
+              <a:t>  this.name = name;</a:t>
+            </a:r>
+          </a:p>
+          <a:p>
+            <a:r>
+              <a:rPr lang="en-US" dirty="0"/>
+              <a:t>}</a:t>
+            </a:r>
+          </a:p>
+        </p:txBody>
+      </p:sp>
+      <p:sp>
+        <p:nvSpPr>
+          <p:cNvPr id="15" name="TextBox 14"/>
+          <p:cNvSpPr txBox="1"/>
+          <p:nvPr/>
+        </p:nvSpPr>
+        <p:spPr>
+          <a:xfrm>
+            <a:off x="6772759" y="4176413"/>
+            <a:ext cx="3394129" cy="646331"/>
+          </a:xfrm>
+          <a:prstGeom prst="rect">
+            <a:avLst/>
+          </a:prstGeom>
+          <a:solidFill>
+            <a:schemeClr val="accent1">
+              <a:lumMod val="40000"/>
+              <a:lumOff val="60000"/>
+            </a:schemeClr>
+          </a:solidFill>
+        </p:spPr>
+        <p:txBody>
+          <a:bodyPr wrap="square" rtlCol="0">
+            <a:spAutoFit/>
+          </a:bodyPr>
+          <a:lstStyle/>
+          <a:p>
+            <a:r>
+              <a:rPr lang="en-US" dirty="0" err="1" smtClean="0"/>
+              <a:t>var</a:t>
+            </a:r>
+            <a:r>
+              <a:rPr lang="en-US" dirty="0" smtClean="0"/>
+              <a:t> man = new Person(“Bob”);</a:t>
+            </a:r>
+          </a:p>
+          <a:p>
+            <a:r>
+              <a:rPr lang="en-US" dirty="0" err="1" smtClean="0"/>
+              <a:t>var</a:t>
+            </a:r>
+            <a:r>
+              <a:rPr lang="en-US" dirty="0" smtClean="0"/>
+              <a:t> woman = new Person(“Sally”);</a:t>
+            </a:r>
+            <a:endParaRPr lang="en-US" dirty="0"/>
+          </a:p>
+        </p:txBody>
+      </p:sp>
+      <p:sp>
+        <p:nvSpPr>
+          <p:cNvPr id="16" name="Rectangle 15"/>
+          <p:cNvSpPr/>
+          <p:nvPr/>
+        </p:nvSpPr>
+        <p:spPr>
+          <a:xfrm>
+            <a:off x="6612611" y="2874555"/>
+            <a:ext cx="5243592" cy="892552"/>
+          </a:xfrm>
+          <a:prstGeom prst="rect">
+            <a:avLst/>
+          </a:prstGeom>
+        </p:spPr>
+        <p:txBody>
+          <a:bodyPr wrap="square">
+            <a:spAutoFit/>
+          </a:bodyPr>
+          <a:lstStyle/>
+          <a:p>
+            <a:r>
+              <a:rPr lang="en-US" sz="2600" dirty="0" smtClean="0"/>
+              <a:t>Instances are generated with the </a:t>
+            </a:r>
+            <a:r>
+              <a:rPr lang="en-US" sz="2600" b="1" i="1" dirty="0" smtClean="0"/>
+              <a:t>new</a:t>
+            </a:r>
+            <a:r>
+              <a:rPr lang="en-US" sz="2600" dirty="0" smtClean="0"/>
+              <a:t> keyword and the constructor call.</a:t>
+            </a:r>
+            <a:endParaRPr lang="en-US" sz="2600" dirty="0"/>
+          </a:p>
+        </p:txBody>
+      </p:sp>
+      <p:sp>
+        <p:nvSpPr>
+          <p:cNvPr id="17" name="Rectangle 16"/>
+          <p:cNvSpPr/>
+          <p:nvPr/>
+        </p:nvSpPr>
+        <p:spPr>
+          <a:xfrm>
+            <a:off x="6612611" y="5159066"/>
+            <a:ext cx="5243592" cy="892552"/>
+          </a:xfrm>
+          <a:prstGeom prst="rect">
+            <a:avLst/>
+          </a:prstGeom>
+        </p:spPr>
+        <p:txBody>
+          <a:bodyPr wrap="square">
+            <a:spAutoFit/>
+          </a:bodyPr>
+          <a:lstStyle/>
+          <a:p>
+            <a:r>
+              <a:rPr lang="en-US" sz="2600" dirty="0" smtClean="0"/>
+              <a:t>Each </a:t>
+            </a:r>
+            <a:r>
+              <a:rPr lang="en-US" sz="2600" b="1" i="1" dirty="0" smtClean="0"/>
+              <a:t>instantiation</a:t>
+            </a:r>
+            <a:r>
+              <a:rPr lang="en-US" sz="2600" dirty="0" smtClean="0"/>
+              <a:t> reserves a bit of memory for the life of that instance.</a:t>
+            </a:r>
+            <a:endParaRPr lang="en-US" sz="2600" dirty="0"/>
+          </a:p>
+        </p:txBody>
+      </p:sp>
+    </p:spTree>
+    <p:extLst>
+      <p:ext uri="{BB962C8B-B14F-4D97-AF65-F5344CB8AC3E}">
+        <p14:creationId xmlns:p14="http://schemas.microsoft.com/office/powerpoint/2010/main" val="3685077932"/>
       </p:ext>
     </p:extLst>
   </p:cSld>
@@ -3328,6 +8765,374 @@
         <p:cTn id="1" dur="indefinite" restart="never" nodeType="tmRoot"/>
       </p:par>
     </p:tnLst>
+  </p:timing>
+</p:sld>
+</file>
+
+<file path=ppt/slides/slide9.xml><?xml version="1.0" encoding="utf-8"?>
+<p:sld xmlns:a="http://schemas.openxmlformats.org/drawingml/2006/main" xmlns:r="http://schemas.openxmlformats.org/officeDocument/2006/relationships" xmlns:p="http://schemas.openxmlformats.org/presentationml/2006/main">
+  <p:cSld>
+    <p:spTree>
+      <p:nvGrpSpPr>
+        <p:cNvPr id="1" name=""/>
+        <p:cNvGrpSpPr/>
+        <p:nvPr/>
+      </p:nvGrpSpPr>
+      <p:grpSpPr>
+        <a:xfrm>
+          <a:off x="0" y="0"/>
+          <a:ext cx="0" cy="0"/>
+          <a:chOff x="0" y="0"/>
+          <a:chExt cx="0" cy="0"/>
+        </a:xfrm>
+      </p:grpSpPr>
+      <p:sp>
+        <p:nvSpPr>
+          <p:cNvPr id="2" name="Title 1"/>
+          <p:cNvSpPr>
+            <a:spLocks noGrp="1"/>
+          </p:cNvSpPr>
+          <p:nvPr>
+            <p:ph type="title"/>
+          </p:nvPr>
+        </p:nvSpPr>
+        <p:spPr/>
+        <p:txBody>
+          <a:bodyPr>
+            <a:normAutofit fontScale="90000"/>
+          </a:bodyPr>
+          <a:lstStyle/>
+          <a:p>
+            <a:r>
+              <a:rPr lang="en-US" dirty="0" smtClean="0"/>
+              <a:t>Other Prototype Members</a:t>
+            </a:r>
+            <a:endParaRPr lang="en-US" dirty="0"/>
+          </a:p>
+        </p:txBody>
+      </p:sp>
+      <p:sp>
+        <p:nvSpPr>
+          <p:cNvPr id="3" name="Content Placeholder 2"/>
+          <p:cNvSpPr>
+            <a:spLocks noGrp="1"/>
+          </p:cNvSpPr>
+          <p:nvPr>
+            <p:ph idx="1"/>
+          </p:nvPr>
+        </p:nvSpPr>
+        <p:spPr>
+          <a:xfrm>
+            <a:off x="838200" y="1264920"/>
+            <a:ext cx="5361122" cy="4912043"/>
+          </a:xfrm>
+        </p:spPr>
+        <p:txBody>
+          <a:bodyPr>
+            <a:normAutofit lnSpcReduction="10000"/>
+          </a:bodyPr>
+          <a:lstStyle/>
+          <a:p>
+            <a:pPr marL="0" indent="0">
+              <a:buNone/>
+            </a:pPr>
+            <a:r>
+              <a:rPr lang="en-US" dirty="0" smtClean="0"/>
+              <a:t>Once the prototype has been defined, fields and functions can be added.</a:t>
+            </a:r>
+          </a:p>
+          <a:p>
+            <a:pPr marL="0" indent="0">
+              <a:buNone/>
+            </a:pPr>
+            <a:endParaRPr lang="en-US" dirty="0" smtClean="0"/>
+          </a:p>
+          <a:p>
+            <a:pPr marL="0" indent="0">
+              <a:buNone/>
+            </a:pPr>
+            <a:r>
+              <a:rPr lang="en-US" dirty="0" smtClean="0"/>
+              <a:t>Unlike other languages, JavaScript prototypes are never closed.</a:t>
+            </a:r>
+          </a:p>
+          <a:p>
+            <a:r>
+              <a:rPr lang="en-US" dirty="0" smtClean="0"/>
+              <a:t>New members can always be added.</a:t>
+            </a:r>
+          </a:p>
+          <a:p>
+            <a:pPr marL="0" indent="0">
+              <a:buNone/>
+            </a:pPr>
+            <a:endParaRPr lang="en-US" dirty="0"/>
+          </a:p>
+          <a:p>
+            <a:pPr marL="0" indent="0">
+              <a:buNone/>
+            </a:pPr>
+            <a:r>
+              <a:rPr lang="en-US" dirty="0" smtClean="0"/>
+              <a:t>This is sometimes a problem and sometimes a blessing.</a:t>
+            </a:r>
+          </a:p>
+        </p:txBody>
+      </p:sp>
+      <p:sp>
+        <p:nvSpPr>
+          <p:cNvPr id="4" name="TextBox 3"/>
+          <p:cNvSpPr txBox="1"/>
+          <p:nvPr/>
+        </p:nvSpPr>
+        <p:spPr>
+          <a:xfrm>
+            <a:off x="6772759" y="1264920"/>
+            <a:ext cx="3394129" cy="1754326"/>
+          </a:xfrm>
+          <a:prstGeom prst="rect">
+            <a:avLst/>
+          </a:prstGeom>
+          <a:solidFill>
+            <a:schemeClr val="accent1">
+              <a:lumMod val="40000"/>
+              <a:lumOff val="60000"/>
+            </a:schemeClr>
+          </a:solidFill>
+        </p:spPr>
+        <p:txBody>
+          <a:bodyPr wrap="square" rtlCol="0">
+            <a:spAutoFit/>
+          </a:bodyPr>
+          <a:lstStyle/>
+          <a:p>
+            <a:r>
+              <a:rPr lang="en-US" dirty="0" err="1" smtClean="0"/>
+              <a:t>Person.prototype.Call</a:t>
+            </a:r>
+            <a:r>
+              <a:rPr lang="en-US" dirty="0" smtClean="0"/>
+              <a:t> = function()</a:t>
+            </a:r>
+          </a:p>
+          <a:p>
+            <a:r>
+              <a:rPr lang="en-US" dirty="0" smtClean="0"/>
+              <a:t>{</a:t>
+            </a:r>
+          </a:p>
+          <a:p>
+            <a:r>
+              <a:rPr lang="en-US" dirty="0"/>
+              <a:t> </a:t>
+            </a:r>
+            <a:r>
+              <a:rPr lang="en-US" dirty="0" smtClean="0"/>
+              <a:t>  alert(“This is ”+this.name);</a:t>
+            </a:r>
+          </a:p>
+          <a:p>
+            <a:r>
+              <a:rPr lang="en-US" dirty="0" smtClean="0"/>
+              <a:t>}</a:t>
+            </a:r>
+          </a:p>
+          <a:p>
+            <a:endParaRPr lang="en-US" dirty="0"/>
+          </a:p>
+          <a:p>
+            <a:r>
+              <a:rPr lang="en-US" dirty="0" smtClean="0"/>
+              <a:t>Person.prototype.ID;//field</a:t>
+            </a:r>
+            <a:endParaRPr lang="en-US" dirty="0"/>
+          </a:p>
+        </p:txBody>
+      </p:sp>
+      <p:sp>
+        <p:nvSpPr>
+          <p:cNvPr id="5" name="TextBox 4"/>
+          <p:cNvSpPr txBox="1"/>
+          <p:nvPr/>
+        </p:nvSpPr>
+        <p:spPr>
+          <a:xfrm>
+            <a:off x="6772758" y="3946127"/>
+            <a:ext cx="3828083" cy="646331"/>
+          </a:xfrm>
+          <a:prstGeom prst="rect">
+            <a:avLst/>
+          </a:prstGeom>
+          <a:solidFill>
+            <a:schemeClr val="accent1">
+              <a:lumMod val="40000"/>
+              <a:lumOff val="60000"/>
+            </a:schemeClr>
+          </a:solidFill>
+        </p:spPr>
+        <p:txBody>
+          <a:bodyPr wrap="square" rtlCol="0">
+            <a:spAutoFit/>
+          </a:bodyPr>
+          <a:lstStyle/>
+          <a:p>
+            <a:r>
+              <a:rPr lang="en-US" dirty="0" err="1" smtClean="0"/>
+              <a:t>var</a:t>
+            </a:r>
+            <a:r>
+              <a:rPr lang="en-US" dirty="0" smtClean="0"/>
+              <a:t> child = new Person(“Little Billy”);</a:t>
+            </a:r>
+          </a:p>
+          <a:p>
+            <a:r>
+              <a:rPr lang="en-US" dirty="0" err="1" smtClean="0"/>
+              <a:t>child.Id</a:t>
+            </a:r>
+            <a:r>
+              <a:rPr lang="en-US" dirty="0" smtClean="0"/>
+              <a:t> = 7;</a:t>
+            </a:r>
+            <a:endParaRPr lang="en-US" dirty="0"/>
+          </a:p>
+        </p:txBody>
+      </p:sp>
+      <p:sp>
+        <p:nvSpPr>
+          <p:cNvPr id="6" name="Right Arrow 5"/>
+          <p:cNvSpPr/>
+          <p:nvPr/>
+        </p:nvSpPr>
+        <p:spPr>
+          <a:xfrm rot="14812976">
+            <a:off x="7315200" y="4664990"/>
+            <a:ext cx="805912" cy="526942"/>
+          </a:xfrm>
+          <a:prstGeom prst="rightArrow">
+            <a:avLst/>
+          </a:prstGeom>
+          <a:solidFill>
+            <a:srgbClr val="FF0000"/>
+          </a:solidFill>
+          <a:ln>
+            <a:solidFill>
+              <a:schemeClr val="tx1"/>
+            </a:solidFill>
+          </a:ln>
+        </p:spPr>
+        <p:style>
+          <a:lnRef idx="2">
+            <a:schemeClr val="accent1">
+              <a:shade val="50000"/>
+            </a:schemeClr>
+          </a:lnRef>
+          <a:fillRef idx="1">
+            <a:schemeClr val="accent1"/>
+          </a:fillRef>
+          <a:effectRef idx="0">
+            <a:schemeClr val="accent1"/>
+          </a:effectRef>
+          <a:fontRef idx="minor">
+            <a:schemeClr val="lt1"/>
+          </a:fontRef>
+        </p:style>
+        <p:txBody>
+          <a:bodyPr rtlCol="0" anchor="ctr"/>
+          <a:lstStyle/>
+          <a:p>
+            <a:pPr algn="ctr"/>
+            <a:endParaRPr lang="en-US"/>
+          </a:p>
+        </p:txBody>
+      </p:sp>
+    </p:spTree>
+    <p:extLst>
+      <p:ext uri="{BB962C8B-B14F-4D97-AF65-F5344CB8AC3E}">
+        <p14:creationId xmlns:p14="http://schemas.microsoft.com/office/powerpoint/2010/main" val="4167514607"/>
+      </p:ext>
+    </p:extLst>
+  </p:cSld>
+  <p:clrMapOvr>
+    <a:masterClrMapping/>
+  </p:clrMapOvr>
+  <p:timing>
+    <p:tnLst>
+      <p:par>
+        <p:cTn id="1" dur="indefinite" restart="never" nodeType="tmRoot">
+          <p:childTnLst>
+            <p:seq concurrent="1" nextAc="seek">
+              <p:cTn id="2" dur="indefinite" nodeType="mainSeq">
+                <p:childTnLst>
+                  <p:par>
+                    <p:cTn id="3" fill="hold">
+                      <p:stCondLst>
+                        <p:cond delay="indefinite"/>
+                      </p:stCondLst>
+                      <p:childTnLst>
+                        <p:par>
+                          <p:cTn id="4" fill="hold">
+                            <p:stCondLst>
+                              <p:cond delay="0"/>
+                            </p:stCondLst>
+                            <p:childTnLst>
+                              <p:par>
+                                <p:cTn id="5" presetID="1" presetClass="entr" presetSubtype="0" fill="hold" grpId="0" nodeType="clickEffect">
+                                  <p:stCondLst>
+                                    <p:cond delay="0"/>
+                                  </p:stCondLst>
+                                  <p:childTnLst>
+                                    <p:set>
+                                      <p:cBhvr>
+                                        <p:cTn id="6" dur="1" fill="hold">
+                                          <p:stCondLst>
+                                            <p:cond delay="0"/>
+                                          </p:stCondLst>
+                                        </p:cTn>
+                                        <p:tgtEl>
+                                          <p:spTgt spid="6"/>
+                                        </p:tgtEl>
+                                        <p:attrNameLst>
+                                          <p:attrName>style.visibility</p:attrName>
+                                        </p:attrNameLst>
+                                      </p:cBhvr>
+                                      <p:to>
+                                        <p:strVal val="visible"/>
+                                      </p:to>
+                                    </p:set>
+                                  </p:childTnLst>
+                                </p:cTn>
+                              </p:par>
+                            </p:childTnLst>
+                          </p:cTn>
+                        </p:par>
+                      </p:childTnLst>
+                    </p:cTn>
+                  </p:par>
+                </p:childTnLst>
+              </p:cTn>
+              <p:prevCondLst>
+                <p:cond evt="onPrev" delay="0">
+                  <p:tgtEl>
+                    <p:sldTgt/>
+                  </p:tgtEl>
+                </p:cond>
+              </p:prevCondLst>
+              <p:nextCondLst>
+                <p:cond evt="onNext" delay="0">
+                  <p:tgtEl>
+                    <p:sldTgt/>
+                  </p:tgtEl>
+                </p:cond>
+              </p:nextCondLst>
+            </p:seq>
+          </p:childTnLst>
+        </p:cTn>
+      </p:par>
+    </p:tnLst>
+    <p:bldLst>
+      <p:bldP spid="6" grpId="0" animBg="1"/>
+    </p:bldLst>
   </p:timing>
 </p:sld>
 </file>
